--- a/week09/polimorphism.pptx
+++ b/week09/polimorphism.pptx
@@ -15,9 +15,9 @@
     <p:sldId id="354" r:id="rId6"/>
     <p:sldId id="367" r:id="rId7"/>
     <p:sldId id="362" r:id="rId8"/>
-    <p:sldId id="368" r:id="rId9"/>
-    <p:sldId id="376" r:id="rId10"/>
-    <p:sldId id="377" r:id="rId11"/>
+    <p:sldId id="383" r:id="rId9"/>
+    <p:sldId id="368" r:id="rId10"/>
+    <p:sldId id="376" r:id="rId11"/>
     <p:sldId id="378" r:id="rId12"/>
     <p:sldId id="379" r:id="rId13"/>
     <p:sldId id="380" r:id="rId14"/>
@@ -35,7 +35,7 @@
   <p:notesSz cx="6858000" cy="9144000"/>
   <p:embeddedFontLst>
     <p:embeddedFont>
-      <p:font typeface="Cabin" charset="0"/>
+      <p:font typeface="Cabin" panose="020B0604020202020204" charset="0"/>
       <p:regular r:id="rId25"/>
       <p:bold r:id="rId26"/>
       <p:italic r:id="rId27"/>
@@ -13291,12 +13291,12 @@
               <a:t>1</a:t>
             </a:r>
             <a:r>
-              <a:rPr lang="en-US" sz="3200" dirty="0" smtClean="0">
+              <a:rPr lang="en-US" sz="3200" smtClean="0">
                 <a:solidFill>
                   <a:schemeClr val="tx1"/>
                 </a:solidFill>
               </a:rPr>
-              <a:t>4</a:t>
+              <a:t>5</a:t>
             </a:r>
             <a:endParaRPr lang="ru-RU" sz="3200" dirty="0">
               <a:solidFill>
@@ -13330,11 +13330,6 @@
               </a:rPr>
               <a:t>и перегрузка операторов</a:t>
             </a:r>
-            <a:endParaRPr lang="ru-RU" sz="3200" dirty="0" smtClean="0">
-              <a:solidFill>
-                <a:schemeClr val="tx1"/>
-              </a:solidFill>
-            </a:endParaRPr>
           </a:p>
         </p:txBody>
       </p:sp>
@@ -16161,7 +16156,7 @@
                 <a:latin typeface="Courier New" pitchFamily="49" charset="0"/>
                 <a:cs typeface="Courier New" pitchFamily="49" charset="0"/>
               </a:rPr>
-              <a:t> = y</a:t>
+              <a:t> = y     </a:t>
             </a:r>
             <a:br>
               <a:rPr kumimoji="0" lang="ru-RU" sz="3200" b="0" i="0" u="none" strike="noStrike" cap="none" normalizeH="0" baseline="0" dirty="0" smtClean="0">
@@ -16176,33 +16171,35 @@
                 <a:cs typeface="Courier New" pitchFamily="49" charset="0"/>
               </a:rPr>
             </a:br>
-            <a:r>
-              <a:rPr kumimoji="0" lang="ru-RU" sz="3200" b="0" i="0" u="none" strike="noStrike" cap="none" normalizeH="0" baseline="0" dirty="0" smtClean="0">
-                <a:ln>
-                  <a:noFill/>
-                </a:ln>
-                <a:solidFill>
-                  <a:srgbClr val="000000"/>
-                </a:solidFill>
-                <a:effectLst/>
-                <a:latin typeface="Courier New" pitchFamily="49" charset="0"/>
-                <a:cs typeface="Courier New" pitchFamily="49" charset="0"/>
-              </a:rPr>
-              <a:t>        </a:t>
-            </a:r>
-            <a:br>
-              <a:rPr kumimoji="0" lang="ru-RU" sz="3200" b="0" i="0" u="none" strike="noStrike" cap="none" normalizeH="0" baseline="0" dirty="0" smtClean="0">
-                <a:ln>
-                  <a:noFill/>
-                </a:ln>
-                <a:solidFill>
-                  <a:srgbClr val="000000"/>
-                </a:solidFill>
-                <a:effectLst/>
-                <a:latin typeface="Courier New" pitchFamily="49" charset="0"/>
-                <a:cs typeface="Courier New" pitchFamily="49" charset="0"/>
-              </a:rPr>
-            </a:br>
+            <a:endParaRPr kumimoji="0" lang="en-US" sz="3200" b="0" i="0" u="none" strike="noStrike" cap="none" normalizeH="0" baseline="0" dirty="0" smtClean="0">
+              <a:ln>
+                <a:noFill/>
+              </a:ln>
+              <a:solidFill>
+                <a:srgbClr val="000000"/>
+              </a:solidFill>
+              <a:effectLst/>
+              <a:latin typeface="Courier New" pitchFamily="49" charset="0"/>
+              <a:cs typeface="Courier New" pitchFamily="49" charset="0"/>
+            </a:endParaRPr>
+          </a:p>
+          <a:p>
+            <a:pPr marL="0" marR="0" lvl="0" indent="0" algn="l" defTabSz="914400" rtl="0" eaLnBrk="1" fontAlgn="base" latinLnBrk="0" hangingPunct="1">
+              <a:lnSpc>
+                <a:spcPct val="100000"/>
+              </a:lnSpc>
+              <a:spcBef>
+                <a:spcPct val="0"/>
+              </a:spcBef>
+              <a:spcAft>
+                <a:spcPct val="0"/>
+              </a:spcAft>
+              <a:buClrTx/>
+              <a:buSzTx/>
+              <a:buFontTx/>
+              <a:buNone/>
+              <a:tabLst/>
+            </a:pPr>
             <a:r>
               <a:rPr kumimoji="0" lang="ru-RU" sz="3200" b="1" i="0" u="none" strike="noStrike" cap="none" normalizeH="0" baseline="0" dirty="0" err="1" smtClean="0">
                 <a:ln>
@@ -16846,7 +16843,7 @@
                             </p:stCondLst>
                             <p:childTnLst>
                               <p:par>
-                                <p:cTn id="5" presetID="1" presetClass="entr" presetSubtype="0" fill="hold" grpId="0" nodeType="clickEffect">
+                                <p:cTn id="5" presetID="1" presetClass="entr" presetSubtype="0" fill="hold" nodeType="clickEffect">
                                   <p:stCondLst>
                                     <p:cond delay="0"/>
                                   </p:stCondLst>
@@ -16854,6 +16851,104 @@
                                     <p:set>
                                       <p:cBhvr>
                                         <p:cTn id="6" dur="1" fill="hold">
+                                          <p:stCondLst>
+                                            <p:cond delay="0"/>
+                                          </p:stCondLst>
+                                        </p:cTn>
+                                        <p:tgtEl>
+                                          <p:spTgt spid="2">
+                                            <p:txEl>
+                                              <p:pRg st="0" end="0"/>
+                                            </p:txEl>
+                                          </p:spTgt>
+                                        </p:tgtEl>
+                                        <p:attrNameLst>
+                                          <p:attrName>style.visibility</p:attrName>
+                                        </p:attrNameLst>
+                                      </p:cBhvr>
+                                      <p:to>
+                                        <p:strVal val="visible"/>
+                                      </p:to>
+                                    </p:set>
+                                  </p:childTnLst>
+                                </p:cTn>
+                              </p:par>
+                            </p:childTnLst>
+                          </p:cTn>
+                        </p:par>
+                      </p:childTnLst>
+                    </p:cTn>
+                  </p:par>
+                  <p:par>
+                    <p:cTn id="7" fill="hold">
+                      <p:stCondLst>
+                        <p:cond delay="indefinite"/>
+                      </p:stCondLst>
+                      <p:childTnLst>
+                        <p:par>
+                          <p:cTn id="8" fill="hold">
+                            <p:stCondLst>
+                              <p:cond delay="0"/>
+                            </p:stCondLst>
+                            <p:childTnLst>
+                              <p:par>
+                                <p:cTn id="9" presetID="1" presetClass="entr" presetSubtype="0" fill="hold" nodeType="clickEffect">
+                                  <p:stCondLst>
+                                    <p:cond delay="0"/>
+                                  </p:stCondLst>
+                                  <p:childTnLst>
+                                    <p:set>
+                                      <p:cBhvr>
+                                        <p:cTn id="10" dur="1" fill="hold">
+                                          <p:stCondLst>
+                                            <p:cond delay="0"/>
+                                          </p:stCondLst>
+                                        </p:cTn>
+                                        <p:tgtEl>
+                                          <p:spTgt spid="2">
+                                            <p:txEl>
+                                              <p:pRg st="1" end="1"/>
+                                            </p:txEl>
+                                          </p:spTgt>
+                                        </p:tgtEl>
+                                        <p:attrNameLst>
+                                          <p:attrName>style.visibility</p:attrName>
+                                        </p:attrNameLst>
+                                      </p:cBhvr>
+                                      <p:to>
+                                        <p:strVal val="visible"/>
+                                      </p:to>
+                                    </p:set>
+                                  </p:childTnLst>
+                                </p:cTn>
+                              </p:par>
+                            </p:childTnLst>
+                          </p:cTn>
+                        </p:par>
+                      </p:childTnLst>
+                    </p:cTn>
+                  </p:par>
+                  <p:par>
+                    <p:cTn id="11" fill="hold">
+                      <p:stCondLst>
+                        <p:cond delay="indefinite"/>
+                      </p:stCondLst>
+                      <p:childTnLst>
+                        <p:par>
+                          <p:cTn id="12" fill="hold">
+                            <p:stCondLst>
+                              <p:cond delay="0"/>
+                            </p:stCondLst>
+                            <p:childTnLst>
+                              <p:par>
+                                <p:cTn id="13" presetID="1" presetClass="entr" presetSubtype="0" fill="hold" grpId="0" nodeType="clickEffect">
+                                  <p:stCondLst>
+                                    <p:cond delay="0"/>
+                                  </p:stCondLst>
+                                  <p:childTnLst>
+                                    <p:set>
+                                      <p:cBhvr>
+                                        <p:cTn id="14" dur="1" fill="hold">
                                           <p:stCondLst>
                                             <p:cond delay="0"/>
                                           </p:stCondLst>
@@ -16873,14 +16968,14 @@
                                 </p:cTn>
                               </p:par>
                               <p:par>
-                                <p:cTn id="7" presetID="1" presetClass="entr" presetSubtype="0" fill="hold" nodeType="withEffect">
+                                <p:cTn id="15" presetID="1" presetClass="entr" presetSubtype="0" fill="hold" nodeType="withEffect">
                                   <p:stCondLst>
                                     <p:cond delay="0"/>
                                   </p:stCondLst>
                                   <p:childTnLst>
                                     <p:set>
                                       <p:cBhvr>
-                                        <p:cTn id="8" dur="1" fill="hold">
+                                        <p:cTn id="16" dur="1" fill="hold">
                                           <p:stCondLst>
                                             <p:cond delay="0"/>
                                           </p:stCondLst>
@@ -16900,14 +16995,14 @@
                                 </p:cTn>
                               </p:par>
                               <p:par>
-                                <p:cTn id="9" presetID="1" presetClass="entr" presetSubtype="0" fill="hold" grpId="0" nodeType="withEffect">
+                                <p:cTn id="17" presetID="1" presetClass="entr" presetSubtype="0" fill="hold" grpId="0" nodeType="withEffect">
                                   <p:stCondLst>
                                     <p:cond delay="0"/>
                                   </p:stCondLst>
                                   <p:childTnLst>
                                     <p:set>
                                       <p:cBhvr>
-                                        <p:cTn id="10" dur="1" fill="hold">
+                                        <p:cTn id="18" dur="1" fill="hold">
                                           <p:stCondLst>
                                             <p:cond delay="0"/>
                                           </p:stCondLst>
@@ -16927,14 +17022,14 @@
                                 </p:cTn>
                               </p:par>
                               <p:par>
-                                <p:cTn id="11" presetID="1" presetClass="entr" presetSubtype="0" fill="hold" nodeType="withEffect">
+                                <p:cTn id="19" presetID="1" presetClass="entr" presetSubtype="0" fill="hold" nodeType="withEffect">
                                   <p:stCondLst>
                                     <p:cond delay="0"/>
                                   </p:stCondLst>
                                   <p:childTnLst>
                                     <p:set>
                                       <p:cBhvr>
-                                        <p:cTn id="12" dur="1" fill="hold">
+                                        <p:cTn id="20" dur="1" fill="hold">
                                           <p:stCondLst>
                                             <p:cond delay="0"/>
                                           </p:stCondLst>
@@ -16960,26 +17055,26 @@
                     </p:cTn>
                   </p:par>
                   <p:par>
-                    <p:cTn id="13" fill="hold">
+                    <p:cTn id="21" fill="hold">
                       <p:stCondLst>
                         <p:cond delay="indefinite"/>
                       </p:stCondLst>
                       <p:childTnLst>
                         <p:par>
-                          <p:cTn id="14" fill="hold">
+                          <p:cTn id="22" fill="hold">
                             <p:stCondLst>
                               <p:cond delay="0"/>
                             </p:stCondLst>
                             <p:childTnLst>
                               <p:par>
-                                <p:cTn id="15" presetID="1" presetClass="entr" presetSubtype="0" fill="hold" grpId="0" nodeType="clickEffect">
+                                <p:cTn id="23" presetID="1" presetClass="entr" presetSubtype="0" fill="hold" grpId="0" nodeType="clickEffect">
                                   <p:stCondLst>
                                     <p:cond delay="0"/>
                                   </p:stCondLst>
                                   <p:childTnLst>
                                     <p:set>
                                       <p:cBhvr>
-                                        <p:cTn id="16" dur="1" fill="hold">
+                                        <p:cTn id="24" dur="1" fill="hold">
                                           <p:stCondLst>
                                             <p:cond delay="0"/>
                                           </p:stCondLst>
@@ -16999,14 +17094,14 @@
                                 </p:cTn>
                               </p:par>
                               <p:par>
-                                <p:cTn id="17" presetID="1" presetClass="entr" presetSubtype="0" fill="hold" nodeType="withEffect">
+                                <p:cTn id="25" presetID="1" presetClass="entr" presetSubtype="0" fill="hold" nodeType="withEffect">
                                   <p:stCondLst>
                                     <p:cond delay="0"/>
                                   </p:stCondLst>
                                   <p:childTnLst>
                                     <p:set>
                                       <p:cBhvr>
-                                        <p:cTn id="18" dur="1" fill="hold">
+                                        <p:cTn id="26" dur="1" fill="hold">
                                           <p:stCondLst>
                                             <p:cond delay="0"/>
                                           </p:stCondLst>
@@ -19482,21 +19577,101 @@
           <a:p>
             <a:pPr marL="82296" indent="0">
               <a:buClrTx/>
-              <a:buFont typeface="Cabin"/>
               <a:buNone/>
             </a:pPr>
             <a:r>
+              <a:rPr lang="en-US" sz="3200" b="1" dirty="0">
+                <a:latin typeface="Courier New" pitchFamily="49" charset="0"/>
+                <a:cs typeface="Courier New" pitchFamily="49" charset="0"/>
+              </a:rPr>
+              <a:t> </a:t>
+            </a:r>
+            <a:r>
               <a:rPr lang="en-US" sz="3200" b="1" dirty="0" smtClean="0">
                 <a:latin typeface="Courier New" pitchFamily="49" charset="0"/>
                 <a:cs typeface="Courier New" pitchFamily="49" charset="0"/>
               </a:rPr>
-              <a:t>    __speed = 200</a:t>
-            </a:r>
+              <a:t>	</a:t>
+            </a:r>
+            <a:r>
+              <a:rPr lang="en-US" sz="3200" b="1" dirty="0" err="1" smtClean="0">
+                <a:solidFill>
+                  <a:srgbClr val="F6640A"/>
+                </a:solidFill>
+                <a:latin typeface="Courier New" pitchFamily="49" charset="0"/>
+                <a:cs typeface="Courier New" pitchFamily="49" charset="0"/>
+              </a:rPr>
+              <a:t>def</a:t>
+            </a:r>
+            <a:r>
+              <a:rPr lang="en-US" sz="3200" b="1" dirty="0" smtClean="0">
+                <a:latin typeface="Courier New" pitchFamily="49" charset="0"/>
+                <a:cs typeface="Courier New" pitchFamily="49" charset="0"/>
+              </a:rPr>
+              <a:t> </a:t>
+            </a:r>
+            <a:r>
+              <a:rPr lang="en-US" sz="3200" b="1" dirty="0" smtClean="0">
+                <a:solidFill>
+                  <a:srgbClr val="00B050"/>
+                </a:solidFill>
+                <a:latin typeface="Courier New" pitchFamily="49" charset="0"/>
+                <a:cs typeface="Courier New" pitchFamily="49" charset="0"/>
+              </a:rPr>
+              <a:t>__</a:t>
+            </a:r>
+            <a:r>
+              <a:rPr lang="en-US" sz="3200" b="1" dirty="0" err="1" smtClean="0">
+                <a:solidFill>
+                  <a:srgbClr val="00B050"/>
+                </a:solidFill>
+                <a:latin typeface="Courier New" pitchFamily="49" charset="0"/>
+                <a:cs typeface="Courier New" pitchFamily="49" charset="0"/>
+              </a:rPr>
+              <a:t>init</a:t>
+            </a:r>
+            <a:r>
+              <a:rPr lang="en-US" sz="3200" b="1" dirty="0" smtClean="0">
+                <a:solidFill>
+                  <a:srgbClr val="00B050"/>
+                </a:solidFill>
+                <a:latin typeface="Courier New" pitchFamily="49" charset="0"/>
+                <a:cs typeface="Courier New" pitchFamily="49" charset="0"/>
+              </a:rPr>
+              <a:t>__</a:t>
+            </a:r>
+            <a:r>
+              <a:rPr lang="en-US" sz="3200" b="1" dirty="0" smtClean="0">
+                <a:latin typeface="Courier New" pitchFamily="49" charset="0"/>
+                <a:cs typeface="Courier New" pitchFamily="49" charset="0"/>
+              </a:rPr>
+              <a:t>(</a:t>
+            </a:r>
+            <a:r>
+              <a:rPr lang="en-US" sz="3200" b="1" dirty="0" smtClean="0">
+                <a:solidFill>
+                  <a:srgbClr val="7030A0"/>
+                </a:solidFill>
+                <a:latin typeface="Courier New" pitchFamily="49" charset="0"/>
+                <a:cs typeface="Courier New" pitchFamily="49" charset="0"/>
+              </a:rPr>
+              <a:t>self, speed</a:t>
+            </a:r>
+            <a:r>
+              <a:rPr lang="en-US" sz="3200" b="1" dirty="0" smtClean="0">
+                <a:latin typeface="Courier New" pitchFamily="49" charset="0"/>
+                <a:cs typeface="Courier New" pitchFamily="49" charset="0"/>
+              </a:rPr>
+              <a:t>):</a:t>
+            </a:r>
+            <a:endParaRPr lang="en-US" sz="3200" b="1" dirty="0">
+              <a:latin typeface="Courier New" pitchFamily="49" charset="0"/>
+              <a:cs typeface="Courier New" pitchFamily="49" charset="0"/>
+            </a:endParaRPr>
           </a:p>
           <a:p>
             <a:pPr marL="82296" indent="0">
               <a:buClrTx/>
-              <a:buFont typeface="Cabin"/>
               <a:buNone/>
             </a:pPr>
             <a:r>
@@ -19504,7 +19679,7 @@
                 <a:latin typeface="Courier New" pitchFamily="49" charset="0"/>
                 <a:cs typeface="Courier New" pitchFamily="49" charset="0"/>
               </a:rPr>
-              <a:t>    ...</a:t>
+              <a:t>		__speed = speed</a:t>
             </a:r>
           </a:p>
           <a:p>
@@ -19515,10 +19690,13 @@
             </a:pPr>
             <a:r>
               <a:rPr lang="en-US" sz="3200" b="1" dirty="0" smtClean="0">
-                <a:latin typeface="Courier New" pitchFamily="49" charset="0"/>
-                <a:cs typeface="Courier New" pitchFamily="49" charset="0"/>
-              </a:rPr>
-              <a:t>    </a:t>
+                <a:solidFill>
+                  <a:srgbClr val="F6640A"/>
+                </a:solidFill>
+                <a:latin typeface="Courier New" pitchFamily="49" charset="0"/>
+                <a:cs typeface="Courier New" pitchFamily="49" charset="0"/>
+              </a:rPr>
+              <a:t>	</a:t>
             </a:r>
             <a:r>
               <a:rPr lang="en-US" sz="3200" b="1" dirty="0" err="1" smtClean="0">
@@ -19696,7 +19874,7 @@
                 <a:latin typeface="Courier New" pitchFamily="49" charset="0"/>
                 <a:cs typeface="Courier New" pitchFamily="49" charset="0"/>
               </a:rPr>
-              <a:t>()</a:t>
+              <a:t>(200)</a:t>
             </a:r>
           </a:p>
           <a:p>
@@ -19768,7 +19946,340 @@
   <p:timing>
     <p:tnLst>
       <p:par>
-        <p:cTn id="1" dur="indefinite" restart="never" nodeType="tmRoot"/>
+        <p:cTn id="1" dur="indefinite" restart="never" nodeType="tmRoot">
+          <p:childTnLst>
+            <p:seq concurrent="1" nextAc="seek">
+              <p:cTn id="2" dur="indefinite" nodeType="mainSeq">
+                <p:childTnLst>
+                  <p:par>
+                    <p:cTn id="3" fill="hold">
+                      <p:stCondLst>
+                        <p:cond delay="indefinite"/>
+                        <p:cond evt="onBegin" delay="0">
+                          <p:tn val="2"/>
+                        </p:cond>
+                      </p:stCondLst>
+                      <p:childTnLst>
+                        <p:par>
+                          <p:cTn id="4" fill="hold">
+                            <p:stCondLst>
+                              <p:cond delay="0"/>
+                            </p:stCondLst>
+                            <p:childTnLst>
+                              <p:par>
+                                <p:cTn id="5" presetID="1" presetClass="entr" presetSubtype="0" fill="hold" nodeType="afterEffect">
+                                  <p:stCondLst>
+                                    <p:cond delay="0"/>
+                                  </p:stCondLst>
+                                  <p:childTnLst>
+                                    <p:set>
+                                      <p:cBhvr>
+                                        <p:cTn id="6" dur="1" fill="hold">
+                                          <p:stCondLst>
+                                            <p:cond delay="0"/>
+                                          </p:stCondLst>
+                                        </p:cTn>
+                                        <p:tgtEl>
+                                          <p:spTgt spid="4">
+                                            <p:txEl>
+                                              <p:pRg st="0" end="0"/>
+                                            </p:txEl>
+                                          </p:spTgt>
+                                        </p:tgtEl>
+                                        <p:attrNameLst>
+                                          <p:attrName>style.visibility</p:attrName>
+                                        </p:attrNameLst>
+                                      </p:cBhvr>
+                                      <p:to>
+                                        <p:strVal val="visible"/>
+                                      </p:to>
+                                    </p:set>
+                                  </p:childTnLst>
+                                </p:cTn>
+                              </p:par>
+                            </p:childTnLst>
+                          </p:cTn>
+                        </p:par>
+                        <p:par>
+                          <p:cTn id="7" fill="hold">
+                            <p:stCondLst>
+                              <p:cond delay="0"/>
+                            </p:stCondLst>
+                            <p:childTnLst>
+                              <p:par>
+                                <p:cTn id="8" presetID="1" presetClass="entr" presetSubtype="0" fill="hold" nodeType="afterEffect">
+                                  <p:stCondLst>
+                                    <p:cond delay="0"/>
+                                  </p:stCondLst>
+                                  <p:childTnLst>
+                                    <p:set>
+                                      <p:cBhvr>
+                                        <p:cTn id="9" dur="1" fill="hold">
+                                          <p:stCondLst>
+                                            <p:cond delay="0"/>
+                                          </p:stCondLst>
+                                        </p:cTn>
+                                        <p:tgtEl>
+                                          <p:spTgt spid="4">
+                                            <p:txEl>
+                                              <p:pRg st="1" end="1"/>
+                                            </p:txEl>
+                                          </p:spTgt>
+                                        </p:tgtEl>
+                                        <p:attrNameLst>
+                                          <p:attrName>style.visibility</p:attrName>
+                                        </p:attrNameLst>
+                                      </p:cBhvr>
+                                      <p:to>
+                                        <p:strVal val="visible"/>
+                                      </p:to>
+                                    </p:set>
+                                  </p:childTnLst>
+                                </p:cTn>
+                              </p:par>
+                            </p:childTnLst>
+                          </p:cTn>
+                        </p:par>
+                        <p:par>
+                          <p:cTn id="10" fill="hold">
+                            <p:stCondLst>
+                              <p:cond delay="0"/>
+                            </p:stCondLst>
+                            <p:childTnLst>
+                              <p:par>
+                                <p:cTn id="11" presetID="1" presetClass="entr" presetSubtype="0" fill="hold" nodeType="afterEffect">
+                                  <p:stCondLst>
+                                    <p:cond delay="0"/>
+                                  </p:stCondLst>
+                                  <p:childTnLst>
+                                    <p:set>
+                                      <p:cBhvr>
+                                        <p:cTn id="12" dur="1" fill="hold">
+                                          <p:stCondLst>
+                                            <p:cond delay="0"/>
+                                          </p:stCondLst>
+                                        </p:cTn>
+                                        <p:tgtEl>
+                                          <p:spTgt spid="4">
+                                            <p:txEl>
+                                              <p:pRg st="2" end="2"/>
+                                            </p:txEl>
+                                          </p:spTgt>
+                                        </p:tgtEl>
+                                        <p:attrNameLst>
+                                          <p:attrName>style.visibility</p:attrName>
+                                        </p:attrNameLst>
+                                      </p:cBhvr>
+                                      <p:to>
+                                        <p:strVal val="visible"/>
+                                      </p:to>
+                                    </p:set>
+                                  </p:childTnLst>
+                                </p:cTn>
+                              </p:par>
+                            </p:childTnLst>
+                          </p:cTn>
+                        </p:par>
+                      </p:childTnLst>
+                    </p:cTn>
+                  </p:par>
+                  <p:par>
+                    <p:cTn id="13" fill="hold">
+                      <p:stCondLst>
+                        <p:cond delay="indefinite"/>
+                      </p:stCondLst>
+                      <p:childTnLst>
+                        <p:par>
+                          <p:cTn id="14" fill="hold">
+                            <p:stCondLst>
+                              <p:cond delay="0"/>
+                            </p:stCondLst>
+                            <p:childTnLst>
+                              <p:par>
+                                <p:cTn id="15" presetID="1" presetClass="entr" presetSubtype="0" fill="hold" nodeType="clickEffect">
+                                  <p:stCondLst>
+                                    <p:cond delay="0"/>
+                                  </p:stCondLst>
+                                  <p:childTnLst>
+                                    <p:set>
+                                      <p:cBhvr>
+                                        <p:cTn id="16" dur="1" fill="hold">
+                                          <p:stCondLst>
+                                            <p:cond delay="0"/>
+                                          </p:stCondLst>
+                                        </p:cTn>
+                                        <p:tgtEl>
+                                          <p:spTgt spid="4">
+                                            <p:txEl>
+                                              <p:pRg st="5" end="5"/>
+                                            </p:txEl>
+                                          </p:spTgt>
+                                        </p:tgtEl>
+                                        <p:attrNameLst>
+                                          <p:attrName>style.visibility</p:attrName>
+                                        </p:attrNameLst>
+                                      </p:cBhvr>
+                                      <p:to>
+                                        <p:strVal val="visible"/>
+                                      </p:to>
+                                    </p:set>
+                                  </p:childTnLst>
+                                </p:cTn>
+                              </p:par>
+                            </p:childTnLst>
+                          </p:cTn>
+                        </p:par>
+                      </p:childTnLst>
+                    </p:cTn>
+                  </p:par>
+                  <p:par>
+                    <p:cTn id="17" fill="hold">
+                      <p:stCondLst>
+                        <p:cond delay="indefinite"/>
+                      </p:stCondLst>
+                      <p:childTnLst>
+                        <p:par>
+                          <p:cTn id="18" fill="hold">
+                            <p:stCondLst>
+                              <p:cond delay="0"/>
+                            </p:stCondLst>
+                            <p:childTnLst>
+                              <p:par>
+                                <p:cTn id="19" presetID="1" presetClass="entr" presetSubtype="0" fill="hold" nodeType="clickEffect">
+                                  <p:stCondLst>
+                                    <p:cond delay="0"/>
+                                  </p:stCondLst>
+                                  <p:childTnLst>
+                                    <p:set>
+                                      <p:cBhvr>
+                                        <p:cTn id="20" dur="1" fill="hold">
+                                          <p:stCondLst>
+                                            <p:cond delay="0"/>
+                                          </p:stCondLst>
+                                        </p:cTn>
+                                        <p:tgtEl>
+                                          <p:spTgt spid="4">
+                                            <p:txEl>
+                                              <p:pRg st="4" end="4"/>
+                                            </p:txEl>
+                                          </p:spTgt>
+                                        </p:tgtEl>
+                                        <p:attrNameLst>
+                                          <p:attrName>style.visibility</p:attrName>
+                                        </p:attrNameLst>
+                                      </p:cBhvr>
+                                      <p:to>
+                                        <p:strVal val="visible"/>
+                                      </p:to>
+                                    </p:set>
+                                  </p:childTnLst>
+                                </p:cTn>
+                              </p:par>
+                              <p:par>
+                                <p:cTn id="21" presetID="1" presetClass="entr" presetSubtype="0" fill="hold" nodeType="withEffect">
+                                  <p:stCondLst>
+                                    <p:cond delay="0"/>
+                                  </p:stCondLst>
+                                  <p:childTnLst>
+                                    <p:set>
+                                      <p:cBhvr>
+                                        <p:cTn id="22" dur="1" fill="hold">
+                                          <p:stCondLst>
+                                            <p:cond delay="0"/>
+                                          </p:stCondLst>
+                                        </p:cTn>
+                                        <p:tgtEl>
+                                          <p:spTgt spid="4">
+                                            <p:txEl>
+                                              <p:pRg st="3" end="3"/>
+                                            </p:txEl>
+                                          </p:spTgt>
+                                        </p:tgtEl>
+                                        <p:attrNameLst>
+                                          <p:attrName>style.visibility</p:attrName>
+                                        </p:attrNameLst>
+                                      </p:cBhvr>
+                                      <p:to>
+                                        <p:strVal val="visible"/>
+                                      </p:to>
+                                    </p:set>
+                                  </p:childTnLst>
+                                </p:cTn>
+                              </p:par>
+                            </p:childTnLst>
+                          </p:cTn>
+                        </p:par>
+                      </p:childTnLst>
+                    </p:cTn>
+                  </p:par>
+                  <p:par>
+                    <p:cTn id="23" fill="hold">
+                      <p:stCondLst>
+                        <p:cond delay="indefinite"/>
+                      </p:stCondLst>
+                      <p:childTnLst>
+                        <p:par>
+                          <p:cTn id="24" fill="hold">
+                            <p:stCondLst>
+                              <p:cond delay="0"/>
+                            </p:stCondLst>
+                            <p:childTnLst>
+                              <p:par>
+                                <p:cTn id="25" presetID="1" presetClass="entr" presetSubtype="0" fill="hold" nodeType="clickEffect">
+                                  <p:stCondLst>
+                                    <p:cond delay="0"/>
+                                  </p:stCondLst>
+                                  <p:childTnLst>
+                                    <p:set>
+                                      <p:cBhvr>
+                                        <p:cTn id="26" dur="1" fill="hold">
+                                          <p:stCondLst>
+                                            <p:cond delay="0"/>
+                                          </p:stCondLst>
+                                        </p:cTn>
+                                        <p:tgtEl>
+                                          <p:spTgt spid="4">
+                                            <p:txEl>
+                                              <p:pRg st="6" end="6"/>
+                                            </p:txEl>
+                                          </p:spTgt>
+                                        </p:tgtEl>
+                                        <p:attrNameLst>
+                                          <p:attrName>style.visibility</p:attrName>
+                                        </p:attrNameLst>
+                                      </p:cBhvr>
+                                      <p:to>
+                                        <p:strVal val="visible"/>
+                                      </p:to>
+                                    </p:set>
+                                  </p:childTnLst>
+                                </p:cTn>
+                              </p:par>
+                            </p:childTnLst>
+                          </p:cTn>
+                        </p:par>
+                      </p:childTnLst>
+                    </p:cTn>
+                  </p:par>
+                </p:childTnLst>
+              </p:cTn>
+              <p:prevCondLst>
+                <p:cond evt="onPrev" delay="0">
+                  <p:tgtEl>
+                    <p:sldTgt/>
+                  </p:tgtEl>
+                </p:cond>
+              </p:prevCondLst>
+              <p:nextCondLst>
+                <p:cond evt="onNext" delay="0">
+                  <p:tgtEl>
+                    <p:sldTgt/>
+                  </p:tgtEl>
+                </p:cond>
+              </p:nextCondLst>
+            </p:seq>
+          </p:childTnLst>
+        </p:cTn>
       </p:par>
     </p:tnLst>
   </p:timing>
@@ -22471,7 +22982,137 @@
               <a:buFont typeface="+mj-lt"/>
               <a:buAutoNum type="arabicPeriod"/>
             </a:pPr>
-            <a:endParaRPr lang="ru-RU" sz="2800" dirty="0" smtClean="0"/>
+            <a:r>
+              <a:rPr lang="ru-RU" sz="2800" dirty="0" smtClean="0"/>
+              <a:t>Что такое наследование?</a:t>
+            </a:r>
+          </a:p>
+          <a:p>
+            <a:pPr marL="1083056" indent="-514350">
+              <a:lnSpc>
+                <a:spcPct val="150000"/>
+              </a:lnSpc>
+              <a:spcBef>
+                <a:spcPts val="0"/>
+              </a:spcBef>
+              <a:buClrTx/>
+              <a:buFont typeface="+mj-lt"/>
+              <a:buAutoNum type="arabicPeriod"/>
+            </a:pPr>
+            <a:r>
+              <a:rPr lang="ru-RU" sz="2800" dirty="0" smtClean="0"/>
+              <a:t>Какой класс является базовым для всех классов в </a:t>
+            </a:r>
+            <a:r>
+              <a:rPr lang="en-US" sz="2800" dirty="0" smtClean="0"/>
+              <a:t>python</a:t>
+            </a:r>
+            <a:r>
+              <a:rPr lang="ru-RU" sz="2800" dirty="0" smtClean="0"/>
+              <a:t>?</a:t>
+            </a:r>
+          </a:p>
+          <a:p>
+            <a:pPr marL="1083056" indent="-514350">
+              <a:lnSpc>
+                <a:spcPct val="150000"/>
+              </a:lnSpc>
+              <a:spcBef>
+                <a:spcPts val="0"/>
+              </a:spcBef>
+              <a:buClrTx/>
+              <a:buFont typeface="+mj-lt"/>
+              <a:buAutoNum type="arabicPeriod"/>
+            </a:pPr>
+            <a:r>
+              <a:rPr lang="ru-RU" sz="2800" dirty="0" smtClean="0"/>
+              <a:t>Назначение функции </a:t>
+            </a:r>
+            <a:r>
+              <a:rPr lang="en-US" sz="2800" dirty="0" err="1" smtClean="0"/>
+              <a:t>issubclass</a:t>
+            </a:r>
+            <a:r>
+              <a:rPr lang="en-US" sz="2800" dirty="0" smtClean="0"/>
+              <a:t>?</a:t>
+            </a:r>
+          </a:p>
+          <a:p>
+            <a:pPr marL="1083056" indent="-514350">
+              <a:lnSpc>
+                <a:spcPct val="150000"/>
+              </a:lnSpc>
+              <a:spcBef>
+                <a:spcPts val="0"/>
+              </a:spcBef>
+              <a:buClrTx/>
+              <a:buFont typeface="+mj-lt"/>
+              <a:buAutoNum type="arabicPeriod"/>
+            </a:pPr>
+            <a:r>
+              <a:rPr lang="ru-RU" sz="2800" dirty="0" smtClean="0"/>
+              <a:t>Назначение функции </a:t>
+            </a:r>
+            <a:r>
+              <a:rPr lang="en-US" sz="2800" dirty="0" err="1" smtClean="0"/>
+              <a:t>isinstnance</a:t>
+            </a:r>
+            <a:r>
+              <a:rPr lang="en-US" sz="2800" dirty="0" smtClean="0"/>
+              <a:t>?</a:t>
+            </a:r>
+          </a:p>
+          <a:p>
+            <a:pPr marL="1083056" indent="-514350">
+              <a:lnSpc>
+                <a:spcPct val="150000"/>
+              </a:lnSpc>
+              <a:spcBef>
+                <a:spcPts val="0"/>
+              </a:spcBef>
+              <a:buClrTx/>
+              <a:buFont typeface="+mj-lt"/>
+              <a:buAutoNum type="arabicPeriod"/>
+            </a:pPr>
+            <a:r>
+              <a:rPr lang="ru-RU" sz="2800" dirty="0" smtClean="0"/>
+              <a:t>Что такое множественное наследование?</a:t>
+            </a:r>
+          </a:p>
+          <a:p>
+            <a:pPr marL="1083056" indent="-514350">
+              <a:lnSpc>
+                <a:spcPct val="150000"/>
+              </a:lnSpc>
+              <a:spcBef>
+                <a:spcPts val="0"/>
+              </a:spcBef>
+              <a:buClrTx/>
+              <a:buFont typeface="+mj-lt"/>
+              <a:buAutoNum type="arabicPeriod"/>
+            </a:pPr>
+            <a:r>
+              <a:rPr lang="ru-RU" sz="2800" dirty="0" smtClean="0"/>
+              <a:t>Как определить порядок разрешения методов при множественном наследовании?</a:t>
+            </a:r>
+          </a:p>
+          <a:p>
+            <a:pPr marL="1083056" indent="-514350">
+              <a:lnSpc>
+                <a:spcPct val="150000"/>
+              </a:lnSpc>
+              <a:spcBef>
+                <a:spcPts val="0"/>
+              </a:spcBef>
+              <a:buClrTx/>
+              <a:buFont typeface="+mj-lt"/>
+              <a:buAutoNum type="arabicPeriod"/>
+            </a:pPr>
+            <a:r>
+              <a:rPr lang="ru-RU" sz="2800" dirty="0" smtClean="0"/>
+              <a:t>Что такое абстрактный класс?</a:t>
+            </a:r>
+            <a:endParaRPr lang="en-US" sz="2800" dirty="0" smtClean="0"/>
           </a:p>
         </p:txBody>
       </p:sp>
@@ -22514,15 +23155,10 @@
                             </p:stCondLst>
                             <p:childTnLst>
                               <p:par>
-                                <p:cTn id="5" presetID="1" presetClass="entr" presetSubtype="0" fill="hold" nodeType="clickEffect" nodePh="1">
+                                <p:cTn id="5" presetID="1" presetClass="entr" presetSubtype="0" fill="hold" nodeType="clickEffect">
                                   <p:stCondLst>
                                     <p:cond delay="0"/>
                                   </p:stCondLst>
-                                  <p:endCondLst>
-                                    <p:cond evt="begin" delay="0">
-                                      <p:tn val="5"/>
-                                    </p:cond>
-                                  </p:endCondLst>
                                   <p:childTnLst>
                                     <p:set>
                                       <p:cBhvr>
@@ -22535,6 +23171,300 @@
                                           <p:spTgt spid="5">
                                             <p:txEl>
                                               <p:pRg st="0" end="0"/>
+                                            </p:txEl>
+                                          </p:spTgt>
+                                        </p:tgtEl>
+                                        <p:attrNameLst>
+                                          <p:attrName>style.visibility</p:attrName>
+                                        </p:attrNameLst>
+                                      </p:cBhvr>
+                                      <p:to>
+                                        <p:strVal val="visible"/>
+                                      </p:to>
+                                    </p:set>
+                                  </p:childTnLst>
+                                </p:cTn>
+                              </p:par>
+                            </p:childTnLst>
+                          </p:cTn>
+                        </p:par>
+                      </p:childTnLst>
+                    </p:cTn>
+                  </p:par>
+                  <p:par>
+                    <p:cTn id="7" fill="hold">
+                      <p:stCondLst>
+                        <p:cond delay="indefinite"/>
+                      </p:stCondLst>
+                      <p:childTnLst>
+                        <p:par>
+                          <p:cTn id="8" fill="hold">
+                            <p:stCondLst>
+                              <p:cond delay="0"/>
+                            </p:stCondLst>
+                            <p:childTnLst>
+                              <p:par>
+                                <p:cTn id="9" presetID="1" presetClass="entr" presetSubtype="0" fill="hold" nodeType="clickEffect">
+                                  <p:stCondLst>
+                                    <p:cond delay="0"/>
+                                  </p:stCondLst>
+                                  <p:childTnLst>
+                                    <p:set>
+                                      <p:cBhvr>
+                                        <p:cTn id="10" dur="1" fill="hold">
+                                          <p:stCondLst>
+                                            <p:cond delay="0"/>
+                                          </p:stCondLst>
+                                        </p:cTn>
+                                        <p:tgtEl>
+                                          <p:spTgt spid="5">
+                                            <p:txEl>
+                                              <p:pRg st="1" end="1"/>
+                                            </p:txEl>
+                                          </p:spTgt>
+                                        </p:tgtEl>
+                                        <p:attrNameLst>
+                                          <p:attrName>style.visibility</p:attrName>
+                                        </p:attrNameLst>
+                                      </p:cBhvr>
+                                      <p:to>
+                                        <p:strVal val="visible"/>
+                                      </p:to>
+                                    </p:set>
+                                  </p:childTnLst>
+                                </p:cTn>
+                              </p:par>
+                            </p:childTnLst>
+                          </p:cTn>
+                        </p:par>
+                      </p:childTnLst>
+                    </p:cTn>
+                  </p:par>
+                  <p:par>
+                    <p:cTn id="11" fill="hold">
+                      <p:stCondLst>
+                        <p:cond delay="indefinite"/>
+                      </p:stCondLst>
+                      <p:childTnLst>
+                        <p:par>
+                          <p:cTn id="12" fill="hold">
+                            <p:stCondLst>
+                              <p:cond delay="0"/>
+                            </p:stCondLst>
+                            <p:childTnLst>
+                              <p:par>
+                                <p:cTn id="13" presetID="1" presetClass="entr" presetSubtype="0" fill="hold" nodeType="clickEffect">
+                                  <p:stCondLst>
+                                    <p:cond delay="0"/>
+                                  </p:stCondLst>
+                                  <p:childTnLst>
+                                    <p:set>
+                                      <p:cBhvr>
+                                        <p:cTn id="14" dur="1" fill="hold">
+                                          <p:stCondLst>
+                                            <p:cond delay="0"/>
+                                          </p:stCondLst>
+                                        </p:cTn>
+                                        <p:tgtEl>
+                                          <p:spTgt spid="5">
+                                            <p:txEl>
+                                              <p:pRg st="2" end="2"/>
+                                            </p:txEl>
+                                          </p:spTgt>
+                                        </p:tgtEl>
+                                        <p:attrNameLst>
+                                          <p:attrName>style.visibility</p:attrName>
+                                        </p:attrNameLst>
+                                      </p:cBhvr>
+                                      <p:to>
+                                        <p:strVal val="visible"/>
+                                      </p:to>
+                                    </p:set>
+                                  </p:childTnLst>
+                                </p:cTn>
+                              </p:par>
+                            </p:childTnLst>
+                          </p:cTn>
+                        </p:par>
+                      </p:childTnLst>
+                    </p:cTn>
+                  </p:par>
+                  <p:par>
+                    <p:cTn id="15" fill="hold">
+                      <p:stCondLst>
+                        <p:cond delay="indefinite"/>
+                      </p:stCondLst>
+                      <p:childTnLst>
+                        <p:par>
+                          <p:cTn id="16" fill="hold">
+                            <p:stCondLst>
+                              <p:cond delay="0"/>
+                            </p:stCondLst>
+                            <p:childTnLst>
+                              <p:par>
+                                <p:cTn id="17" presetID="1" presetClass="entr" presetSubtype="0" fill="hold" nodeType="clickEffect">
+                                  <p:stCondLst>
+                                    <p:cond delay="0"/>
+                                  </p:stCondLst>
+                                  <p:childTnLst>
+                                    <p:set>
+                                      <p:cBhvr>
+                                        <p:cTn id="18" dur="1" fill="hold">
+                                          <p:stCondLst>
+                                            <p:cond delay="0"/>
+                                          </p:stCondLst>
+                                        </p:cTn>
+                                        <p:tgtEl>
+                                          <p:spTgt spid="5">
+                                            <p:txEl>
+                                              <p:pRg st="3" end="3"/>
+                                            </p:txEl>
+                                          </p:spTgt>
+                                        </p:tgtEl>
+                                        <p:attrNameLst>
+                                          <p:attrName>style.visibility</p:attrName>
+                                        </p:attrNameLst>
+                                      </p:cBhvr>
+                                      <p:to>
+                                        <p:strVal val="visible"/>
+                                      </p:to>
+                                    </p:set>
+                                  </p:childTnLst>
+                                </p:cTn>
+                              </p:par>
+                            </p:childTnLst>
+                          </p:cTn>
+                        </p:par>
+                      </p:childTnLst>
+                    </p:cTn>
+                  </p:par>
+                  <p:par>
+                    <p:cTn id="19" fill="hold">
+                      <p:stCondLst>
+                        <p:cond delay="indefinite"/>
+                      </p:stCondLst>
+                      <p:childTnLst>
+                        <p:par>
+                          <p:cTn id="20" fill="hold">
+                            <p:stCondLst>
+                              <p:cond delay="0"/>
+                            </p:stCondLst>
+                            <p:childTnLst>
+                              <p:par>
+                                <p:cTn id="21" presetID="1" presetClass="entr" presetSubtype="0" fill="hold" nodeType="clickEffect">
+                                  <p:stCondLst>
+                                    <p:cond delay="0"/>
+                                  </p:stCondLst>
+                                  <p:childTnLst>
+                                    <p:set>
+                                      <p:cBhvr>
+                                        <p:cTn id="22" dur="1" fill="hold">
+                                          <p:stCondLst>
+                                            <p:cond delay="0"/>
+                                          </p:stCondLst>
+                                        </p:cTn>
+                                        <p:tgtEl>
+                                          <p:spTgt spid="5">
+                                            <p:txEl>
+                                              <p:pRg st="4" end="4"/>
+                                            </p:txEl>
+                                          </p:spTgt>
+                                        </p:tgtEl>
+                                        <p:attrNameLst>
+                                          <p:attrName>style.visibility</p:attrName>
+                                        </p:attrNameLst>
+                                      </p:cBhvr>
+                                      <p:to>
+                                        <p:strVal val="visible"/>
+                                      </p:to>
+                                    </p:set>
+                                  </p:childTnLst>
+                                </p:cTn>
+                              </p:par>
+                            </p:childTnLst>
+                          </p:cTn>
+                        </p:par>
+                      </p:childTnLst>
+                    </p:cTn>
+                  </p:par>
+                  <p:par>
+                    <p:cTn id="23" fill="hold">
+                      <p:stCondLst>
+                        <p:cond delay="indefinite"/>
+                      </p:stCondLst>
+                      <p:childTnLst>
+                        <p:par>
+                          <p:cTn id="24" fill="hold">
+                            <p:stCondLst>
+                              <p:cond delay="0"/>
+                            </p:stCondLst>
+                            <p:childTnLst>
+                              <p:par>
+                                <p:cTn id="25" presetID="1" presetClass="entr" presetSubtype="0" fill="hold" nodeType="clickEffect">
+                                  <p:stCondLst>
+                                    <p:cond delay="0"/>
+                                  </p:stCondLst>
+                                  <p:childTnLst>
+                                    <p:set>
+                                      <p:cBhvr>
+                                        <p:cTn id="26" dur="1" fill="hold">
+                                          <p:stCondLst>
+                                            <p:cond delay="0"/>
+                                          </p:stCondLst>
+                                        </p:cTn>
+                                        <p:tgtEl>
+                                          <p:spTgt spid="5">
+                                            <p:txEl>
+                                              <p:pRg st="5" end="5"/>
+                                            </p:txEl>
+                                          </p:spTgt>
+                                        </p:tgtEl>
+                                        <p:attrNameLst>
+                                          <p:attrName>style.visibility</p:attrName>
+                                        </p:attrNameLst>
+                                      </p:cBhvr>
+                                      <p:to>
+                                        <p:strVal val="visible"/>
+                                      </p:to>
+                                    </p:set>
+                                  </p:childTnLst>
+                                </p:cTn>
+                              </p:par>
+                            </p:childTnLst>
+                          </p:cTn>
+                        </p:par>
+                      </p:childTnLst>
+                    </p:cTn>
+                  </p:par>
+                  <p:par>
+                    <p:cTn id="27" fill="hold">
+                      <p:stCondLst>
+                        <p:cond delay="indefinite"/>
+                      </p:stCondLst>
+                      <p:childTnLst>
+                        <p:par>
+                          <p:cTn id="28" fill="hold">
+                            <p:stCondLst>
+                              <p:cond delay="0"/>
+                            </p:stCondLst>
+                            <p:childTnLst>
+                              <p:par>
+                                <p:cTn id="29" presetID="1" presetClass="entr" presetSubtype="0" fill="hold" nodeType="clickEffect">
+                                  <p:stCondLst>
+                                    <p:cond delay="0"/>
+                                  </p:stCondLst>
+                                  <p:childTnLst>
+                                    <p:set>
+                                      <p:cBhvr>
+                                        <p:cTn id="30" dur="1" fill="hold">
+                                          <p:stCondLst>
+                                            <p:cond delay="0"/>
+                                          </p:stCondLst>
+                                        </p:cTn>
+                                        <p:tgtEl>
+                                          <p:spTgt spid="5">
+                                            <p:txEl>
+                                              <p:pRg st="6" end="6"/>
                                             </p:txEl>
                                           </p:spTgt>
                                         </p:tgtEl>
@@ -23342,6 +24272,60 @@
           </a:p>
         </p:txBody>
       </p:sp>
+      <p:pic>
+        <p:nvPicPr>
+          <p:cNvPr id="1027" name="Picture 3"/>
+          <p:cNvPicPr>
+            <a:picLocks noChangeAspect="1" noChangeArrowheads="1"/>
+          </p:cNvPicPr>
+          <p:nvPr/>
+        </p:nvPicPr>
+        <p:blipFill>
+          <a:blip r:embed="rId2">
+            <a:extLst>
+              <a:ext uri="{28A0092B-C50C-407E-A947-70E740481C1C}">
+                <a14:useLocalDpi xmlns:a14="http://schemas.microsoft.com/office/drawing/2010/main" val="0"/>
+              </a:ext>
+            </a:extLst>
+          </a:blip>
+          <a:srcRect/>
+          <a:stretch>
+            <a:fillRect/>
+          </a:stretch>
+        </p:blipFill>
+        <p:spPr bwMode="auto">
+          <a:xfrm>
+            <a:off x="4775200" y="1228725"/>
+            <a:ext cx="6477000" cy="7915275"/>
+          </a:xfrm>
+          <a:prstGeom prst="rect">
+            <a:avLst/>
+          </a:prstGeom>
+          <a:noFill/>
+          <a:ln>
+            <a:noFill/>
+          </a:ln>
+          <a:extLst>
+            <a:ext uri="{909E8E84-426E-40DD-AFC4-6F175D3DCCD1}">
+              <a14:hiddenFill xmlns:a14="http://schemas.microsoft.com/office/drawing/2010/main">
+                <a:solidFill>
+                  <a:schemeClr val="accent1"/>
+                </a:solidFill>
+              </a14:hiddenFill>
+            </a:ext>
+            <a:ext uri="{91240B29-F687-4F45-9708-019B960494DF}">
+              <a14:hiddenLine xmlns:a14="http://schemas.microsoft.com/office/drawing/2010/main" w="9525">
+                <a:solidFill>
+                  <a:schemeClr val="tx1"/>
+                </a:solidFill>
+                <a:miter lim="800000"/>
+                <a:headEnd/>
+                <a:tailEnd/>
+              </a14:hiddenLine>
+            </a:ext>
+          </a:extLst>
+        </p:spPr>
+      </p:pic>
     </p:spTree>
     <p:extLst>
       <p:ext uri="{BB962C8B-B14F-4D97-AF65-F5344CB8AC3E}">
@@ -24123,14 +25107,25 @@
           </a:bodyPr>
           <a:lstStyle/>
           <a:p>
-            <a:pPr lvl="0">
+            <a:pPr marL="0" marR="0" lvl="0" indent="0" algn="ctr" rtl="0">
+              <a:lnSpc>
+                <a:spcPct val="100000"/>
+              </a:lnSpc>
+              <a:spcBef>
+                <a:spcPts val="0"/>
+              </a:spcBef>
+              <a:spcAft>
+                <a:spcPts val="0"/>
+              </a:spcAft>
               <a:buClr>
                 <a:srgbClr val="00FF00"/>
               </a:buClr>
               <a:buSzPct val="25000"/>
+              <a:buFont typeface="Cabin"/>
+              <a:buNone/>
             </a:pPr>
             <a:r>
-              <a:rPr lang="ru-RU" sz="7800" dirty="0">
+              <a:rPr lang="ru-RU" sz="7800" dirty="0" smtClean="0">
                 <a:solidFill>
                   <a:srgbClr val="00FF00"/>
                 </a:solidFill>
@@ -24139,7 +25134,7 @@
                 <a:cs typeface="Cabin"/>
                 <a:sym typeface="Cabin"/>
               </a:rPr>
-              <a:t>Переопределение методов</a:t>
+              <a:t>Известный полиморфизм</a:t>
             </a:r>
             <a:endParaRPr lang="en-US" sz="7800" dirty="0">
               <a:solidFill>
@@ -24163,8 +25158,8 @@
         </p:nvSpPr>
         <p:spPr bwMode="auto">
           <a:xfrm>
-            <a:off x="4057118" y="1924303"/>
-            <a:ext cx="8027306" cy="6986528"/>
+            <a:off x="4965834" y="3038960"/>
+            <a:ext cx="5806942" cy="4955203"/>
           </a:xfrm>
           <a:prstGeom prst="rect">
             <a:avLst/>
@@ -24207,52 +25202,23 @@
           </a:bodyPr>
           <a:lstStyle/>
           <a:p>
-            <a:pPr marL="0" marR="0" lvl="0" indent="0" algn="l" defTabSz="914400" rtl="0" eaLnBrk="1" fontAlgn="base" latinLnBrk="0" hangingPunct="1">
-              <a:lnSpc>
-                <a:spcPct val="100000"/>
-              </a:lnSpc>
+            <a:pPr lvl="0" fontAlgn="base">
               <a:spcBef>
                 <a:spcPct val="0"/>
               </a:spcBef>
               <a:spcAft>
                 <a:spcPct val="0"/>
               </a:spcAft>
-              <a:buClrTx/>
-              <a:buSzTx/>
-              <a:buFontTx/>
-              <a:buNone/>
-              <a:tabLst/>
             </a:pPr>
             <a:r>
-              <a:rPr kumimoji="0" lang="ru-RU" sz="2800" b="1" i="0" u="none" strike="noStrike" cap="none" normalizeH="0" baseline="0" dirty="0" err="1" smtClean="0">
-                <a:ln>
-                  <a:noFill/>
-                </a:ln>
-                <a:solidFill>
-                  <a:srgbClr val="000080"/>
-                </a:solidFill>
-                <a:effectLst/>
-                <a:latin typeface="Courier New" pitchFamily="49" charset="0"/>
-                <a:cs typeface="Courier New" pitchFamily="49" charset="0"/>
-              </a:rPr>
-              <a:t>class</a:t>
-            </a:r>
-            <a:r>
-              <a:rPr kumimoji="0" lang="ru-RU" sz="2800" b="1" i="0" u="none" strike="noStrike" cap="none" normalizeH="0" baseline="0" dirty="0" smtClean="0">
-                <a:ln>
-                  <a:noFill/>
-                </a:ln>
-                <a:solidFill>
-                  <a:srgbClr val="000080"/>
-                </a:solidFill>
-                <a:effectLst/>
-                <a:latin typeface="Courier New" pitchFamily="49" charset="0"/>
-                <a:cs typeface="Courier New" pitchFamily="49" charset="0"/>
-              </a:rPr>
-              <a:t> </a:t>
-            </a:r>
-            <a:r>
-              <a:rPr kumimoji="0" lang="ru-RU" sz="2800" b="0" i="0" u="none" strike="noStrike" cap="none" normalizeH="0" baseline="0" dirty="0" smtClean="0">
+              <a:rPr lang="en-US" altLang="ru-RU" sz="3200" dirty="0" smtClean="0">
+                <a:latin typeface="Courier New" pitchFamily="49" charset="0"/>
+                <a:cs typeface="Courier New" pitchFamily="49" charset="0"/>
+              </a:rPr>
+              <a:t>&gt;&gt;&gt; </a:t>
+            </a:r>
+            <a:r>
+              <a:rPr kumimoji="0" lang="ru-RU" altLang="ru-RU" sz="3200" b="0" i="0" u="none" strike="noStrike" cap="none" normalizeH="0" baseline="0" dirty="0" smtClean="0">
                 <a:ln>
                   <a:noFill/>
                 </a:ln>
@@ -24263,794 +25229,10 @@
                 <a:latin typeface="Courier New" pitchFamily="49" charset="0"/>
                 <a:cs typeface="Courier New" pitchFamily="49" charset="0"/>
               </a:rPr>
-              <a:t>A:</a:t>
-            </a:r>
-            <a:br>
-              <a:rPr kumimoji="0" lang="ru-RU" sz="2800" b="0" i="0" u="none" strike="noStrike" cap="none" normalizeH="0" baseline="0" dirty="0" smtClean="0">
-                <a:ln>
-                  <a:noFill/>
-                </a:ln>
-                <a:solidFill>
-                  <a:srgbClr val="000000"/>
-                </a:solidFill>
-                <a:effectLst/>
-                <a:latin typeface="Courier New" pitchFamily="49" charset="0"/>
-                <a:cs typeface="Courier New" pitchFamily="49" charset="0"/>
-              </a:rPr>
-            </a:br>
-            <a:r>
-              <a:rPr kumimoji="0" lang="ru-RU" sz="2800" b="0" i="0" u="none" strike="noStrike" cap="none" normalizeH="0" baseline="0" dirty="0" smtClean="0">
-                <a:ln>
-                  <a:noFill/>
-                </a:ln>
-                <a:solidFill>
-                  <a:srgbClr val="000000"/>
-                </a:solidFill>
-                <a:effectLst/>
-                <a:latin typeface="Courier New" pitchFamily="49" charset="0"/>
-                <a:cs typeface="Courier New" pitchFamily="49" charset="0"/>
-              </a:rPr>
-              <a:t>    </a:t>
-            </a:r>
-            <a:r>
-              <a:rPr kumimoji="0" lang="ru-RU" sz="2800" b="1" i="0" u="none" strike="noStrike" cap="none" normalizeH="0" baseline="0" dirty="0" err="1" smtClean="0">
-                <a:ln>
-                  <a:noFill/>
-                </a:ln>
-                <a:solidFill>
-                  <a:srgbClr val="000080"/>
-                </a:solidFill>
-                <a:effectLst/>
-                <a:latin typeface="Courier New" pitchFamily="49" charset="0"/>
-                <a:cs typeface="Courier New" pitchFamily="49" charset="0"/>
-              </a:rPr>
-              <a:t>def</a:t>
-            </a:r>
-            <a:r>
-              <a:rPr kumimoji="0" lang="ru-RU" sz="2800" b="1" i="0" u="none" strike="noStrike" cap="none" normalizeH="0" baseline="0" dirty="0" smtClean="0">
-                <a:ln>
-                  <a:noFill/>
-                </a:ln>
-                <a:solidFill>
-                  <a:srgbClr val="000080"/>
-                </a:solidFill>
-                <a:effectLst/>
-                <a:latin typeface="Courier New" pitchFamily="49" charset="0"/>
-                <a:cs typeface="Courier New" pitchFamily="49" charset="0"/>
-              </a:rPr>
-              <a:t> </a:t>
-            </a:r>
-            <a:r>
-              <a:rPr kumimoji="0" lang="ru-RU" sz="2800" b="0" i="0" u="none" strike="noStrike" cap="none" normalizeH="0" baseline="0" dirty="0" err="1" smtClean="0">
-                <a:ln>
-                  <a:noFill/>
-                </a:ln>
-                <a:solidFill>
-                  <a:srgbClr val="000000"/>
-                </a:solidFill>
-                <a:effectLst/>
-                <a:latin typeface="Courier New" pitchFamily="49" charset="0"/>
-                <a:cs typeface="Courier New" pitchFamily="49" charset="0"/>
-              </a:rPr>
-              <a:t>oper</a:t>
-            </a:r>
-            <a:r>
-              <a:rPr kumimoji="0" lang="ru-RU" sz="2800" b="0" i="0" u="none" strike="noStrike" cap="none" normalizeH="0" baseline="0" dirty="0" smtClean="0">
-                <a:ln>
-                  <a:noFill/>
-                </a:ln>
-                <a:solidFill>
-                  <a:srgbClr val="000000"/>
-                </a:solidFill>
-                <a:effectLst/>
-                <a:latin typeface="Courier New" pitchFamily="49" charset="0"/>
-                <a:cs typeface="Courier New" pitchFamily="49" charset="0"/>
-              </a:rPr>
-              <a:t>(</a:t>
-            </a:r>
-            <a:r>
-              <a:rPr kumimoji="0" lang="ru-RU" sz="2800" b="0" i="0" u="none" strike="noStrike" cap="none" normalizeH="0" baseline="0" dirty="0" err="1" smtClean="0">
-                <a:ln>
-                  <a:noFill/>
-                </a:ln>
-                <a:solidFill>
-                  <a:srgbClr val="94558D"/>
-                </a:solidFill>
-                <a:effectLst/>
-                <a:latin typeface="Courier New" pitchFamily="49" charset="0"/>
-                <a:cs typeface="Courier New" pitchFamily="49" charset="0"/>
-              </a:rPr>
-              <a:t>self</a:t>
-            </a:r>
-            <a:r>
-              <a:rPr kumimoji="0" lang="ru-RU" sz="2800" b="0" i="0" u="none" strike="noStrike" cap="none" normalizeH="0" baseline="0" dirty="0" smtClean="0">
-                <a:ln>
-                  <a:noFill/>
-                </a:ln>
-                <a:solidFill>
-                  <a:srgbClr val="000000"/>
-                </a:solidFill>
-                <a:effectLst/>
-                <a:latin typeface="Courier New" pitchFamily="49" charset="0"/>
-                <a:cs typeface="Courier New" pitchFamily="49" charset="0"/>
-              </a:rPr>
-              <a:t>, x, y):</a:t>
-            </a:r>
-            <a:br>
-              <a:rPr kumimoji="0" lang="ru-RU" sz="2800" b="0" i="0" u="none" strike="noStrike" cap="none" normalizeH="0" baseline="0" dirty="0" smtClean="0">
-                <a:ln>
-                  <a:noFill/>
-                </a:ln>
-                <a:solidFill>
-                  <a:srgbClr val="000000"/>
-                </a:solidFill>
-                <a:effectLst/>
-                <a:latin typeface="Courier New" pitchFamily="49" charset="0"/>
-                <a:cs typeface="Courier New" pitchFamily="49" charset="0"/>
-              </a:rPr>
-            </a:br>
-            <a:r>
-              <a:rPr kumimoji="0" lang="ru-RU" sz="2800" b="0" i="0" u="none" strike="noStrike" cap="none" normalizeH="0" baseline="0" dirty="0" smtClean="0">
-                <a:ln>
-                  <a:noFill/>
-                </a:ln>
-                <a:solidFill>
-                  <a:srgbClr val="000000"/>
-                </a:solidFill>
-                <a:effectLst/>
-                <a:latin typeface="Courier New" pitchFamily="49" charset="0"/>
-                <a:cs typeface="Courier New" pitchFamily="49" charset="0"/>
-              </a:rPr>
-              <a:t>        </a:t>
-            </a:r>
-            <a:r>
-              <a:rPr kumimoji="0" lang="ru-RU" sz="2800" b="0" i="0" u="none" strike="noStrike" cap="none" normalizeH="0" baseline="0" dirty="0" err="1" smtClean="0">
-                <a:ln>
-                  <a:noFill/>
-                </a:ln>
-                <a:solidFill>
-                  <a:srgbClr val="000000"/>
-                </a:solidFill>
-                <a:effectLst/>
-                <a:latin typeface="Courier New" pitchFamily="49" charset="0"/>
-                <a:cs typeface="Courier New" pitchFamily="49" charset="0"/>
-              </a:rPr>
-              <a:t>num</a:t>
-            </a:r>
-            <a:r>
-              <a:rPr kumimoji="0" lang="ru-RU" sz="2800" b="0" i="0" u="none" strike="noStrike" cap="none" normalizeH="0" baseline="0" dirty="0" smtClean="0">
-                <a:ln>
-                  <a:noFill/>
-                </a:ln>
-                <a:solidFill>
-                  <a:srgbClr val="000000"/>
-                </a:solidFill>
-                <a:effectLst/>
-                <a:latin typeface="Courier New" pitchFamily="49" charset="0"/>
-                <a:cs typeface="Courier New" pitchFamily="49" charset="0"/>
-              </a:rPr>
-              <a:t> = x + y</a:t>
-            </a:r>
-            <a:br>
-              <a:rPr kumimoji="0" lang="ru-RU" sz="2800" b="0" i="0" u="none" strike="noStrike" cap="none" normalizeH="0" baseline="0" dirty="0" smtClean="0">
-                <a:ln>
-                  <a:noFill/>
-                </a:ln>
-                <a:solidFill>
-                  <a:srgbClr val="000000"/>
-                </a:solidFill>
-                <a:effectLst/>
-                <a:latin typeface="Courier New" pitchFamily="49" charset="0"/>
-                <a:cs typeface="Courier New" pitchFamily="49" charset="0"/>
-              </a:rPr>
-            </a:br>
-            <a:r>
-              <a:rPr kumimoji="0" lang="ru-RU" sz="2800" b="0" i="0" u="none" strike="noStrike" cap="none" normalizeH="0" baseline="0" dirty="0" smtClean="0">
-                <a:ln>
-                  <a:noFill/>
-                </a:ln>
-                <a:solidFill>
-                  <a:srgbClr val="000000"/>
-                </a:solidFill>
-                <a:effectLst/>
-                <a:latin typeface="Courier New" pitchFamily="49" charset="0"/>
-                <a:cs typeface="Courier New" pitchFamily="49" charset="0"/>
-              </a:rPr>
-              <a:t>        </a:t>
-            </a:r>
-            <a:r>
-              <a:rPr kumimoji="0" lang="ru-RU" sz="2800" b="1" i="0" u="none" strike="noStrike" cap="none" normalizeH="0" baseline="0" dirty="0" err="1" smtClean="0">
-                <a:ln>
-                  <a:noFill/>
-                </a:ln>
-                <a:solidFill>
-                  <a:srgbClr val="000080"/>
-                </a:solidFill>
-                <a:effectLst/>
-                <a:latin typeface="Courier New" pitchFamily="49" charset="0"/>
-                <a:cs typeface="Courier New" pitchFamily="49" charset="0"/>
-              </a:rPr>
-              <a:t>return</a:t>
-            </a:r>
-            <a:r>
-              <a:rPr kumimoji="0" lang="ru-RU" sz="2800" b="1" i="0" u="none" strike="noStrike" cap="none" normalizeH="0" baseline="0" dirty="0" smtClean="0">
-                <a:ln>
-                  <a:noFill/>
-                </a:ln>
-                <a:solidFill>
-                  <a:srgbClr val="000080"/>
-                </a:solidFill>
-                <a:effectLst/>
-                <a:latin typeface="Courier New" pitchFamily="49" charset="0"/>
-                <a:cs typeface="Courier New" pitchFamily="49" charset="0"/>
-              </a:rPr>
-              <a:t> </a:t>
-            </a:r>
-            <a:r>
-              <a:rPr kumimoji="0" lang="ru-RU" sz="2800" b="0" i="0" u="none" strike="noStrike" cap="none" normalizeH="0" baseline="0" dirty="0" err="1" smtClean="0">
-                <a:ln>
-                  <a:noFill/>
-                </a:ln>
-                <a:solidFill>
-                  <a:srgbClr val="000000"/>
-                </a:solidFill>
-                <a:effectLst/>
-                <a:latin typeface="Courier New" pitchFamily="49" charset="0"/>
-                <a:cs typeface="Courier New" pitchFamily="49" charset="0"/>
-              </a:rPr>
-              <a:t>num</a:t>
-            </a:r>
-            <a:r>
-              <a:rPr kumimoji="0" lang="ru-RU" sz="2800" b="0" i="0" u="none" strike="noStrike" cap="none" normalizeH="0" baseline="0" dirty="0" smtClean="0">
-                <a:ln>
-                  <a:noFill/>
-                </a:ln>
-                <a:solidFill>
-                  <a:srgbClr val="000000"/>
-                </a:solidFill>
-                <a:effectLst/>
-                <a:latin typeface="Courier New" pitchFamily="49" charset="0"/>
-                <a:cs typeface="Courier New" pitchFamily="49" charset="0"/>
-              </a:rPr>
-              <a:t/>
-            </a:r>
-            <a:br>
-              <a:rPr kumimoji="0" lang="ru-RU" sz="2800" b="0" i="0" u="none" strike="noStrike" cap="none" normalizeH="0" baseline="0" dirty="0" smtClean="0">
-                <a:ln>
-                  <a:noFill/>
-                </a:ln>
-                <a:solidFill>
-                  <a:srgbClr val="000000"/>
-                </a:solidFill>
-                <a:effectLst/>
-                <a:latin typeface="Courier New" pitchFamily="49" charset="0"/>
-                <a:cs typeface="Courier New" pitchFamily="49" charset="0"/>
-              </a:rPr>
-            </a:br>
-            <a:r>
-              <a:rPr kumimoji="0" lang="ru-RU" sz="2800" b="0" i="0" u="none" strike="noStrike" cap="none" normalizeH="0" baseline="0" dirty="0" smtClean="0">
-                <a:ln>
-                  <a:noFill/>
-                </a:ln>
-                <a:solidFill>
-                  <a:srgbClr val="000000"/>
-                </a:solidFill>
-                <a:effectLst/>
-                <a:latin typeface="Courier New" pitchFamily="49" charset="0"/>
-                <a:cs typeface="Courier New" pitchFamily="49" charset="0"/>
-              </a:rPr>
-              <a:t/>
-            </a:r>
-            <a:br>
-              <a:rPr kumimoji="0" lang="ru-RU" sz="2800" b="0" i="0" u="none" strike="noStrike" cap="none" normalizeH="0" baseline="0" dirty="0" smtClean="0">
-                <a:ln>
-                  <a:noFill/>
-                </a:ln>
-                <a:solidFill>
-                  <a:srgbClr val="000000"/>
-                </a:solidFill>
-                <a:effectLst/>
-                <a:latin typeface="Courier New" pitchFamily="49" charset="0"/>
-                <a:cs typeface="Courier New" pitchFamily="49" charset="0"/>
-              </a:rPr>
-            </a:br>
-            <a:r>
-              <a:rPr kumimoji="0" lang="ru-RU" sz="2800" b="0" i="0" u="none" strike="noStrike" cap="none" normalizeH="0" baseline="0" dirty="0" smtClean="0">
-                <a:ln>
-                  <a:noFill/>
-                </a:ln>
-                <a:solidFill>
-                  <a:srgbClr val="000000"/>
-                </a:solidFill>
-                <a:effectLst/>
-                <a:latin typeface="Courier New" pitchFamily="49" charset="0"/>
-                <a:cs typeface="Courier New" pitchFamily="49" charset="0"/>
-              </a:rPr>
-              <a:t/>
-            </a:r>
-            <a:br>
-              <a:rPr kumimoji="0" lang="ru-RU" sz="2800" b="0" i="0" u="none" strike="noStrike" cap="none" normalizeH="0" baseline="0" dirty="0" smtClean="0">
-                <a:ln>
-                  <a:noFill/>
-                </a:ln>
-                <a:solidFill>
-                  <a:srgbClr val="000000"/>
-                </a:solidFill>
-                <a:effectLst/>
-                <a:latin typeface="Courier New" pitchFamily="49" charset="0"/>
-                <a:cs typeface="Courier New" pitchFamily="49" charset="0"/>
-              </a:rPr>
-            </a:br>
-            <a:r>
-              <a:rPr kumimoji="0" lang="ru-RU" sz="2800" b="1" i="0" u="none" strike="noStrike" cap="none" normalizeH="0" baseline="0" dirty="0" err="1" smtClean="0">
-                <a:ln>
-                  <a:noFill/>
-                </a:ln>
-                <a:solidFill>
-                  <a:srgbClr val="000080"/>
-                </a:solidFill>
-                <a:effectLst/>
-                <a:latin typeface="Courier New" pitchFamily="49" charset="0"/>
-                <a:cs typeface="Courier New" pitchFamily="49" charset="0"/>
-              </a:rPr>
-              <a:t>class</a:t>
-            </a:r>
-            <a:r>
-              <a:rPr kumimoji="0" lang="ru-RU" sz="2800" b="1" i="0" u="none" strike="noStrike" cap="none" normalizeH="0" baseline="0" dirty="0" smtClean="0">
-                <a:ln>
-                  <a:noFill/>
-                </a:ln>
-                <a:solidFill>
-                  <a:srgbClr val="000080"/>
-                </a:solidFill>
-                <a:effectLst/>
-                <a:latin typeface="Courier New" pitchFamily="49" charset="0"/>
-                <a:cs typeface="Courier New" pitchFamily="49" charset="0"/>
-              </a:rPr>
-              <a:t> </a:t>
-            </a:r>
-            <a:r>
-              <a:rPr kumimoji="0" lang="ru-RU" sz="2800" b="0" i="0" u="none" strike="noStrike" cap="none" normalizeH="0" baseline="0" dirty="0" smtClean="0">
-                <a:ln>
-                  <a:noFill/>
-                </a:ln>
-                <a:solidFill>
-                  <a:srgbClr val="000000"/>
-                </a:solidFill>
-                <a:effectLst/>
-                <a:latin typeface="Courier New" pitchFamily="49" charset="0"/>
-                <a:cs typeface="Courier New" pitchFamily="49" charset="0"/>
-              </a:rPr>
-              <a:t>B(A):  </a:t>
-            </a:r>
-            <a:r>
-              <a:rPr kumimoji="0" lang="ru-RU" sz="2800" b="0" i="1" u="none" strike="noStrike" cap="none" normalizeH="0" baseline="0" dirty="0" smtClean="0">
-                <a:ln>
-                  <a:noFill/>
-                </a:ln>
-                <a:solidFill>
-                  <a:srgbClr val="808080"/>
-                </a:solidFill>
-                <a:effectLst/>
-                <a:latin typeface="Courier New" pitchFamily="49" charset="0"/>
-                <a:cs typeface="Courier New" pitchFamily="49" charset="0"/>
-              </a:rPr>
-              <a:t># Наследуем класс "А"</a:t>
-            </a:r>
-            <a:br>
-              <a:rPr kumimoji="0" lang="ru-RU" sz="2800" b="0" i="1" u="none" strike="noStrike" cap="none" normalizeH="0" baseline="0" dirty="0" smtClean="0">
-                <a:ln>
-                  <a:noFill/>
-                </a:ln>
-                <a:solidFill>
-                  <a:srgbClr val="808080"/>
-                </a:solidFill>
-                <a:effectLst/>
-                <a:latin typeface="Courier New" pitchFamily="49" charset="0"/>
-                <a:cs typeface="Courier New" pitchFamily="49" charset="0"/>
-              </a:rPr>
-            </a:br>
-            <a:r>
-              <a:rPr kumimoji="0" lang="ru-RU" sz="2800" b="0" i="1" u="none" strike="noStrike" cap="none" normalizeH="0" baseline="0" dirty="0" smtClean="0">
-                <a:ln>
-                  <a:noFill/>
-                </a:ln>
-                <a:solidFill>
-                  <a:srgbClr val="808080"/>
-                </a:solidFill>
-                <a:effectLst/>
-                <a:latin typeface="Courier New" pitchFamily="49" charset="0"/>
-                <a:cs typeface="Courier New" pitchFamily="49" charset="0"/>
-              </a:rPr>
-              <a:t>    </a:t>
-            </a:r>
-            <a:r>
-              <a:rPr kumimoji="0" lang="ru-RU" sz="2800" b="1" i="0" u="none" strike="noStrike" cap="none" normalizeH="0" baseline="0" dirty="0" err="1" smtClean="0">
-                <a:ln>
-                  <a:noFill/>
-                </a:ln>
-                <a:solidFill>
-                  <a:srgbClr val="000080"/>
-                </a:solidFill>
-                <a:effectLst/>
-                <a:latin typeface="Courier New" pitchFamily="49" charset="0"/>
-                <a:cs typeface="Courier New" pitchFamily="49" charset="0"/>
-              </a:rPr>
-              <a:t>def</a:t>
-            </a:r>
-            <a:r>
-              <a:rPr kumimoji="0" lang="ru-RU" sz="2800" b="1" i="0" u="none" strike="noStrike" cap="none" normalizeH="0" baseline="0" dirty="0" smtClean="0">
-                <a:ln>
-                  <a:noFill/>
-                </a:ln>
-                <a:solidFill>
-                  <a:srgbClr val="000080"/>
-                </a:solidFill>
-                <a:effectLst/>
-                <a:latin typeface="Courier New" pitchFamily="49" charset="0"/>
-                <a:cs typeface="Courier New" pitchFamily="49" charset="0"/>
-              </a:rPr>
-              <a:t> </a:t>
-            </a:r>
-            <a:r>
-              <a:rPr kumimoji="0" lang="ru-RU" sz="2800" b="0" i="0" u="none" strike="noStrike" cap="none" normalizeH="0" baseline="0" dirty="0" err="1" smtClean="0">
-                <a:ln>
-                  <a:noFill/>
-                </a:ln>
-                <a:solidFill>
-                  <a:srgbClr val="000000"/>
-                </a:solidFill>
-                <a:effectLst/>
-                <a:latin typeface="Courier New" pitchFamily="49" charset="0"/>
-                <a:cs typeface="Courier New" pitchFamily="49" charset="0"/>
-              </a:rPr>
-              <a:t>oper</a:t>
-            </a:r>
-            <a:r>
-              <a:rPr kumimoji="0" lang="ru-RU" sz="2800" b="0" i="0" u="none" strike="noStrike" cap="none" normalizeH="0" baseline="0" dirty="0" smtClean="0">
-                <a:ln>
-                  <a:noFill/>
-                </a:ln>
-                <a:solidFill>
-                  <a:srgbClr val="000000"/>
-                </a:solidFill>
-                <a:effectLst/>
-                <a:latin typeface="Courier New" pitchFamily="49" charset="0"/>
-                <a:cs typeface="Courier New" pitchFamily="49" charset="0"/>
-              </a:rPr>
-              <a:t>(</a:t>
-            </a:r>
-            <a:r>
-              <a:rPr kumimoji="0" lang="ru-RU" sz="2800" b="0" i="0" u="none" strike="noStrike" cap="none" normalizeH="0" baseline="0" dirty="0" err="1" smtClean="0">
-                <a:ln>
-                  <a:noFill/>
-                </a:ln>
-                <a:solidFill>
-                  <a:srgbClr val="94558D"/>
-                </a:solidFill>
-                <a:effectLst/>
-                <a:latin typeface="Courier New" pitchFamily="49" charset="0"/>
-                <a:cs typeface="Courier New" pitchFamily="49" charset="0"/>
-              </a:rPr>
-              <a:t>self</a:t>
-            </a:r>
-            <a:r>
-              <a:rPr kumimoji="0" lang="ru-RU" sz="2800" b="0" i="0" u="none" strike="noStrike" cap="none" normalizeH="0" baseline="0" dirty="0" smtClean="0">
-                <a:ln>
-                  <a:noFill/>
-                </a:ln>
-                <a:solidFill>
-                  <a:srgbClr val="000000"/>
-                </a:solidFill>
-                <a:effectLst/>
-                <a:latin typeface="Courier New" pitchFamily="49" charset="0"/>
-                <a:cs typeface="Courier New" pitchFamily="49" charset="0"/>
-              </a:rPr>
-              <a:t>, x, y):  </a:t>
-            </a:r>
-            <a:r>
-              <a:rPr kumimoji="0" lang="ru-RU" sz="2800" b="0" i="1" u="none" strike="noStrike" cap="none" normalizeH="0" baseline="0" dirty="0" smtClean="0">
-                <a:ln>
-                  <a:noFill/>
-                </a:ln>
-                <a:solidFill>
-                  <a:srgbClr val="808080"/>
-                </a:solidFill>
-                <a:effectLst/>
-                <a:latin typeface="Courier New" pitchFamily="49" charset="0"/>
-                <a:cs typeface="Courier New" pitchFamily="49" charset="0"/>
-              </a:rPr>
-              <a:t># &lt;-----</a:t>
-            </a:r>
-            <a:br>
-              <a:rPr kumimoji="0" lang="ru-RU" sz="2800" b="0" i="1" u="none" strike="noStrike" cap="none" normalizeH="0" baseline="0" dirty="0" smtClean="0">
-                <a:ln>
-                  <a:noFill/>
-                </a:ln>
-                <a:solidFill>
-                  <a:srgbClr val="808080"/>
-                </a:solidFill>
-                <a:effectLst/>
-                <a:latin typeface="Courier New" pitchFamily="49" charset="0"/>
-                <a:cs typeface="Courier New" pitchFamily="49" charset="0"/>
-              </a:rPr>
-            </a:br>
-            <a:r>
-              <a:rPr kumimoji="0" lang="ru-RU" sz="2800" b="0" i="1" u="none" strike="noStrike" cap="none" normalizeH="0" baseline="0" dirty="0" smtClean="0">
-                <a:ln>
-                  <a:noFill/>
-                </a:ln>
-                <a:solidFill>
-                  <a:srgbClr val="808080"/>
-                </a:solidFill>
-                <a:effectLst/>
-                <a:latin typeface="Courier New" pitchFamily="49" charset="0"/>
-                <a:cs typeface="Courier New" pitchFamily="49" charset="0"/>
-              </a:rPr>
-              <a:t>        </a:t>
-            </a:r>
-            <a:r>
-              <a:rPr kumimoji="0" lang="ru-RU" sz="2800" b="0" i="0" u="none" strike="noStrike" cap="none" normalizeH="0" baseline="0" dirty="0" err="1" smtClean="0">
-                <a:ln>
-                  <a:noFill/>
-                </a:ln>
-                <a:solidFill>
-                  <a:srgbClr val="000000"/>
-                </a:solidFill>
-                <a:effectLst/>
-                <a:latin typeface="Courier New" pitchFamily="49" charset="0"/>
-                <a:cs typeface="Courier New" pitchFamily="49" charset="0"/>
-              </a:rPr>
-              <a:t>num</a:t>
-            </a:r>
-            <a:r>
-              <a:rPr kumimoji="0" lang="ru-RU" sz="2800" b="0" i="0" u="none" strike="noStrike" cap="none" normalizeH="0" baseline="0" dirty="0" smtClean="0">
-                <a:ln>
-                  <a:noFill/>
-                </a:ln>
-                <a:solidFill>
-                  <a:srgbClr val="000000"/>
-                </a:solidFill>
-                <a:effectLst/>
-                <a:latin typeface="Courier New" pitchFamily="49" charset="0"/>
-                <a:cs typeface="Courier New" pitchFamily="49" charset="0"/>
-              </a:rPr>
-              <a:t> = x / y</a:t>
-            </a:r>
-            <a:br>
-              <a:rPr kumimoji="0" lang="ru-RU" sz="2800" b="0" i="0" u="none" strike="noStrike" cap="none" normalizeH="0" baseline="0" dirty="0" smtClean="0">
-                <a:ln>
-                  <a:noFill/>
-                </a:ln>
-                <a:solidFill>
-                  <a:srgbClr val="000000"/>
-                </a:solidFill>
-                <a:effectLst/>
-                <a:latin typeface="Courier New" pitchFamily="49" charset="0"/>
-                <a:cs typeface="Courier New" pitchFamily="49" charset="0"/>
-              </a:rPr>
-            </a:br>
-            <a:r>
-              <a:rPr kumimoji="0" lang="ru-RU" sz="2800" b="0" i="0" u="none" strike="noStrike" cap="none" normalizeH="0" baseline="0" dirty="0" smtClean="0">
-                <a:ln>
-                  <a:noFill/>
-                </a:ln>
-                <a:solidFill>
-                  <a:srgbClr val="000000"/>
-                </a:solidFill>
-                <a:effectLst/>
-                <a:latin typeface="Courier New" pitchFamily="49" charset="0"/>
-                <a:cs typeface="Courier New" pitchFamily="49" charset="0"/>
-              </a:rPr>
-              <a:t>        </a:t>
-            </a:r>
-            <a:r>
-              <a:rPr kumimoji="0" lang="ru-RU" sz="2800" b="1" i="0" u="none" strike="noStrike" cap="none" normalizeH="0" baseline="0" dirty="0" err="1" smtClean="0">
-                <a:ln>
-                  <a:noFill/>
-                </a:ln>
-                <a:solidFill>
-                  <a:srgbClr val="000080"/>
-                </a:solidFill>
-                <a:effectLst/>
-                <a:latin typeface="Courier New" pitchFamily="49" charset="0"/>
-                <a:cs typeface="Courier New" pitchFamily="49" charset="0"/>
-              </a:rPr>
-              <a:t>return</a:t>
-            </a:r>
-            <a:r>
-              <a:rPr kumimoji="0" lang="ru-RU" sz="2800" b="1" i="0" u="none" strike="noStrike" cap="none" normalizeH="0" baseline="0" dirty="0" smtClean="0">
-                <a:ln>
-                  <a:noFill/>
-                </a:ln>
-                <a:solidFill>
-                  <a:srgbClr val="000080"/>
-                </a:solidFill>
-                <a:effectLst/>
-                <a:latin typeface="Courier New" pitchFamily="49" charset="0"/>
-                <a:cs typeface="Courier New" pitchFamily="49" charset="0"/>
-              </a:rPr>
-              <a:t> </a:t>
-            </a:r>
-            <a:r>
-              <a:rPr kumimoji="0" lang="ru-RU" sz="2800" b="0" i="0" u="none" strike="noStrike" cap="none" normalizeH="0" baseline="0" dirty="0" err="1" smtClean="0">
-                <a:ln>
-                  <a:noFill/>
-                </a:ln>
-                <a:solidFill>
-                  <a:srgbClr val="000000"/>
-                </a:solidFill>
-                <a:effectLst/>
-                <a:latin typeface="Courier New" pitchFamily="49" charset="0"/>
-                <a:cs typeface="Courier New" pitchFamily="49" charset="0"/>
-              </a:rPr>
-              <a:t>num</a:t>
-            </a:r>
-            <a:r>
-              <a:rPr kumimoji="0" lang="ru-RU" sz="2800" b="0" i="0" u="none" strike="noStrike" cap="none" normalizeH="0" baseline="0" dirty="0" smtClean="0">
-                <a:ln>
-                  <a:noFill/>
-                </a:ln>
-                <a:solidFill>
-                  <a:srgbClr val="000000"/>
-                </a:solidFill>
-                <a:effectLst/>
-                <a:latin typeface="Courier New" pitchFamily="49" charset="0"/>
-                <a:cs typeface="Courier New" pitchFamily="49" charset="0"/>
-              </a:rPr>
-              <a:t/>
-            </a:r>
-            <a:br>
-              <a:rPr kumimoji="0" lang="ru-RU" sz="2800" b="0" i="0" u="none" strike="noStrike" cap="none" normalizeH="0" baseline="0" dirty="0" smtClean="0">
-                <a:ln>
-                  <a:noFill/>
-                </a:ln>
-                <a:solidFill>
-                  <a:srgbClr val="000000"/>
-                </a:solidFill>
-                <a:effectLst/>
-                <a:latin typeface="Courier New" pitchFamily="49" charset="0"/>
-                <a:cs typeface="Courier New" pitchFamily="49" charset="0"/>
-              </a:rPr>
-            </a:br>
-            <a:r>
-              <a:rPr kumimoji="0" lang="ru-RU" sz="2800" b="0" i="0" u="none" strike="noStrike" cap="none" normalizeH="0" baseline="0" dirty="0" smtClean="0">
-                <a:ln>
-                  <a:noFill/>
-                </a:ln>
-                <a:solidFill>
-                  <a:srgbClr val="000000"/>
-                </a:solidFill>
-                <a:effectLst/>
-                <a:latin typeface="Courier New" pitchFamily="49" charset="0"/>
-                <a:cs typeface="Courier New" pitchFamily="49" charset="0"/>
-              </a:rPr>
-              <a:t/>
-            </a:r>
-            <a:br>
-              <a:rPr kumimoji="0" lang="ru-RU" sz="2800" b="0" i="0" u="none" strike="noStrike" cap="none" normalizeH="0" baseline="0" dirty="0" smtClean="0">
-                <a:ln>
-                  <a:noFill/>
-                </a:ln>
-                <a:solidFill>
-                  <a:srgbClr val="000000"/>
-                </a:solidFill>
-                <a:effectLst/>
-                <a:latin typeface="Courier New" pitchFamily="49" charset="0"/>
-                <a:cs typeface="Courier New" pitchFamily="49" charset="0"/>
-              </a:rPr>
-            </a:br>
-            <a:r>
-              <a:rPr kumimoji="0" lang="ru-RU" sz="2800" b="0" i="0" u="none" strike="noStrike" cap="none" normalizeH="0" baseline="0" dirty="0" smtClean="0">
-                <a:ln>
-                  <a:noFill/>
-                </a:ln>
-                <a:solidFill>
-                  <a:srgbClr val="000000"/>
-                </a:solidFill>
-                <a:effectLst/>
-                <a:latin typeface="Courier New" pitchFamily="49" charset="0"/>
-                <a:cs typeface="Courier New" pitchFamily="49" charset="0"/>
-              </a:rPr>
-              <a:t>obj1 = A()</a:t>
-            </a:r>
-            <a:br>
-              <a:rPr kumimoji="0" lang="ru-RU" sz="2800" b="0" i="0" u="none" strike="noStrike" cap="none" normalizeH="0" baseline="0" dirty="0" smtClean="0">
-                <a:ln>
-                  <a:noFill/>
-                </a:ln>
-                <a:solidFill>
-                  <a:srgbClr val="000000"/>
-                </a:solidFill>
-                <a:effectLst/>
-                <a:latin typeface="Courier New" pitchFamily="49" charset="0"/>
-                <a:cs typeface="Courier New" pitchFamily="49" charset="0"/>
-              </a:rPr>
-            </a:br>
-            <a:r>
-              <a:rPr kumimoji="0" lang="ru-RU" sz="2800" b="0" i="0" u="none" strike="noStrike" cap="none" normalizeH="0" baseline="0" dirty="0" smtClean="0">
-                <a:ln>
-                  <a:noFill/>
-                </a:ln>
-                <a:solidFill>
-                  <a:srgbClr val="000000"/>
-                </a:solidFill>
-                <a:effectLst/>
-                <a:latin typeface="Courier New" pitchFamily="49" charset="0"/>
-                <a:cs typeface="Courier New" pitchFamily="49" charset="0"/>
-              </a:rPr>
-              <a:t>obj2 = B()</a:t>
-            </a:r>
-            <a:br>
-              <a:rPr kumimoji="0" lang="ru-RU" sz="2800" b="0" i="0" u="none" strike="noStrike" cap="none" normalizeH="0" baseline="0" dirty="0" smtClean="0">
-                <a:ln>
-                  <a:noFill/>
-                </a:ln>
-                <a:solidFill>
-                  <a:srgbClr val="000000"/>
-                </a:solidFill>
-                <a:effectLst/>
-                <a:latin typeface="Courier New" pitchFamily="49" charset="0"/>
-                <a:cs typeface="Courier New" pitchFamily="49" charset="0"/>
-              </a:rPr>
-            </a:br>
-            <a:r>
-              <a:rPr kumimoji="0" lang="ru-RU" sz="2800" b="0" i="0" u="none" strike="noStrike" cap="none" normalizeH="0" baseline="0" dirty="0" smtClean="0">
-                <a:ln>
-                  <a:noFill/>
-                </a:ln>
-                <a:solidFill>
-                  <a:srgbClr val="000000"/>
-                </a:solidFill>
-                <a:effectLst/>
-                <a:latin typeface="Courier New" pitchFamily="49" charset="0"/>
-                <a:cs typeface="Courier New" pitchFamily="49" charset="0"/>
-              </a:rPr>
-              <a:t/>
-            </a:r>
-            <a:br>
-              <a:rPr kumimoji="0" lang="ru-RU" sz="2800" b="0" i="0" u="none" strike="noStrike" cap="none" normalizeH="0" baseline="0" dirty="0" smtClean="0">
-                <a:ln>
-                  <a:noFill/>
-                </a:ln>
-                <a:solidFill>
-                  <a:srgbClr val="000000"/>
-                </a:solidFill>
-                <a:effectLst/>
-                <a:latin typeface="Courier New" pitchFamily="49" charset="0"/>
-                <a:cs typeface="Courier New" pitchFamily="49" charset="0"/>
-              </a:rPr>
-            </a:br>
-            <a:r>
-              <a:rPr kumimoji="0" lang="ru-RU" sz="2800" b="0" i="0" u="none" strike="noStrike" cap="none" normalizeH="0" baseline="0" dirty="0" err="1" smtClean="0">
-                <a:ln>
-                  <a:noFill/>
-                </a:ln>
-                <a:solidFill>
-                  <a:srgbClr val="000080"/>
-                </a:solidFill>
-                <a:effectLst/>
-                <a:latin typeface="Courier New" pitchFamily="49" charset="0"/>
-                <a:cs typeface="Courier New" pitchFamily="49" charset="0"/>
-              </a:rPr>
-              <a:t>print</a:t>
-            </a:r>
-            <a:r>
-              <a:rPr kumimoji="0" lang="ru-RU" sz="2800" b="0" i="0" u="none" strike="noStrike" cap="none" normalizeH="0" baseline="0" dirty="0" smtClean="0">
-                <a:ln>
-                  <a:noFill/>
-                </a:ln>
-                <a:solidFill>
-                  <a:srgbClr val="000000"/>
-                </a:solidFill>
-                <a:effectLst/>
-                <a:latin typeface="Courier New" pitchFamily="49" charset="0"/>
-                <a:cs typeface="Courier New" pitchFamily="49" charset="0"/>
-              </a:rPr>
-              <a:t>(obj1.oper(</a:t>
-            </a:r>
-            <a:r>
-              <a:rPr kumimoji="0" lang="ru-RU" sz="2800" b="0" i="0" u="none" strike="noStrike" cap="none" normalizeH="0" baseline="0" dirty="0" smtClean="0">
+              <a:t>a = </a:t>
+            </a:r>
+            <a:r>
+              <a:rPr kumimoji="0" lang="ru-RU" altLang="ru-RU" sz="3200" b="0" i="0" u="none" strike="noStrike" cap="none" normalizeH="0" baseline="0" dirty="0" smtClean="0">
                 <a:ln>
                   <a:noFill/>
                 </a:ln>
@@ -25063,213 +25245,353 @@
               </a:rPr>
               <a:t>2</a:t>
             </a:r>
-            <a:r>
-              <a:rPr kumimoji="0" lang="ru-RU" sz="2800" b="0" i="0" u="none" strike="noStrike" cap="none" normalizeH="0" baseline="0" dirty="0" smtClean="0">
-                <a:ln>
-                  <a:noFill/>
-                </a:ln>
-                <a:solidFill>
-                  <a:srgbClr val="000000"/>
-                </a:solidFill>
-                <a:effectLst/>
-                <a:latin typeface="Courier New" pitchFamily="49" charset="0"/>
-                <a:cs typeface="Courier New" pitchFamily="49" charset="0"/>
-              </a:rPr>
-              <a:t>, </a:t>
-            </a:r>
-            <a:r>
-              <a:rPr kumimoji="0" lang="ru-RU" sz="2800" b="0" i="0" u="none" strike="noStrike" cap="none" normalizeH="0" baseline="0" dirty="0" smtClean="0">
-                <a:ln>
-                  <a:noFill/>
-                </a:ln>
-                <a:solidFill>
-                  <a:srgbClr val="0000FF"/>
-                </a:solidFill>
-                <a:effectLst/>
-                <a:latin typeface="Courier New" pitchFamily="49" charset="0"/>
-                <a:cs typeface="Courier New" pitchFamily="49" charset="0"/>
-              </a:rPr>
-              <a:t>4</a:t>
-            </a:r>
-            <a:r>
-              <a:rPr kumimoji="0" lang="ru-RU" sz="2800" b="0" i="0" u="none" strike="noStrike" cap="none" normalizeH="0" baseline="0" dirty="0" smtClean="0">
-                <a:ln>
-                  <a:noFill/>
-                </a:ln>
-                <a:solidFill>
-                  <a:srgbClr val="000000"/>
-                </a:solidFill>
-                <a:effectLst/>
-                <a:latin typeface="Courier New" pitchFamily="49" charset="0"/>
-                <a:cs typeface="Courier New" pitchFamily="49" charset="0"/>
-              </a:rPr>
-              <a:t>))</a:t>
-            </a:r>
-            <a:r>
-              <a:rPr kumimoji="0" lang="en-US" sz="2800" b="0" i="0" u="none" strike="noStrike" cap="none" normalizeH="0" baseline="0" dirty="0" smtClean="0">
-                <a:ln>
-                  <a:noFill/>
-                </a:ln>
-                <a:solidFill>
-                  <a:srgbClr val="000000"/>
-                </a:solidFill>
-                <a:effectLst/>
-                <a:latin typeface="Courier New" pitchFamily="49" charset="0"/>
-                <a:cs typeface="Courier New" pitchFamily="49" charset="0"/>
-              </a:rPr>
-              <a:t> </a:t>
-            </a:r>
-            <a:r>
-              <a:rPr lang="en-US" sz="2800" i="1" dirty="0">
-                <a:solidFill>
-                  <a:srgbClr val="808080"/>
-                </a:solidFill>
-                <a:latin typeface="Courier New" pitchFamily="49" charset="0"/>
-                <a:cs typeface="Courier New" pitchFamily="49" charset="0"/>
-              </a:rPr>
-              <a:t># 6</a:t>
-            </a:r>
-            <a:r>
-              <a:rPr kumimoji="0" lang="ru-RU" sz="2800" b="0" i="0" u="none" strike="noStrike" cap="none" normalizeH="0" baseline="0" dirty="0" smtClean="0">
-                <a:ln>
-                  <a:noFill/>
-                </a:ln>
-                <a:solidFill>
-                  <a:srgbClr val="000000"/>
-                </a:solidFill>
-                <a:effectLst/>
-                <a:latin typeface="Courier New" pitchFamily="49" charset="0"/>
-                <a:cs typeface="Courier New" pitchFamily="49" charset="0"/>
-              </a:rPr>
-              <a:t/>
-            </a:r>
-            <a:br>
-              <a:rPr kumimoji="0" lang="ru-RU" sz="2800" b="0" i="0" u="none" strike="noStrike" cap="none" normalizeH="0" baseline="0" dirty="0" smtClean="0">
-                <a:ln>
-                  <a:noFill/>
-                </a:ln>
-                <a:solidFill>
-                  <a:srgbClr val="000000"/>
-                </a:solidFill>
-                <a:effectLst/>
-                <a:latin typeface="Courier New" pitchFamily="49" charset="0"/>
-                <a:cs typeface="Courier New" pitchFamily="49" charset="0"/>
-              </a:rPr>
-            </a:br>
-            <a:r>
-              <a:rPr kumimoji="0" lang="ru-RU" sz="2800" b="0" i="0" u="none" strike="noStrike" cap="none" normalizeH="0" baseline="0" dirty="0" err="1" smtClean="0">
-                <a:ln>
-                  <a:noFill/>
-                </a:ln>
-                <a:solidFill>
-                  <a:srgbClr val="000080"/>
-                </a:solidFill>
-                <a:effectLst/>
-                <a:latin typeface="Courier New" pitchFamily="49" charset="0"/>
-                <a:cs typeface="Courier New" pitchFamily="49" charset="0"/>
-              </a:rPr>
-              <a:t>print</a:t>
-            </a:r>
-            <a:r>
-              <a:rPr kumimoji="0" lang="ru-RU" sz="2800" b="0" i="0" u="none" strike="noStrike" cap="none" normalizeH="0" baseline="0" dirty="0" smtClean="0">
-                <a:ln>
-                  <a:noFill/>
-                </a:ln>
-                <a:solidFill>
-                  <a:srgbClr val="000000"/>
-                </a:solidFill>
-                <a:effectLst/>
-                <a:latin typeface="Courier New" pitchFamily="49" charset="0"/>
-                <a:cs typeface="Courier New" pitchFamily="49" charset="0"/>
-              </a:rPr>
-              <a:t>(obj2.oper(</a:t>
-            </a:r>
-            <a:r>
-              <a:rPr kumimoji="0" lang="ru-RU" sz="2800" b="0" i="0" u="none" strike="noStrike" cap="none" normalizeH="0" baseline="0" dirty="0" smtClean="0">
-                <a:ln>
-                  <a:noFill/>
-                </a:ln>
-                <a:solidFill>
-                  <a:srgbClr val="0000FF"/>
-                </a:solidFill>
-                <a:effectLst/>
-                <a:latin typeface="Courier New" pitchFamily="49" charset="0"/>
-                <a:cs typeface="Courier New" pitchFamily="49" charset="0"/>
-              </a:rPr>
-              <a:t>2</a:t>
-            </a:r>
-            <a:r>
-              <a:rPr kumimoji="0" lang="ru-RU" sz="2800" b="0" i="0" u="none" strike="noStrike" cap="none" normalizeH="0" baseline="0" dirty="0" smtClean="0">
-                <a:ln>
-                  <a:noFill/>
-                </a:ln>
-                <a:solidFill>
-                  <a:srgbClr val="000000"/>
-                </a:solidFill>
-                <a:effectLst/>
-                <a:latin typeface="Courier New" pitchFamily="49" charset="0"/>
-                <a:cs typeface="Courier New" pitchFamily="49" charset="0"/>
-              </a:rPr>
-              <a:t>, </a:t>
-            </a:r>
-            <a:r>
-              <a:rPr kumimoji="0" lang="ru-RU" sz="2800" b="0" i="0" u="none" strike="noStrike" cap="none" normalizeH="0" baseline="0" dirty="0" smtClean="0">
-                <a:ln>
-                  <a:noFill/>
-                </a:ln>
-                <a:solidFill>
-                  <a:srgbClr val="0000FF"/>
-                </a:solidFill>
-                <a:effectLst/>
-                <a:latin typeface="Courier New" pitchFamily="49" charset="0"/>
-                <a:cs typeface="Courier New" pitchFamily="49" charset="0"/>
-              </a:rPr>
-              <a:t>4</a:t>
-            </a:r>
-            <a:r>
-              <a:rPr kumimoji="0" lang="ru-RU" sz="2800" b="0" i="0" u="none" strike="noStrike" cap="none" normalizeH="0" baseline="0" dirty="0" smtClean="0">
-                <a:ln>
-                  <a:noFill/>
-                </a:ln>
-                <a:solidFill>
-                  <a:srgbClr val="000000"/>
-                </a:solidFill>
-                <a:effectLst/>
-                <a:latin typeface="Courier New" pitchFamily="49" charset="0"/>
-                <a:cs typeface="Courier New" pitchFamily="49" charset="0"/>
-              </a:rPr>
-              <a:t>))</a:t>
-            </a:r>
-            <a:r>
-              <a:rPr kumimoji="0" lang="en-US" sz="2800" b="0" i="0" u="none" strike="noStrike" cap="none" normalizeH="0" baseline="0" dirty="0" smtClean="0">
-                <a:ln>
-                  <a:noFill/>
-                </a:ln>
-                <a:solidFill>
-                  <a:srgbClr val="000000"/>
-                </a:solidFill>
-                <a:effectLst/>
-                <a:latin typeface="Courier New" pitchFamily="49" charset="0"/>
-                <a:cs typeface="Courier New" pitchFamily="49" charset="0"/>
-              </a:rPr>
-              <a:t> </a:t>
-            </a:r>
-            <a:r>
-              <a:rPr lang="en-US" sz="2800" i="1" dirty="0">
-                <a:solidFill>
-                  <a:srgbClr val="808080"/>
-                </a:solidFill>
-                <a:latin typeface="Courier New" pitchFamily="49" charset="0"/>
-                <a:cs typeface="Courier New" pitchFamily="49" charset="0"/>
-              </a:rPr>
-              <a:t># 0.5</a:t>
-            </a:r>
-            <a:endParaRPr lang="ru-RU" sz="2800" i="1" dirty="0">
+            <a:endParaRPr kumimoji="0" lang="en-US" altLang="ru-RU" sz="3200" b="0" i="0" u="none" strike="noStrike" cap="none" normalizeH="0" baseline="0" dirty="0" smtClean="0">
+              <a:ln>
+                <a:noFill/>
+              </a:ln>
               <a:solidFill>
-                <a:srgbClr val="808080"/>
+                <a:srgbClr val="0000FF"/>
               </a:solidFill>
+              <a:effectLst/>
               <a:latin typeface="Courier New" pitchFamily="49" charset="0"/>
               <a:cs typeface="Courier New" pitchFamily="49" charset="0"/>
+            </a:endParaRPr>
+          </a:p>
+          <a:p>
+            <a:pPr lvl="0" fontAlgn="base">
+              <a:spcBef>
+                <a:spcPct val="0"/>
+              </a:spcBef>
+              <a:spcAft>
+                <a:spcPct val="0"/>
+              </a:spcAft>
+            </a:pPr>
+            <a:r>
+              <a:rPr lang="en-US" altLang="ru-RU" sz="3200" dirty="0" smtClean="0">
+                <a:latin typeface="Courier New" pitchFamily="49" charset="0"/>
+                <a:cs typeface="Courier New" pitchFamily="49" charset="0"/>
+              </a:rPr>
+              <a:t>&gt;&gt;&gt; </a:t>
+            </a:r>
+            <a:r>
+              <a:rPr kumimoji="0" lang="ru-RU" altLang="ru-RU" sz="3200" b="0" i="0" u="none" strike="noStrike" cap="none" normalizeH="0" baseline="0" dirty="0" smtClean="0">
+                <a:ln>
+                  <a:noFill/>
+                </a:ln>
+                <a:solidFill>
+                  <a:srgbClr val="000000"/>
+                </a:solidFill>
+                <a:effectLst/>
+                <a:latin typeface="Courier New" pitchFamily="49" charset="0"/>
+                <a:cs typeface="Courier New" pitchFamily="49" charset="0"/>
+              </a:rPr>
+              <a:t>b = </a:t>
+            </a:r>
+            <a:r>
+              <a:rPr kumimoji="0" lang="ru-RU" altLang="ru-RU" sz="3200" b="0" i="0" u="none" strike="noStrike" cap="none" normalizeH="0" baseline="0" dirty="0" smtClean="0">
+                <a:ln>
+                  <a:noFill/>
+                </a:ln>
+                <a:solidFill>
+                  <a:srgbClr val="0000FF"/>
+                </a:solidFill>
+                <a:effectLst/>
+                <a:latin typeface="Courier New" pitchFamily="49" charset="0"/>
+                <a:cs typeface="Courier New" pitchFamily="49" charset="0"/>
+              </a:rPr>
+              <a:t>2</a:t>
+            </a:r>
+            <a:endParaRPr kumimoji="0" lang="en-US" altLang="ru-RU" sz="3200" b="0" i="0" u="none" strike="noStrike" cap="none" normalizeH="0" baseline="0" dirty="0" smtClean="0">
+              <a:ln>
+                <a:noFill/>
+              </a:ln>
+              <a:solidFill>
+                <a:srgbClr val="0000FF"/>
+              </a:solidFill>
+              <a:effectLst/>
+              <a:latin typeface="Courier New" pitchFamily="49" charset="0"/>
+              <a:cs typeface="Courier New" pitchFamily="49" charset="0"/>
+            </a:endParaRPr>
+          </a:p>
+          <a:p>
+            <a:pPr lvl="0" fontAlgn="base">
+              <a:spcBef>
+                <a:spcPct val="0"/>
+              </a:spcBef>
+              <a:spcAft>
+                <a:spcPct val="0"/>
+              </a:spcAft>
+            </a:pPr>
+            <a:r>
+              <a:rPr lang="en-US" altLang="ru-RU" sz="3200" dirty="0" smtClean="0">
+                <a:latin typeface="Courier New" pitchFamily="49" charset="0"/>
+                <a:cs typeface="Courier New" pitchFamily="49" charset="0"/>
+              </a:rPr>
+              <a:t>&gt;&gt;&gt; </a:t>
+            </a:r>
+            <a:r>
+              <a:rPr kumimoji="0" lang="ru-RU" altLang="ru-RU" sz="3200" b="0" i="0" u="none" strike="noStrike" cap="none" normalizeH="0" baseline="0" dirty="0" err="1" smtClean="0">
+                <a:ln>
+                  <a:noFill/>
+                </a:ln>
+                <a:solidFill>
+                  <a:srgbClr val="000080"/>
+                </a:solidFill>
+                <a:effectLst/>
+                <a:latin typeface="Courier New" pitchFamily="49" charset="0"/>
+                <a:cs typeface="Courier New" pitchFamily="49" charset="0"/>
+              </a:rPr>
+              <a:t>print</a:t>
+            </a:r>
+            <a:r>
+              <a:rPr kumimoji="0" lang="ru-RU" altLang="ru-RU" sz="3200" b="0" i="0" u="none" strike="noStrike" cap="none" normalizeH="0" baseline="0" dirty="0" smtClean="0">
+                <a:ln>
+                  <a:noFill/>
+                </a:ln>
+                <a:solidFill>
+                  <a:srgbClr val="000000"/>
+                </a:solidFill>
+                <a:effectLst/>
+                <a:latin typeface="Courier New" pitchFamily="49" charset="0"/>
+                <a:cs typeface="Courier New" pitchFamily="49" charset="0"/>
+              </a:rPr>
+              <a:t>(a * b)</a:t>
+            </a:r>
+            <a:endParaRPr kumimoji="0" lang="en-US" altLang="ru-RU" sz="3200" b="0" i="0" u="none" strike="noStrike" cap="none" normalizeH="0" baseline="0" dirty="0" smtClean="0">
+              <a:ln>
+                <a:noFill/>
+              </a:ln>
+              <a:solidFill>
+                <a:srgbClr val="000000"/>
+              </a:solidFill>
+              <a:effectLst/>
+              <a:latin typeface="Courier New" pitchFamily="49" charset="0"/>
+              <a:cs typeface="Courier New" pitchFamily="49" charset="0"/>
+            </a:endParaRPr>
+          </a:p>
+          <a:p>
+            <a:pPr lvl="0" fontAlgn="base">
+              <a:spcBef>
+                <a:spcPct val="0"/>
+              </a:spcBef>
+              <a:spcAft>
+                <a:spcPct val="0"/>
+              </a:spcAft>
+            </a:pPr>
+            <a:r>
+              <a:rPr kumimoji="0" lang="en-US" altLang="ru-RU" sz="3200" b="0" i="1" u="none" strike="noStrike" cap="none" normalizeH="0" baseline="0" dirty="0" smtClean="0">
+                <a:ln>
+                  <a:noFill/>
+                </a:ln>
+                <a:solidFill>
+                  <a:schemeClr val="bg2"/>
+                </a:solidFill>
+                <a:effectLst/>
+                <a:latin typeface="Courier New" pitchFamily="49" charset="0"/>
+                <a:cs typeface="Courier New" pitchFamily="49" charset="0"/>
+              </a:rPr>
+              <a:t>4</a:t>
+            </a:r>
+          </a:p>
+          <a:p>
+            <a:pPr lvl="0" fontAlgn="base">
+              <a:spcBef>
+                <a:spcPct val="0"/>
+              </a:spcBef>
+              <a:spcAft>
+                <a:spcPct val="0"/>
+              </a:spcAft>
+            </a:pPr>
+            <a:r>
+              <a:rPr kumimoji="0" lang="ru-RU" altLang="ru-RU" sz="3200" b="0" i="1" u="none" strike="noStrike" cap="none" normalizeH="0" baseline="0" dirty="0" smtClean="0">
+                <a:ln>
+                  <a:noFill/>
+                </a:ln>
+                <a:solidFill>
+                  <a:srgbClr val="808080"/>
+                </a:solidFill>
+                <a:effectLst/>
+                <a:latin typeface="Courier New" pitchFamily="49" charset="0"/>
+                <a:cs typeface="Courier New" pitchFamily="49" charset="0"/>
+              </a:rPr>
+              <a:t/>
+            </a:r>
+            <a:br>
+              <a:rPr kumimoji="0" lang="ru-RU" altLang="ru-RU" sz="3200" b="0" i="1" u="none" strike="noStrike" cap="none" normalizeH="0" baseline="0" dirty="0" smtClean="0">
+                <a:ln>
+                  <a:noFill/>
+                </a:ln>
+                <a:solidFill>
+                  <a:srgbClr val="808080"/>
+                </a:solidFill>
+                <a:effectLst/>
+                <a:latin typeface="Courier New" pitchFamily="49" charset="0"/>
+                <a:cs typeface="Courier New" pitchFamily="49" charset="0"/>
+              </a:rPr>
+            </a:br>
+            <a:r>
+              <a:rPr lang="en-US" altLang="ru-RU" sz="3200" dirty="0">
+                <a:latin typeface="Courier New" pitchFamily="49" charset="0"/>
+                <a:cs typeface="Courier New" pitchFamily="49" charset="0"/>
+              </a:rPr>
+              <a:t>&gt;&gt;&gt; </a:t>
+            </a:r>
+            <a:r>
+              <a:rPr kumimoji="0" lang="ru-RU" altLang="ru-RU" sz="3200" b="0" i="0" u="none" strike="noStrike" cap="none" normalizeH="0" baseline="0" dirty="0" smtClean="0">
+                <a:ln>
+                  <a:noFill/>
+                </a:ln>
+                <a:solidFill>
+                  <a:srgbClr val="000000"/>
+                </a:solidFill>
+                <a:effectLst/>
+                <a:latin typeface="Courier New" pitchFamily="49" charset="0"/>
+                <a:cs typeface="Courier New" pitchFamily="49" charset="0"/>
+              </a:rPr>
+              <a:t>a = </a:t>
+            </a:r>
+            <a:r>
+              <a:rPr kumimoji="0" lang="ru-RU" altLang="ru-RU" sz="3200" b="1" i="0" u="none" strike="noStrike" cap="none" normalizeH="0" baseline="0" dirty="0" smtClean="0">
+                <a:ln>
+                  <a:noFill/>
+                </a:ln>
+                <a:solidFill>
+                  <a:srgbClr val="008080"/>
+                </a:solidFill>
+                <a:effectLst/>
+                <a:latin typeface="Courier New" pitchFamily="49" charset="0"/>
+                <a:cs typeface="Courier New" pitchFamily="49" charset="0"/>
+              </a:rPr>
+              <a:t>"2“</a:t>
+            </a:r>
+            <a:endParaRPr kumimoji="0" lang="en-US" altLang="ru-RU" sz="3200" b="1" i="0" u="none" strike="noStrike" cap="none" normalizeH="0" baseline="0" dirty="0" smtClean="0">
+              <a:ln>
+                <a:noFill/>
+              </a:ln>
+              <a:solidFill>
+                <a:srgbClr val="008080"/>
+              </a:solidFill>
+              <a:effectLst/>
+              <a:latin typeface="Courier New" pitchFamily="49" charset="0"/>
+              <a:cs typeface="Courier New" pitchFamily="49" charset="0"/>
+            </a:endParaRPr>
+          </a:p>
+          <a:p>
+            <a:pPr lvl="0" fontAlgn="base">
+              <a:spcBef>
+                <a:spcPct val="0"/>
+              </a:spcBef>
+              <a:spcAft>
+                <a:spcPct val="0"/>
+              </a:spcAft>
+            </a:pPr>
+            <a:r>
+              <a:rPr lang="en-US" altLang="ru-RU" sz="3200" dirty="0" smtClean="0">
+                <a:latin typeface="Courier New" pitchFamily="49" charset="0"/>
+                <a:cs typeface="Courier New" pitchFamily="49" charset="0"/>
+              </a:rPr>
+              <a:t>&gt;&gt;&gt; </a:t>
+            </a:r>
+            <a:r>
+              <a:rPr kumimoji="0" lang="ru-RU" altLang="ru-RU" sz="3200" b="0" i="0" u="none" strike="noStrike" cap="none" normalizeH="0" baseline="0" dirty="0" err="1" smtClean="0">
+                <a:ln>
+                  <a:noFill/>
+                </a:ln>
+                <a:solidFill>
+                  <a:srgbClr val="000080"/>
+                </a:solidFill>
+                <a:effectLst/>
+                <a:latin typeface="Courier New" pitchFamily="49" charset="0"/>
+                <a:cs typeface="Courier New" pitchFamily="49" charset="0"/>
+              </a:rPr>
+              <a:t>print</a:t>
+            </a:r>
+            <a:r>
+              <a:rPr kumimoji="0" lang="ru-RU" altLang="ru-RU" sz="3200" b="0" i="0" u="none" strike="noStrike" cap="none" normalizeH="0" baseline="0" dirty="0" smtClean="0">
+                <a:ln>
+                  <a:noFill/>
+                </a:ln>
+                <a:solidFill>
+                  <a:srgbClr val="000000"/>
+                </a:solidFill>
+                <a:effectLst/>
+                <a:latin typeface="Courier New" pitchFamily="49" charset="0"/>
+                <a:cs typeface="Courier New" pitchFamily="49" charset="0"/>
+              </a:rPr>
+              <a:t>(a * b)    </a:t>
+            </a:r>
+            <a:endParaRPr kumimoji="0" lang="en-US" altLang="ru-RU" sz="3200" b="0" i="0" u="none" strike="noStrike" cap="none" normalizeH="0" baseline="0" dirty="0" smtClean="0">
+              <a:ln>
+                <a:noFill/>
+              </a:ln>
+              <a:solidFill>
+                <a:srgbClr val="000000"/>
+              </a:solidFill>
+              <a:effectLst/>
+              <a:latin typeface="Courier New" pitchFamily="49" charset="0"/>
+              <a:cs typeface="Courier New" pitchFamily="49" charset="0"/>
+            </a:endParaRPr>
+          </a:p>
+          <a:p>
+            <a:pPr lvl="0" fontAlgn="base">
+              <a:spcBef>
+                <a:spcPct val="0"/>
+              </a:spcBef>
+              <a:spcAft>
+                <a:spcPct val="0"/>
+              </a:spcAft>
+            </a:pPr>
+            <a:r>
+              <a:rPr kumimoji="0" lang="ru-RU" altLang="ru-RU" sz="3200" b="0" i="1" u="none" strike="noStrike" cap="none" normalizeH="0" baseline="0" dirty="0" smtClean="0">
+                <a:ln>
+                  <a:noFill/>
+                </a:ln>
+                <a:solidFill>
+                  <a:schemeClr val="bg2"/>
+                </a:solidFill>
+                <a:effectLst/>
+                <a:latin typeface="Courier New" pitchFamily="49" charset="0"/>
+                <a:cs typeface="Courier New" pitchFamily="49" charset="0"/>
+              </a:rPr>
+              <a:t>'22'</a:t>
+            </a:r>
+            <a:r>
+              <a:rPr kumimoji="0" lang="ru-RU" altLang="ru-RU" sz="3200" b="0" i="1" u="none" strike="noStrike" cap="none" normalizeH="0" baseline="0" dirty="0" smtClean="0">
+                <a:ln>
+                  <a:noFill/>
+                </a:ln>
+                <a:solidFill>
+                  <a:srgbClr val="808080"/>
+                </a:solidFill>
+                <a:effectLst/>
+                <a:latin typeface="Courier New" pitchFamily="49" charset="0"/>
+                <a:cs typeface="Courier New" pitchFamily="49" charset="0"/>
+              </a:rPr>
+              <a:t/>
+            </a:r>
+            <a:br>
+              <a:rPr kumimoji="0" lang="ru-RU" altLang="ru-RU" sz="3200" b="0" i="1" u="none" strike="noStrike" cap="none" normalizeH="0" baseline="0" dirty="0" smtClean="0">
+                <a:ln>
+                  <a:noFill/>
+                </a:ln>
+                <a:solidFill>
+                  <a:srgbClr val="808080"/>
+                </a:solidFill>
+                <a:effectLst/>
+                <a:latin typeface="Courier New" pitchFamily="49" charset="0"/>
+                <a:cs typeface="Courier New" pitchFamily="49" charset="0"/>
+              </a:rPr>
+            </a:br>
+            <a:endParaRPr kumimoji="0" lang="ru-RU" altLang="ru-RU" sz="6000" b="0" i="0" u="none" strike="noStrike" cap="none" normalizeH="0" baseline="0" dirty="0" smtClean="0">
+              <a:ln>
+                <a:noFill/>
+              </a:ln>
+              <a:solidFill>
+                <a:schemeClr val="tx1"/>
+              </a:solidFill>
+              <a:effectLst/>
+              <a:latin typeface="Arial" pitchFamily="34" charset="0"/>
+              <a:cs typeface="Arial" pitchFamily="34" charset="0"/>
             </a:endParaRPr>
           </a:p>
         </p:txBody>
@@ -25277,7 +25599,7 @@
     </p:spTree>
     <p:extLst>
       <p:ext uri="{BB962C8B-B14F-4D97-AF65-F5344CB8AC3E}">
-        <p14:creationId xmlns:p14="http://schemas.microsoft.com/office/powerpoint/2010/main" val="824695166"/>
+        <p14:creationId xmlns:p14="http://schemas.microsoft.com/office/powerpoint/2010/main" val="394631286"/>
       </p:ext>
     </p:extLst>
   </p:cSld>
@@ -25287,7 +25609,457 @@
   <p:timing>
     <p:tnLst>
       <p:par>
-        <p:cTn id="1" dur="indefinite" restart="never" nodeType="tmRoot"/>
+        <p:cTn id="1" dur="indefinite" restart="never" nodeType="tmRoot">
+          <p:childTnLst>
+            <p:seq concurrent="1" nextAc="seek">
+              <p:cTn id="2" dur="indefinite" nodeType="mainSeq">
+                <p:childTnLst>
+                  <p:par>
+                    <p:cTn id="3" fill="hold">
+                      <p:stCondLst>
+                        <p:cond delay="indefinite"/>
+                      </p:stCondLst>
+                      <p:childTnLst>
+                        <p:par>
+                          <p:cTn id="4" fill="hold">
+                            <p:stCondLst>
+                              <p:cond delay="0"/>
+                            </p:stCondLst>
+                            <p:childTnLst>
+                              <p:par>
+                                <p:cTn id="5" presetID="10" presetClass="entr" presetSubtype="0" fill="hold" nodeType="clickEffect">
+                                  <p:stCondLst>
+                                    <p:cond delay="0"/>
+                                  </p:stCondLst>
+                                  <p:childTnLst>
+                                    <p:set>
+                                      <p:cBhvr>
+                                        <p:cTn id="6" dur="1" fill="hold">
+                                          <p:stCondLst>
+                                            <p:cond delay="0"/>
+                                          </p:stCondLst>
+                                        </p:cTn>
+                                        <p:tgtEl>
+                                          <p:spTgt spid="2">
+                                            <p:txEl>
+                                              <p:pRg st="0" end="0"/>
+                                            </p:txEl>
+                                          </p:spTgt>
+                                        </p:tgtEl>
+                                        <p:attrNameLst>
+                                          <p:attrName>style.visibility</p:attrName>
+                                        </p:attrNameLst>
+                                      </p:cBhvr>
+                                      <p:to>
+                                        <p:strVal val="visible"/>
+                                      </p:to>
+                                    </p:set>
+                                    <p:animEffect transition="in" filter="fade">
+                                      <p:cBhvr>
+                                        <p:cTn id="7" dur="500"/>
+                                        <p:tgtEl>
+                                          <p:spTgt spid="2">
+                                            <p:txEl>
+                                              <p:pRg st="0" end="0"/>
+                                            </p:txEl>
+                                          </p:spTgt>
+                                        </p:tgtEl>
+                                      </p:cBhvr>
+                                    </p:animEffect>
+                                  </p:childTnLst>
+                                </p:cTn>
+                              </p:par>
+                            </p:childTnLst>
+                          </p:cTn>
+                        </p:par>
+                      </p:childTnLst>
+                    </p:cTn>
+                  </p:par>
+                  <p:par>
+                    <p:cTn id="8" fill="hold">
+                      <p:stCondLst>
+                        <p:cond delay="indefinite"/>
+                      </p:stCondLst>
+                      <p:childTnLst>
+                        <p:par>
+                          <p:cTn id="9" fill="hold">
+                            <p:stCondLst>
+                              <p:cond delay="0"/>
+                            </p:stCondLst>
+                            <p:childTnLst>
+                              <p:par>
+                                <p:cTn id="10" presetID="10" presetClass="entr" presetSubtype="0" fill="hold" nodeType="clickEffect">
+                                  <p:stCondLst>
+                                    <p:cond delay="0"/>
+                                  </p:stCondLst>
+                                  <p:childTnLst>
+                                    <p:set>
+                                      <p:cBhvr>
+                                        <p:cTn id="11" dur="1" fill="hold">
+                                          <p:stCondLst>
+                                            <p:cond delay="0"/>
+                                          </p:stCondLst>
+                                        </p:cTn>
+                                        <p:tgtEl>
+                                          <p:spTgt spid="2">
+                                            <p:txEl>
+                                              <p:pRg st="1" end="1"/>
+                                            </p:txEl>
+                                          </p:spTgt>
+                                        </p:tgtEl>
+                                        <p:attrNameLst>
+                                          <p:attrName>style.visibility</p:attrName>
+                                        </p:attrNameLst>
+                                      </p:cBhvr>
+                                      <p:to>
+                                        <p:strVal val="visible"/>
+                                      </p:to>
+                                    </p:set>
+                                    <p:animEffect transition="in" filter="fade">
+                                      <p:cBhvr>
+                                        <p:cTn id="12" dur="500"/>
+                                        <p:tgtEl>
+                                          <p:spTgt spid="2">
+                                            <p:txEl>
+                                              <p:pRg st="1" end="1"/>
+                                            </p:txEl>
+                                          </p:spTgt>
+                                        </p:tgtEl>
+                                      </p:cBhvr>
+                                    </p:animEffect>
+                                  </p:childTnLst>
+                                </p:cTn>
+                              </p:par>
+                            </p:childTnLst>
+                          </p:cTn>
+                        </p:par>
+                      </p:childTnLst>
+                    </p:cTn>
+                  </p:par>
+                  <p:par>
+                    <p:cTn id="13" fill="hold">
+                      <p:stCondLst>
+                        <p:cond delay="indefinite"/>
+                      </p:stCondLst>
+                      <p:childTnLst>
+                        <p:par>
+                          <p:cTn id="14" fill="hold">
+                            <p:stCondLst>
+                              <p:cond delay="0"/>
+                            </p:stCondLst>
+                            <p:childTnLst>
+                              <p:par>
+                                <p:cTn id="15" presetID="10" presetClass="entr" presetSubtype="0" fill="hold" nodeType="clickEffect">
+                                  <p:stCondLst>
+                                    <p:cond delay="0"/>
+                                  </p:stCondLst>
+                                  <p:childTnLst>
+                                    <p:set>
+                                      <p:cBhvr>
+                                        <p:cTn id="16" dur="1" fill="hold">
+                                          <p:stCondLst>
+                                            <p:cond delay="0"/>
+                                          </p:stCondLst>
+                                        </p:cTn>
+                                        <p:tgtEl>
+                                          <p:spTgt spid="2">
+                                            <p:txEl>
+                                              <p:pRg st="2" end="2"/>
+                                            </p:txEl>
+                                          </p:spTgt>
+                                        </p:tgtEl>
+                                        <p:attrNameLst>
+                                          <p:attrName>style.visibility</p:attrName>
+                                        </p:attrNameLst>
+                                      </p:cBhvr>
+                                      <p:to>
+                                        <p:strVal val="visible"/>
+                                      </p:to>
+                                    </p:set>
+                                    <p:animEffect transition="in" filter="fade">
+                                      <p:cBhvr>
+                                        <p:cTn id="17" dur="500"/>
+                                        <p:tgtEl>
+                                          <p:spTgt spid="2">
+                                            <p:txEl>
+                                              <p:pRg st="2" end="2"/>
+                                            </p:txEl>
+                                          </p:spTgt>
+                                        </p:tgtEl>
+                                      </p:cBhvr>
+                                    </p:animEffect>
+                                  </p:childTnLst>
+                                </p:cTn>
+                              </p:par>
+                            </p:childTnLst>
+                          </p:cTn>
+                        </p:par>
+                      </p:childTnLst>
+                    </p:cTn>
+                  </p:par>
+                  <p:par>
+                    <p:cTn id="18" fill="hold">
+                      <p:stCondLst>
+                        <p:cond delay="indefinite"/>
+                      </p:stCondLst>
+                      <p:childTnLst>
+                        <p:par>
+                          <p:cTn id="19" fill="hold">
+                            <p:stCondLst>
+                              <p:cond delay="0"/>
+                            </p:stCondLst>
+                            <p:childTnLst>
+                              <p:par>
+                                <p:cTn id="20" presetID="10" presetClass="entr" presetSubtype="0" fill="hold" nodeType="clickEffect">
+                                  <p:stCondLst>
+                                    <p:cond delay="0"/>
+                                  </p:stCondLst>
+                                  <p:childTnLst>
+                                    <p:set>
+                                      <p:cBhvr>
+                                        <p:cTn id="21" dur="1" fill="hold">
+                                          <p:stCondLst>
+                                            <p:cond delay="0"/>
+                                          </p:stCondLst>
+                                        </p:cTn>
+                                        <p:tgtEl>
+                                          <p:spTgt spid="2">
+                                            <p:txEl>
+                                              <p:pRg st="3" end="3"/>
+                                            </p:txEl>
+                                          </p:spTgt>
+                                        </p:tgtEl>
+                                        <p:attrNameLst>
+                                          <p:attrName>style.visibility</p:attrName>
+                                        </p:attrNameLst>
+                                      </p:cBhvr>
+                                      <p:to>
+                                        <p:strVal val="visible"/>
+                                      </p:to>
+                                    </p:set>
+                                    <p:animEffect transition="in" filter="fade">
+                                      <p:cBhvr>
+                                        <p:cTn id="22" dur="500"/>
+                                        <p:tgtEl>
+                                          <p:spTgt spid="2">
+                                            <p:txEl>
+                                              <p:pRg st="3" end="3"/>
+                                            </p:txEl>
+                                          </p:spTgt>
+                                        </p:tgtEl>
+                                      </p:cBhvr>
+                                    </p:animEffect>
+                                  </p:childTnLst>
+                                </p:cTn>
+                              </p:par>
+                            </p:childTnLst>
+                          </p:cTn>
+                        </p:par>
+                      </p:childTnLst>
+                    </p:cTn>
+                  </p:par>
+                  <p:par>
+                    <p:cTn id="23" fill="hold">
+                      <p:stCondLst>
+                        <p:cond delay="indefinite"/>
+                      </p:stCondLst>
+                      <p:childTnLst>
+                        <p:par>
+                          <p:cTn id="24" fill="hold">
+                            <p:stCondLst>
+                              <p:cond delay="0"/>
+                            </p:stCondLst>
+                            <p:childTnLst>
+                              <p:par>
+                                <p:cTn id="25" presetID="10" presetClass="entr" presetSubtype="0" fill="hold" nodeType="clickEffect">
+                                  <p:stCondLst>
+                                    <p:cond delay="0"/>
+                                  </p:stCondLst>
+                                  <p:childTnLst>
+                                    <p:set>
+                                      <p:cBhvr>
+                                        <p:cTn id="26" dur="1" fill="hold">
+                                          <p:stCondLst>
+                                            <p:cond delay="0"/>
+                                          </p:stCondLst>
+                                        </p:cTn>
+                                        <p:tgtEl>
+                                          <p:spTgt spid="2">
+                                            <p:txEl>
+                                              <p:pRg st="4" end="4"/>
+                                            </p:txEl>
+                                          </p:spTgt>
+                                        </p:tgtEl>
+                                        <p:attrNameLst>
+                                          <p:attrName>style.visibility</p:attrName>
+                                        </p:attrNameLst>
+                                      </p:cBhvr>
+                                      <p:to>
+                                        <p:strVal val="visible"/>
+                                      </p:to>
+                                    </p:set>
+                                    <p:animEffect transition="in" filter="fade">
+                                      <p:cBhvr>
+                                        <p:cTn id="27" dur="500"/>
+                                        <p:tgtEl>
+                                          <p:spTgt spid="2">
+                                            <p:txEl>
+                                              <p:pRg st="4" end="4"/>
+                                            </p:txEl>
+                                          </p:spTgt>
+                                        </p:tgtEl>
+                                      </p:cBhvr>
+                                    </p:animEffect>
+                                  </p:childTnLst>
+                                </p:cTn>
+                              </p:par>
+                            </p:childTnLst>
+                          </p:cTn>
+                        </p:par>
+                      </p:childTnLst>
+                    </p:cTn>
+                  </p:par>
+                  <p:par>
+                    <p:cTn id="28" fill="hold">
+                      <p:stCondLst>
+                        <p:cond delay="indefinite"/>
+                      </p:stCondLst>
+                      <p:childTnLst>
+                        <p:par>
+                          <p:cTn id="29" fill="hold">
+                            <p:stCondLst>
+                              <p:cond delay="0"/>
+                            </p:stCondLst>
+                            <p:childTnLst>
+                              <p:par>
+                                <p:cTn id="30" presetID="10" presetClass="entr" presetSubtype="0" fill="hold" nodeType="clickEffect">
+                                  <p:stCondLst>
+                                    <p:cond delay="0"/>
+                                  </p:stCondLst>
+                                  <p:childTnLst>
+                                    <p:set>
+                                      <p:cBhvr>
+                                        <p:cTn id="31" dur="1" fill="hold">
+                                          <p:stCondLst>
+                                            <p:cond delay="0"/>
+                                          </p:stCondLst>
+                                        </p:cTn>
+                                        <p:tgtEl>
+                                          <p:spTgt spid="2">
+                                            <p:txEl>
+                                              <p:pRg st="5" end="5"/>
+                                            </p:txEl>
+                                          </p:spTgt>
+                                        </p:tgtEl>
+                                        <p:attrNameLst>
+                                          <p:attrName>style.visibility</p:attrName>
+                                        </p:attrNameLst>
+                                      </p:cBhvr>
+                                      <p:to>
+                                        <p:strVal val="visible"/>
+                                      </p:to>
+                                    </p:set>
+                                    <p:animEffect transition="in" filter="fade">
+                                      <p:cBhvr>
+                                        <p:cTn id="32" dur="500"/>
+                                        <p:tgtEl>
+                                          <p:spTgt spid="2">
+                                            <p:txEl>
+                                              <p:pRg st="5" end="5"/>
+                                            </p:txEl>
+                                          </p:spTgt>
+                                        </p:tgtEl>
+                                      </p:cBhvr>
+                                    </p:animEffect>
+                                  </p:childTnLst>
+                                </p:cTn>
+                              </p:par>
+                            </p:childTnLst>
+                          </p:cTn>
+                        </p:par>
+                      </p:childTnLst>
+                    </p:cTn>
+                  </p:par>
+                  <p:par>
+                    <p:cTn id="33" fill="hold">
+                      <p:stCondLst>
+                        <p:cond delay="indefinite"/>
+                      </p:stCondLst>
+                      <p:childTnLst>
+                        <p:par>
+                          <p:cTn id="34" fill="hold">
+                            <p:stCondLst>
+                              <p:cond delay="0"/>
+                            </p:stCondLst>
+                            <p:childTnLst>
+                              <p:par>
+                                <p:cTn id="35" presetID="10" presetClass="entr" presetSubtype="0" fill="hold" nodeType="clickEffect">
+                                  <p:stCondLst>
+                                    <p:cond delay="0"/>
+                                  </p:stCondLst>
+                                  <p:childTnLst>
+                                    <p:set>
+                                      <p:cBhvr>
+                                        <p:cTn id="36" dur="1" fill="hold">
+                                          <p:stCondLst>
+                                            <p:cond delay="0"/>
+                                          </p:stCondLst>
+                                        </p:cTn>
+                                        <p:tgtEl>
+                                          <p:spTgt spid="2">
+                                            <p:txEl>
+                                              <p:pRg st="6" end="6"/>
+                                            </p:txEl>
+                                          </p:spTgt>
+                                        </p:tgtEl>
+                                        <p:attrNameLst>
+                                          <p:attrName>style.visibility</p:attrName>
+                                        </p:attrNameLst>
+                                      </p:cBhvr>
+                                      <p:to>
+                                        <p:strVal val="visible"/>
+                                      </p:to>
+                                    </p:set>
+                                    <p:animEffect transition="in" filter="fade">
+                                      <p:cBhvr>
+                                        <p:cTn id="37" dur="500"/>
+                                        <p:tgtEl>
+                                          <p:spTgt spid="2">
+                                            <p:txEl>
+                                              <p:pRg st="6" end="6"/>
+                                            </p:txEl>
+                                          </p:spTgt>
+                                        </p:tgtEl>
+                                      </p:cBhvr>
+                                    </p:animEffect>
+                                  </p:childTnLst>
+                                </p:cTn>
+                              </p:par>
+                            </p:childTnLst>
+                          </p:cTn>
+                        </p:par>
+                      </p:childTnLst>
+                    </p:cTn>
+                  </p:par>
+                </p:childTnLst>
+              </p:cTn>
+              <p:prevCondLst>
+                <p:cond evt="onPrev" delay="0">
+                  <p:tgtEl>
+                    <p:sldTgt/>
+                  </p:tgtEl>
+                </p:cond>
+              </p:prevCondLst>
+              <p:nextCondLst>
+                <p:cond evt="onNext" delay="0">
+                  <p:tgtEl>
+                    <p:sldTgt/>
+                  </p:tgtEl>
+                </p:cond>
+              </p:nextCondLst>
+            </p:seq>
+          </p:childTnLst>
+        </p:cTn>
       </p:par>
     </p:tnLst>
   </p:timing>
@@ -25355,7 +26127,7 @@
               <a:buSzPct val="25000"/>
             </a:pPr>
             <a:r>
-              <a:rPr lang="ru-RU" sz="7800" dirty="0" smtClean="0">
+              <a:rPr lang="ru-RU" sz="7800" dirty="0">
                 <a:solidFill>
                   <a:srgbClr val="00FF00"/>
                 </a:solidFill>
@@ -25364,7 +26136,7 @@
                 <a:cs typeface="Cabin"/>
                 <a:sym typeface="Cabin"/>
               </a:rPr>
-              <a:t>Доступ к методу базового класса</a:t>
+              <a:t>Переопределение методов</a:t>
             </a:r>
             <a:endParaRPr lang="en-US" sz="7800" dirty="0">
               <a:solidFill>
@@ -25380,7 +26152,7 @@
       </p:sp>
       <p:sp>
         <p:nvSpPr>
-          <p:cNvPr id="3" name="Rectangle 1"/>
+          <p:cNvPr id="2" name="Rectangle 1"/>
           <p:cNvSpPr>
             <a:spLocks noChangeArrowheads="1"/>
           </p:cNvSpPr>
@@ -25388,8 +26160,8 @@
         </p:nvSpPr>
         <p:spPr bwMode="auto">
           <a:xfrm>
-            <a:off x="4231342" y="2803802"/>
-            <a:ext cx="8032376" cy="6124754"/>
+            <a:off x="4506005" y="2137009"/>
+            <a:ext cx="8027306" cy="6986528"/>
           </a:xfrm>
           <a:prstGeom prst="rect">
             <a:avLst/>
@@ -25557,7 +26329,7 @@
                 <a:latin typeface="Courier New" pitchFamily="49" charset="0"/>
                 <a:cs typeface="Courier New" pitchFamily="49" charset="0"/>
               </a:rPr>
-              <a:t>foo</a:t>
+              <a:t>oper</a:t>
             </a:r>
             <a:r>
               <a:rPr kumimoji="0" lang="ru-RU" sz="2800" b="0" i="0" u="none" strike="noStrike" cap="none" normalizeH="0" baseline="0" dirty="0" smtClean="0">
@@ -25599,7 +26371,7 @@
                 <a:latin typeface="Courier New" pitchFamily="49" charset="0"/>
                 <a:cs typeface="Courier New" pitchFamily="49" charset="0"/>
               </a:rPr>
-              <a:t>):</a:t>
+              <a:t>, x, y):</a:t>
             </a:r>
             <a:br>
               <a:rPr kumimoji="0" lang="ru-RU" sz="2800" b="0" i="0" u="none" strike="noStrike" cap="none" normalizeH="0" baseline="0" dirty="0" smtClean="0">
@@ -25634,13 +26406,13 @@
                   <a:noFill/>
                 </a:ln>
                 <a:solidFill>
-                  <a:srgbClr val="000080"/>
-                </a:solidFill>
-                <a:effectLst/>
-                <a:latin typeface="Courier New" pitchFamily="49" charset="0"/>
-                <a:cs typeface="Courier New" pitchFamily="49" charset="0"/>
-              </a:rPr>
-              <a:t>print</a:t>
+                  <a:srgbClr val="000000"/>
+                </a:solidFill>
+                <a:effectLst/>
+                <a:latin typeface="Courier New" pitchFamily="49" charset="0"/>
+                <a:cs typeface="Courier New" pitchFamily="49" charset="0"/>
+              </a:rPr>
+              <a:t>num</a:t>
             </a:r>
             <a:r>
               <a:rPr kumimoji="0" lang="ru-RU" sz="2800" b="0" i="0" u="none" strike="noStrike" cap="none" normalizeH="0" baseline="0" dirty="0" smtClean="0">
@@ -25654,63 +26426,7 @@
                 <a:latin typeface="Courier New" pitchFamily="49" charset="0"/>
                 <a:cs typeface="Courier New" pitchFamily="49" charset="0"/>
               </a:rPr>
-              <a:t>(</a:t>
-            </a:r>
-            <a:r>
-              <a:rPr kumimoji="0" lang="ru-RU" sz="2800" b="1" i="0" u="none" strike="noStrike" cap="none" normalizeH="0" baseline="0" dirty="0" smtClean="0">
-                <a:ln>
-                  <a:noFill/>
-                </a:ln>
-                <a:solidFill>
-                  <a:srgbClr val="008080"/>
-                </a:solidFill>
-                <a:effectLst/>
-                <a:latin typeface="Courier New" pitchFamily="49" charset="0"/>
-                <a:cs typeface="Courier New" pitchFamily="49" charset="0"/>
-              </a:rPr>
-              <a:t>"</a:t>
-            </a:r>
-            <a:r>
-              <a:rPr kumimoji="0" lang="ru-RU" sz="2800" b="1" i="0" u="none" strike="noStrike" cap="none" normalizeH="0" baseline="0" dirty="0" err="1" smtClean="0">
-                <a:ln>
-                  <a:noFill/>
-                </a:ln>
-                <a:solidFill>
-                  <a:srgbClr val="008080"/>
-                </a:solidFill>
-                <a:effectLst/>
-                <a:latin typeface="Courier New" pitchFamily="49" charset="0"/>
-                <a:cs typeface="Courier New" pitchFamily="49" charset="0"/>
-              </a:rPr>
-              <a:t>foo</a:t>
-            </a:r>
-            <a:r>
-              <a:rPr kumimoji="0" lang="ru-RU" sz="2800" b="1" i="0" u="none" strike="noStrike" cap="none" normalizeH="0" baseline="0" dirty="0" smtClean="0">
-                <a:ln>
-                  <a:noFill/>
-                </a:ln>
-                <a:solidFill>
-                  <a:srgbClr val="008080"/>
-                </a:solidFill>
-                <a:effectLst/>
-                <a:latin typeface="Courier New" pitchFamily="49" charset="0"/>
-                <a:cs typeface="Courier New" pitchFamily="49" charset="0"/>
-              </a:rPr>
-              <a:t>"</a:t>
-            </a:r>
-            <a:r>
-              <a:rPr kumimoji="0" lang="ru-RU" sz="2800" b="0" i="0" u="none" strike="noStrike" cap="none" normalizeH="0" baseline="0" dirty="0" smtClean="0">
-                <a:ln>
-                  <a:noFill/>
-                </a:ln>
-                <a:solidFill>
-                  <a:srgbClr val="000000"/>
-                </a:solidFill>
-                <a:effectLst/>
-                <a:latin typeface="Courier New" pitchFamily="49" charset="0"/>
-                <a:cs typeface="Courier New" pitchFamily="49" charset="0"/>
-              </a:rPr>
-              <a:t>)</a:t>
+              <a:t> = x + y</a:t>
             </a:r>
             <a:br>
               <a:rPr kumimoji="0" lang="ru-RU" sz="2800" b="0" i="0" u="none" strike="noStrike" cap="none" normalizeH="0" baseline="0" dirty="0" smtClean="0">
@@ -25737,7 +26453,343 @@
                 <a:latin typeface="Courier New" pitchFamily="49" charset="0"/>
                 <a:cs typeface="Courier New" pitchFamily="49" charset="0"/>
               </a:rPr>
-              <a:t/>
+              <a:t>        </a:t>
+            </a:r>
+            <a:r>
+              <a:rPr kumimoji="0" lang="ru-RU" sz="2800" b="1" i="0" u="none" strike="noStrike" cap="none" normalizeH="0" baseline="0" dirty="0" err="1" smtClean="0">
+                <a:ln>
+                  <a:noFill/>
+                </a:ln>
+                <a:solidFill>
+                  <a:srgbClr val="000080"/>
+                </a:solidFill>
+                <a:effectLst/>
+                <a:latin typeface="Courier New" pitchFamily="49" charset="0"/>
+                <a:cs typeface="Courier New" pitchFamily="49" charset="0"/>
+              </a:rPr>
+              <a:t>return</a:t>
+            </a:r>
+            <a:r>
+              <a:rPr kumimoji="0" lang="ru-RU" sz="2800" b="1" i="0" u="none" strike="noStrike" cap="none" normalizeH="0" baseline="0" dirty="0" smtClean="0">
+                <a:ln>
+                  <a:noFill/>
+                </a:ln>
+                <a:solidFill>
+                  <a:srgbClr val="000080"/>
+                </a:solidFill>
+                <a:effectLst/>
+                <a:latin typeface="Courier New" pitchFamily="49" charset="0"/>
+                <a:cs typeface="Courier New" pitchFamily="49" charset="0"/>
+              </a:rPr>
+              <a:t> </a:t>
+            </a:r>
+            <a:r>
+              <a:rPr kumimoji="0" lang="ru-RU" sz="2800" b="0" i="0" u="none" strike="noStrike" cap="none" normalizeH="0" baseline="0" dirty="0" err="1" smtClean="0">
+                <a:ln>
+                  <a:noFill/>
+                </a:ln>
+                <a:solidFill>
+                  <a:srgbClr val="000000"/>
+                </a:solidFill>
+                <a:effectLst/>
+                <a:latin typeface="Courier New" pitchFamily="49" charset="0"/>
+                <a:cs typeface="Courier New" pitchFamily="49" charset="0"/>
+              </a:rPr>
+              <a:t>num</a:t>
+            </a:r>
+            <a:endParaRPr kumimoji="0" lang="en-US" sz="2800" b="0" i="0" u="none" strike="noStrike" cap="none" normalizeH="0" baseline="0" dirty="0" smtClean="0">
+              <a:ln>
+                <a:noFill/>
+              </a:ln>
+              <a:solidFill>
+                <a:srgbClr val="000000"/>
+              </a:solidFill>
+              <a:effectLst/>
+              <a:latin typeface="Courier New" pitchFamily="49" charset="0"/>
+              <a:cs typeface="Courier New" pitchFamily="49" charset="0"/>
+            </a:endParaRPr>
+          </a:p>
+          <a:p>
+            <a:pPr marL="0" marR="0" lvl="0" indent="0" algn="l" defTabSz="914400" rtl="0" eaLnBrk="1" fontAlgn="base" latinLnBrk="0" hangingPunct="1">
+              <a:lnSpc>
+                <a:spcPct val="100000"/>
+              </a:lnSpc>
+              <a:spcBef>
+                <a:spcPct val="0"/>
+              </a:spcBef>
+              <a:spcAft>
+                <a:spcPct val="0"/>
+              </a:spcAft>
+              <a:buClrTx/>
+              <a:buSzTx/>
+              <a:buFontTx/>
+              <a:buNone/>
+              <a:tabLst/>
+            </a:pPr>
+            <a:endParaRPr kumimoji="0" lang="en-US" sz="2800" b="0" i="0" u="none" strike="noStrike" cap="none" normalizeH="0" baseline="0" dirty="0" smtClean="0">
+              <a:ln>
+                <a:noFill/>
+              </a:ln>
+              <a:solidFill>
+                <a:srgbClr val="000000"/>
+              </a:solidFill>
+              <a:effectLst/>
+              <a:latin typeface="Courier New" pitchFamily="49" charset="0"/>
+              <a:cs typeface="Courier New" pitchFamily="49" charset="0"/>
+            </a:endParaRPr>
+          </a:p>
+          <a:p>
+            <a:pPr marL="0" marR="0" lvl="0" indent="0" algn="l" defTabSz="914400" rtl="0" eaLnBrk="1" fontAlgn="base" latinLnBrk="0" hangingPunct="1">
+              <a:lnSpc>
+                <a:spcPct val="100000"/>
+              </a:lnSpc>
+              <a:spcBef>
+                <a:spcPct val="0"/>
+              </a:spcBef>
+              <a:spcAft>
+                <a:spcPct val="0"/>
+              </a:spcAft>
+              <a:buClrTx/>
+              <a:buSzTx/>
+              <a:buFontTx/>
+              <a:buNone/>
+              <a:tabLst/>
+            </a:pPr>
+            <a:r>
+              <a:rPr kumimoji="0" lang="ru-RU" sz="2800" b="1" i="0" u="none" strike="noStrike" cap="none" normalizeH="0" baseline="0" dirty="0" err="1" smtClean="0">
+                <a:ln>
+                  <a:noFill/>
+                </a:ln>
+                <a:solidFill>
+                  <a:srgbClr val="000080"/>
+                </a:solidFill>
+                <a:effectLst/>
+                <a:latin typeface="Courier New" pitchFamily="49" charset="0"/>
+                <a:cs typeface="Courier New" pitchFamily="49" charset="0"/>
+              </a:rPr>
+              <a:t>class</a:t>
+            </a:r>
+            <a:r>
+              <a:rPr kumimoji="0" lang="ru-RU" sz="2800" b="1" i="0" u="none" strike="noStrike" cap="none" normalizeH="0" baseline="0" dirty="0" smtClean="0">
+                <a:ln>
+                  <a:noFill/>
+                </a:ln>
+                <a:solidFill>
+                  <a:srgbClr val="000080"/>
+                </a:solidFill>
+                <a:effectLst/>
+                <a:latin typeface="Courier New" pitchFamily="49" charset="0"/>
+                <a:cs typeface="Courier New" pitchFamily="49" charset="0"/>
+              </a:rPr>
+              <a:t> </a:t>
+            </a:r>
+            <a:r>
+              <a:rPr kumimoji="0" lang="ru-RU" sz="2800" b="0" i="0" u="none" strike="noStrike" cap="none" normalizeH="0" baseline="0" dirty="0" smtClean="0">
+                <a:ln>
+                  <a:noFill/>
+                </a:ln>
+                <a:solidFill>
+                  <a:srgbClr val="000000"/>
+                </a:solidFill>
+                <a:effectLst/>
+                <a:latin typeface="Courier New" pitchFamily="49" charset="0"/>
+                <a:cs typeface="Courier New" pitchFamily="49" charset="0"/>
+              </a:rPr>
+              <a:t>B(A):  </a:t>
+            </a:r>
+            <a:r>
+              <a:rPr kumimoji="0" lang="ru-RU" sz="2800" b="0" i="1" u="none" strike="noStrike" cap="none" normalizeH="0" baseline="0" dirty="0" smtClean="0">
+                <a:ln>
+                  <a:noFill/>
+                </a:ln>
+                <a:solidFill>
+                  <a:srgbClr val="808080"/>
+                </a:solidFill>
+                <a:effectLst/>
+                <a:latin typeface="Courier New" pitchFamily="49" charset="0"/>
+                <a:cs typeface="Courier New" pitchFamily="49" charset="0"/>
+              </a:rPr>
+              <a:t># Наследуем класс "А"</a:t>
+            </a:r>
+            <a:br>
+              <a:rPr kumimoji="0" lang="ru-RU" sz="2800" b="0" i="1" u="none" strike="noStrike" cap="none" normalizeH="0" baseline="0" dirty="0" smtClean="0">
+                <a:ln>
+                  <a:noFill/>
+                </a:ln>
+                <a:solidFill>
+                  <a:srgbClr val="808080"/>
+                </a:solidFill>
+                <a:effectLst/>
+                <a:latin typeface="Courier New" pitchFamily="49" charset="0"/>
+                <a:cs typeface="Courier New" pitchFamily="49" charset="0"/>
+              </a:rPr>
+            </a:br>
+            <a:r>
+              <a:rPr kumimoji="0" lang="ru-RU" sz="2800" b="0" i="1" u="none" strike="noStrike" cap="none" normalizeH="0" baseline="0" dirty="0" smtClean="0">
+                <a:ln>
+                  <a:noFill/>
+                </a:ln>
+                <a:solidFill>
+                  <a:srgbClr val="808080"/>
+                </a:solidFill>
+                <a:effectLst/>
+                <a:latin typeface="Courier New" pitchFamily="49" charset="0"/>
+                <a:cs typeface="Courier New" pitchFamily="49" charset="0"/>
+              </a:rPr>
+              <a:t>    </a:t>
+            </a:r>
+            <a:r>
+              <a:rPr kumimoji="0" lang="ru-RU" sz="2800" b="1" i="0" u="none" strike="noStrike" cap="none" normalizeH="0" baseline="0" dirty="0" err="1" smtClean="0">
+                <a:ln>
+                  <a:noFill/>
+                </a:ln>
+                <a:solidFill>
+                  <a:srgbClr val="000080"/>
+                </a:solidFill>
+                <a:effectLst/>
+                <a:latin typeface="Courier New" pitchFamily="49" charset="0"/>
+                <a:cs typeface="Courier New" pitchFamily="49" charset="0"/>
+              </a:rPr>
+              <a:t>def</a:t>
+            </a:r>
+            <a:r>
+              <a:rPr kumimoji="0" lang="ru-RU" sz="2800" b="1" i="0" u="none" strike="noStrike" cap="none" normalizeH="0" baseline="0" dirty="0" smtClean="0">
+                <a:ln>
+                  <a:noFill/>
+                </a:ln>
+                <a:solidFill>
+                  <a:srgbClr val="000080"/>
+                </a:solidFill>
+                <a:effectLst/>
+                <a:latin typeface="Courier New" pitchFamily="49" charset="0"/>
+                <a:cs typeface="Courier New" pitchFamily="49" charset="0"/>
+              </a:rPr>
+              <a:t> </a:t>
+            </a:r>
+            <a:r>
+              <a:rPr kumimoji="0" lang="ru-RU" sz="2800" b="0" i="0" u="none" strike="noStrike" cap="none" normalizeH="0" baseline="0" dirty="0" err="1" smtClean="0">
+                <a:ln>
+                  <a:noFill/>
+                </a:ln>
+                <a:solidFill>
+                  <a:srgbClr val="000000"/>
+                </a:solidFill>
+                <a:effectLst/>
+                <a:latin typeface="Courier New" pitchFamily="49" charset="0"/>
+                <a:cs typeface="Courier New" pitchFamily="49" charset="0"/>
+              </a:rPr>
+              <a:t>oper</a:t>
+            </a:r>
+            <a:r>
+              <a:rPr kumimoji="0" lang="ru-RU" sz="2800" b="0" i="0" u="none" strike="noStrike" cap="none" normalizeH="0" baseline="0" dirty="0" smtClean="0">
+                <a:ln>
+                  <a:noFill/>
+                </a:ln>
+                <a:solidFill>
+                  <a:srgbClr val="000000"/>
+                </a:solidFill>
+                <a:effectLst/>
+                <a:latin typeface="Courier New" pitchFamily="49" charset="0"/>
+                <a:cs typeface="Courier New" pitchFamily="49" charset="0"/>
+              </a:rPr>
+              <a:t>(</a:t>
+            </a:r>
+            <a:r>
+              <a:rPr kumimoji="0" lang="ru-RU" sz="2800" b="0" i="0" u="none" strike="noStrike" cap="none" normalizeH="0" baseline="0" dirty="0" err="1" smtClean="0">
+                <a:ln>
+                  <a:noFill/>
+                </a:ln>
+                <a:solidFill>
+                  <a:srgbClr val="94558D"/>
+                </a:solidFill>
+                <a:effectLst/>
+                <a:latin typeface="Courier New" pitchFamily="49" charset="0"/>
+                <a:cs typeface="Courier New" pitchFamily="49" charset="0"/>
+              </a:rPr>
+              <a:t>self</a:t>
+            </a:r>
+            <a:r>
+              <a:rPr kumimoji="0" lang="ru-RU" sz="2800" b="0" i="0" u="none" strike="noStrike" cap="none" normalizeH="0" baseline="0" dirty="0" smtClean="0">
+                <a:ln>
+                  <a:noFill/>
+                </a:ln>
+                <a:solidFill>
+                  <a:srgbClr val="000000"/>
+                </a:solidFill>
+                <a:effectLst/>
+                <a:latin typeface="Courier New" pitchFamily="49" charset="0"/>
+                <a:cs typeface="Courier New" pitchFamily="49" charset="0"/>
+              </a:rPr>
+              <a:t>, x, y):  </a:t>
+            </a:r>
+            <a:r>
+              <a:rPr kumimoji="0" lang="ru-RU" sz="2800" b="0" i="1" u="none" strike="noStrike" cap="none" normalizeH="0" baseline="0" dirty="0" smtClean="0">
+                <a:ln>
+                  <a:noFill/>
+                </a:ln>
+                <a:solidFill>
+                  <a:srgbClr val="808080"/>
+                </a:solidFill>
+                <a:effectLst/>
+                <a:latin typeface="Courier New" pitchFamily="49" charset="0"/>
+                <a:cs typeface="Courier New" pitchFamily="49" charset="0"/>
+              </a:rPr>
+              <a:t># &lt;-----</a:t>
+            </a:r>
+            <a:br>
+              <a:rPr kumimoji="0" lang="ru-RU" sz="2800" b="0" i="1" u="none" strike="noStrike" cap="none" normalizeH="0" baseline="0" dirty="0" smtClean="0">
+                <a:ln>
+                  <a:noFill/>
+                </a:ln>
+                <a:solidFill>
+                  <a:srgbClr val="808080"/>
+                </a:solidFill>
+                <a:effectLst/>
+                <a:latin typeface="Courier New" pitchFamily="49" charset="0"/>
+                <a:cs typeface="Courier New" pitchFamily="49" charset="0"/>
+              </a:rPr>
+            </a:br>
+            <a:r>
+              <a:rPr kumimoji="0" lang="ru-RU" sz="2800" b="0" i="1" u="none" strike="noStrike" cap="none" normalizeH="0" baseline="0" dirty="0" smtClean="0">
+                <a:ln>
+                  <a:noFill/>
+                </a:ln>
+                <a:solidFill>
+                  <a:srgbClr val="808080"/>
+                </a:solidFill>
+                <a:effectLst/>
+                <a:latin typeface="Courier New" pitchFamily="49" charset="0"/>
+                <a:cs typeface="Courier New" pitchFamily="49" charset="0"/>
+              </a:rPr>
+              <a:t>        </a:t>
+            </a:r>
+            <a:r>
+              <a:rPr kumimoji="0" lang="ru-RU" sz="2800" b="0" i="0" u="none" strike="noStrike" cap="none" normalizeH="0" baseline="0" dirty="0" err="1" smtClean="0">
+                <a:ln>
+                  <a:noFill/>
+                </a:ln>
+                <a:solidFill>
+                  <a:srgbClr val="000000"/>
+                </a:solidFill>
+                <a:effectLst/>
+                <a:latin typeface="Courier New" pitchFamily="49" charset="0"/>
+                <a:cs typeface="Courier New" pitchFamily="49" charset="0"/>
+              </a:rPr>
+              <a:t>num</a:t>
+            </a:r>
+            <a:r>
+              <a:rPr kumimoji="0" lang="ru-RU" sz="2800" b="0" i="0" u="none" strike="noStrike" cap="none" normalizeH="0" baseline="0" dirty="0" smtClean="0">
+                <a:ln>
+                  <a:noFill/>
+                </a:ln>
+                <a:solidFill>
+                  <a:srgbClr val="000000"/>
+                </a:solidFill>
+                <a:effectLst/>
+                <a:latin typeface="Courier New" pitchFamily="49" charset="0"/>
+                <a:cs typeface="Courier New" pitchFamily="49" charset="0"/>
+              </a:rPr>
+              <a:t> = x / y</a:t>
             </a:r>
             <a:br>
               <a:rPr kumimoji="0" lang="ru-RU" sz="2800" b="0" i="0" u="none" strike="noStrike" cap="none" normalizeH="0" baseline="0" dirty="0" smtClean="0">
@@ -25764,6 +26816,62 @@
                 <a:latin typeface="Courier New" pitchFamily="49" charset="0"/>
                 <a:cs typeface="Courier New" pitchFamily="49" charset="0"/>
               </a:rPr>
+              <a:t>        </a:t>
+            </a:r>
+            <a:r>
+              <a:rPr kumimoji="0" lang="ru-RU" sz="2800" b="1" i="0" u="none" strike="noStrike" cap="none" normalizeH="0" baseline="0" dirty="0" err="1" smtClean="0">
+                <a:ln>
+                  <a:noFill/>
+                </a:ln>
+                <a:solidFill>
+                  <a:srgbClr val="000080"/>
+                </a:solidFill>
+                <a:effectLst/>
+                <a:latin typeface="Courier New" pitchFamily="49" charset="0"/>
+                <a:cs typeface="Courier New" pitchFamily="49" charset="0"/>
+              </a:rPr>
+              <a:t>return</a:t>
+            </a:r>
+            <a:r>
+              <a:rPr kumimoji="0" lang="ru-RU" sz="2800" b="1" i="0" u="none" strike="noStrike" cap="none" normalizeH="0" baseline="0" dirty="0" smtClean="0">
+                <a:ln>
+                  <a:noFill/>
+                </a:ln>
+                <a:solidFill>
+                  <a:srgbClr val="000080"/>
+                </a:solidFill>
+                <a:effectLst/>
+                <a:latin typeface="Courier New" pitchFamily="49" charset="0"/>
+                <a:cs typeface="Courier New" pitchFamily="49" charset="0"/>
+              </a:rPr>
+              <a:t> </a:t>
+            </a:r>
+            <a:r>
+              <a:rPr kumimoji="0" lang="ru-RU" sz="2800" b="0" i="0" u="none" strike="noStrike" cap="none" normalizeH="0" baseline="0" dirty="0" err="1" smtClean="0">
+                <a:ln>
+                  <a:noFill/>
+                </a:ln>
+                <a:solidFill>
+                  <a:srgbClr val="000000"/>
+                </a:solidFill>
+                <a:effectLst/>
+                <a:latin typeface="Courier New" pitchFamily="49" charset="0"/>
+                <a:cs typeface="Courier New" pitchFamily="49" charset="0"/>
+              </a:rPr>
+              <a:t>num</a:t>
+            </a:r>
+            <a:r>
+              <a:rPr kumimoji="0" lang="ru-RU" sz="2800" b="0" i="0" u="none" strike="noStrike" cap="none" normalizeH="0" baseline="0" dirty="0" smtClean="0">
+                <a:ln>
+                  <a:noFill/>
+                </a:ln>
+                <a:solidFill>
+                  <a:srgbClr val="000000"/>
+                </a:solidFill>
+                <a:effectLst/>
+                <a:latin typeface="Courier New" pitchFamily="49" charset="0"/>
+                <a:cs typeface="Courier New" pitchFamily="49" charset="0"/>
+              </a:rPr>
               <a:t/>
             </a:r>
             <a:br>
@@ -25779,34 +26887,35 @@
                 <a:cs typeface="Courier New" pitchFamily="49" charset="0"/>
               </a:rPr>
             </a:br>
-            <a:r>
-              <a:rPr kumimoji="0" lang="ru-RU" sz="2800" b="1" i="0" u="none" strike="noStrike" cap="none" normalizeH="0" baseline="0" dirty="0" err="1" smtClean="0">
-                <a:ln>
-                  <a:noFill/>
-                </a:ln>
-                <a:solidFill>
-                  <a:srgbClr val="000080"/>
-                </a:solidFill>
-                <a:effectLst/>
-                <a:latin typeface="Courier New" pitchFamily="49" charset="0"/>
-                <a:cs typeface="Courier New" pitchFamily="49" charset="0"/>
-              </a:rPr>
-              <a:t>class</a:t>
-            </a:r>
-            <a:r>
-              <a:rPr kumimoji="0" lang="ru-RU" sz="2800" b="1" i="0" u="none" strike="noStrike" cap="none" normalizeH="0" baseline="0" dirty="0" smtClean="0">
-                <a:ln>
-                  <a:noFill/>
-                </a:ln>
-                <a:solidFill>
-                  <a:srgbClr val="000080"/>
-                </a:solidFill>
-                <a:effectLst/>
-                <a:latin typeface="Courier New" pitchFamily="49" charset="0"/>
-                <a:cs typeface="Courier New" pitchFamily="49" charset="0"/>
-              </a:rPr>
-              <a:t> </a:t>
-            </a:r>
+            <a:endParaRPr kumimoji="0" lang="en-US" sz="2800" b="0" i="0" u="none" strike="noStrike" cap="none" normalizeH="0" baseline="0" dirty="0" smtClean="0">
+              <a:ln>
+                <a:noFill/>
+              </a:ln>
+              <a:solidFill>
+                <a:srgbClr val="000000"/>
+              </a:solidFill>
+              <a:effectLst/>
+              <a:latin typeface="Courier New" pitchFamily="49" charset="0"/>
+              <a:cs typeface="Courier New" pitchFamily="49" charset="0"/>
+            </a:endParaRPr>
+          </a:p>
+          <a:p>
+            <a:pPr marL="0" marR="0" lvl="0" indent="0" algn="l" defTabSz="914400" rtl="0" eaLnBrk="1" fontAlgn="base" latinLnBrk="0" hangingPunct="1">
+              <a:lnSpc>
+                <a:spcPct val="100000"/>
+              </a:lnSpc>
+              <a:spcBef>
+                <a:spcPct val="0"/>
+              </a:spcBef>
+              <a:spcAft>
+                <a:spcPct val="0"/>
+              </a:spcAft>
+              <a:buClrTx/>
+              <a:buSzTx/>
+              <a:buFontTx/>
+              <a:buNone/>
+              <a:tabLst/>
+            </a:pPr>
             <a:r>
               <a:rPr kumimoji="0" lang="ru-RU" sz="2800" b="0" i="0" u="none" strike="noStrike" cap="none" normalizeH="0" baseline="0" dirty="0" smtClean="0">
                 <a:ln>
@@ -25819,132 +26928,7 @@
                 <a:latin typeface="Courier New" pitchFamily="49" charset="0"/>
                 <a:cs typeface="Courier New" pitchFamily="49" charset="0"/>
               </a:rPr>
-              <a:t>B(A):  </a:t>
-            </a:r>
-            <a:r>
-              <a:rPr kumimoji="0" lang="ru-RU" sz="2800" b="0" i="1" u="none" strike="noStrike" cap="none" normalizeH="0" baseline="0" dirty="0" smtClean="0">
-                <a:ln>
-                  <a:noFill/>
-                </a:ln>
-                <a:solidFill>
-                  <a:srgbClr val="808080"/>
-                </a:solidFill>
-                <a:effectLst/>
-                <a:latin typeface="Courier New" pitchFamily="49" charset="0"/>
-                <a:cs typeface="Courier New" pitchFamily="49" charset="0"/>
-              </a:rPr>
-              <a:t># Наследуем класс "А"</a:t>
-            </a:r>
-            <a:br>
-              <a:rPr kumimoji="0" lang="ru-RU" sz="2800" b="0" i="1" u="none" strike="noStrike" cap="none" normalizeH="0" baseline="0" dirty="0" smtClean="0">
-                <a:ln>
-                  <a:noFill/>
-                </a:ln>
-                <a:solidFill>
-                  <a:srgbClr val="808080"/>
-                </a:solidFill>
-                <a:effectLst/>
-                <a:latin typeface="Courier New" pitchFamily="49" charset="0"/>
-                <a:cs typeface="Courier New" pitchFamily="49" charset="0"/>
-              </a:rPr>
-            </a:br>
-            <a:r>
-              <a:rPr kumimoji="0" lang="ru-RU" sz="2800" b="0" i="1" u="none" strike="noStrike" cap="none" normalizeH="0" baseline="0" dirty="0" smtClean="0">
-                <a:ln>
-                  <a:noFill/>
-                </a:ln>
-                <a:solidFill>
-                  <a:srgbClr val="808080"/>
-                </a:solidFill>
-                <a:effectLst/>
-                <a:latin typeface="Courier New" pitchFamily="49" charset="0"/>
-                <a:cs typeface="Courier New" pitchFamily="49" charset="0"/>
-              </a:rPr>
-              <a:t>    </a:t>
-            </a:r>
-            <a:r>
-              <a:rPr kumimoji="0" lang="ru-RU" sz="2800" b="1" i="0" u="none" strike="noStrike" cap="none" normalizeH="0" baseline="0" dirty="0" err="1" smtClean="0">
-                <a:ln>
-                  <a:noFill/>
-                </a:ln>
-                <a:solidFill>
-                  <a:srgbClr val="000080"/>
-                </a:solidFill>
-                <a:effectLst/>
-                <a:latin typeface="Courier New" pitchFamily="49" charset="0"/>
-                <a:cs typeface="Courier New" pitchFamily="49" charset="0"/>
-              </a:rPr>
-              <a:t>def</a:t>
-            </a:r>
-            <a:r>
-              <a:rPr kumimoji="0" lang="ru-RU" sz="2800" b="1" i="0" u="none" strike="noStrike" cap="none" normalizeH="0" baseline="0" dirty="0" smtClean="0">
-                <a:ln>
-                  <a:noFill/>
-                </a:ln>
-                <a:solidFill>
-                  <a:srgbClr val="000080"/>
-                </a:solidFill>
-                <a:effectLst/>
-                <a:latin typeface="Courier New" pitchFamily="49" charset="0"/>
-                <a:cs typeface="Courier New" pitchFamily="49" charset="0"/>
-              </a:rPr>
-              <a:t> </a:t>
-            </a:r>
-            <a:r>
-              <a:rPr kumimoji="0" lang="ru-RU" sz="2800" b="0" i="0" u="none" strike="noStrike" cap="none" normalizeH="0" baseline="0" dirty="0" err="1" smtClean="0">
-                <a:ln>
-                  <a:noFill/>
-                </a:ln>
-                <a:solidFill>
-                  <a:srgbClr val="000000"/>
-                </a:solidFill>
-                <a:effectLst/>
-                <a:latin typeface="Courier New" pitchFamily="49" charset="0"/>
-                <a:cs typeface="Courier New" pitchFamily="49" charset="0"/>
-              </a:rPr>
-              <a:t>foo</a:t>
-            </a:r>
-            <a:r>
-              <a:rPr kumimoji="0" lang="ru-RU" sz="2800" b="0" i="0" u="none" strike="noStrike" cap="none" normalizeH="0" baseline="0" dirty="0" smtClean="0">
-                <a:ln>
-                  <a:noFill/>
-                </a:ln>
-                <a:solidFill>
-                  <a:srgbClr val="000000"/>
-                </a:solidFill>
-                <a:effectLst/>
-                <a:latin typeface="Courier New" pitchFamily="49" charset="0"/>
-                <a:cs typeface="Courier New" pitchFamily="49" charset="0"/>
-              </a:rPr>
-              <a:t>(</a:t>
-            </a:r>
-            <a:r>
-              <a:rPr kumimoji="0" lang="ru-RU" sz="2800" b="0" i="0" u="none" strike="noStrike" cap="none" normalizeH="0" baseline="0" dirty="0" err="1" smtClean="0">
-                <a:ln>
-                  <a:noFill/>
-                </a:ln>
-                <a:solidFill>
-                  <a:srgbClr val="94558D"/>
-                </a:solidFill>
-                <a:effectLst/>
-                <a:latin typeface="Courier New" pitchFamily="49" charset="0"/>
-                <a:cs typeface="Courier New" pitchFamily="49" charset="0"/>
-              </a:rPr>
-              <a:t>self</a:t>
-            </a:r>
-            <a:r>
-              <a:rPr kumimoji="0" lang="ru-RU" sz="2800" b="0" i="0" u="none" strike="noStrike" cap="none" normalizeH="0" baseline="0" dirty="0" smtClean="0">
-                <a:ln>
-                  <a:noFill/>
-                </a:ln>
-                <a:solidFill>
-                  <a:srgbClr val="000000"/>
-                </a:solidFill>
-                <a:effectLst/>
-                <a:latin typeface="Courier New" pitchFamily="49" charset="0"/>
-                <a:cs typeface="Courier New" pitchFamily="49" charset="0"/>
-              </a:rPr>
-              <a:t>):</a:t>
+              <a:t>obj1 = A()</a:t>
             </a:r>
             <a:br>
               <a:rPr kumimoji="0" lang="ru-RU" sz="2800" b="0" i="0" u="none" strike="noStrike" cap="none" normalizeH="0" baseline="0" dirty="0" smtClean="0">
@@ -25971,91 +26955,7 @@
                 <a:latin typeface="Courier New" pitchFamily="49" charset="0"/>
                 <a:cs typeface="Courier New" pitchFamily="49" charset="0"/>
               </a:rPr>
-              <a:t>        </a:t>
-            </a:r>
-            <a:r>
-              <a:rPr kumimoji="0" lang="ru-RU" sz="2800" b="0" i="0" u="none" strike="noStrike" cap="none" normalizeH="0" baseline="0" dirty="0" err="1" smtClean="0">
-                <a:ln>
-                  <a:noFill/>
-                </a:ln>
-                <a:solidFill>
-                  <a:srgbClr val="000080"/>
-                </a:solidFill>
-                <a:effectLst/>
-                <a:latin typeface="Courier New" pitchFamily="49" charset="0"/>
-                <a:cs typeface="Courier New" pitchFamily="49" charset="0"/>
-              </a:rPr>
-              <a:t>print</a:t>
-            </a:r>
-            <a:r>
-              <a:rPr kumimoji="0" lang="ru-RU" sz="2800" b="0" i="0" u="none" strike="noStrike" cap="none" normalizeH="0" baseline="0" dirty="0" smtClean="0">
-                <a:ln>
-                  <a:noFill/>
-                </a:ln>
-                <a:solidFill>
-                  <a:srgbClr val="000000"/>
-                </a:solidFill>
-                <a:effectLst/>
-                <a:latin typeface="Courier New" pitchFamily="49" charset="0"/>
-                <a:cs typeface="Courier New" pitchFamily="49" charset="0"/>
-              </a:rPr>
-              <a:t>(</a:t>
-            </a:r>
-            <a:r>
-              <a:rPr kumimoji="0" lang="ru-RU" sz="2800" b="1" i="0" u="none" strike="noStrike" cap="none" normalizeH="0" baseline="0" dirty="0" smtClean="0">
-                <a:ln>
-                  <a:noFill/>
-                </a:ln>
-                <a:solidFill>
-                  <a:srgbClr val="008080"/>
-                </a:solidFill>
-                <a:effectLst/>
-                <a:latin typeface="Courier New" pitchFamily="49" charset="0"/>
-                <a:cs typeface="Courier New" pitchFamily="49" charset="0"/>
-              </a:rPr>
-              <a:t>"</a:t>
-            </a:r>
-            <a:r>
-              <a:rPr kumimoji="0" lang="ru-RU" sz="2800" b="1" i="0" u="none" strike="noStrike" cap="none" normalizeH="0" baseline="0" dirty="0" err="1" smtClean="0">
-                <a:ln>
-                  <a:noFill/>
-                </a:ln>
-                <a:solidFill>
-                  <a:srgbClr val="008080"/>
-                </a:solidFill>
-                <a:effectLst/>
-                <a:latin typeface="Courier New" pitchFamily="49" charset="0"/>
-                <a:cs typeface="Courier New" pitchFamily="49" charset="0"/>
-              </a:rPr>
-              <a:t>boo</a:t>
-            </a:r>
-            <a:r>
-              <a:rPr kumimoji="0" lang="ru-RU" sz="2800" b="1" i="0" u="none" strike="noStrike" cap="none" normalizeH="0" baseline="0" dirty="0" smtClean="0">
-                <a:ln>
-                  <a:noFill/>
-                </a:ln>
-                <a:solidFill>
-                  <a:srgbClr val="008080"/>
-                </a:solidFill>
-                <a:effectLst/>
-                <a:latin typeface="Courier New" pitchFamily="49" charset="0"/>
-                <a:cs typeface="Courier New" pitchFamily="49" charset="0"/>
-              </a:rPr>
-              <a:t>"</a:t>
-            </a:r>
-            <a:r>
-              <a:rPr kumimoji="0" lang="ru-RU" sz="2800" b="0" i="0" u="none" strike="noStrike" cap="none" normalizeH="0" baseline="0" dirty="0" smtClean="0">
-                <a:ln>
-                  <a:noFill/>
-                </a:ln>
-                <a:solidFill>
-                  <a:srgbClr val="000000"/>
-                </a:solidFill>
-                <a:effectLst/>
-                <a:latin typeface="Courier New" pitchFamily="49" charset="0"/>
-                <a:cs typeface="Courier New" pitchFamily="49" charset="0"/>
-              </a:rPr>
-              <a:t>)</a:t>
+              <a:t>obj2 = B()</a:t>
             </a:r>
             <a:br>
               <a:rPr kumimoji="0" lang="ru-RU" sz="2800" b="0" i="0" u="none" strike="noStrike" cap="none" normalizeH="0" baseline="0" dirty="0" smtClean="0">
@@ -26070,6 +26970,171 @@
                 <a:cs typeface="Courier New" pitchFamily="49" charset="0"/>
               </a:rPr>
             </a:br>
+            <a:endParaRPr kumimoji="0" lang="en-US" sz="2800" b="0" i="0" u="none" strike="noStrike" cap="none" normalizeH="0" baseline="0" dirty="0" smtClean="0">
+              <a:ln>
+                <a:noFill/>
+              </a:ln>
+              <a:solidFill>
+                <a:srgbClr val="000000"/>
+              </a:solidFill>
+              <a:effectLst/>
+              <a:latin typeface="Courier New" pitchFamily="49" charset="0"/>
+              <a:cs typeface="Courier New" pitchFamily="49" charset="0"/>
+            </a:endParaRPr>
+          </a:p>
+          <a:p>
+            <a:pPr marL="0" marR="0" lvl="0" indent="0" algn="l" defTabSz="914400" rtl="0" eaLnBrk="1" fontAlgn="base" latinLnBrk="0" hangingPunct="1">
+              <a:lnSpc>
+                <a:spcPct val="100000"/>
+              </a:lnSpc>
+              <a:spcBef>
+                <a:spcPct val="0"/>
+              </a:spcBef>
+              <a:spcAft>
+                <a:spcPct val="0"/>
+              </a:spcAft>
+              <a:buClrTx/>
+              <a:buSzTx/>
+              <a:buFontTx/>
+              <a:buNone/>
+              <a:tabLst/>
+            </a:pPr>
+            <a:r>
+              <a:rPr kumimoji="0" lang="ru-RU" sz="2800" b="0" i="0" u="none" strike="noStrike" cap="none" normalizeH="0" baseline="0" dirty="0" err="1" smtClean="0">
+                <a:ln>
+                  <a:noFill/>
+                </a:ln>
+                <a:solidFill>
+                  <a:srgbClr val="000080"/>
+                </a:solidFill>
+                <a:effectLst/>
+                <a:latin typeface="Courier New" pitchFamily="49" charset="0"/>
+                <a:cs typeface="Courier New" pitchFamily="49" charset="0"/>
+              </a:rPr>
+              <a:t>print</a:t>
+            </a:r>
+            <a:r>
+              <a:rPr kumimoji="0" lang="ru-RU" sz="2800" b="0" i="0" u="none" strike="noStrike" cap="none" normalizeH="0" baseline="0" dirty="0" smtClean="0">
+                <a:ln>
+                  <a:noFill/>
+                </a:ln>
+                <a:solidFill>
+                  <a:srgbClr val="000000"/>
+                </a:solidFill>
+                <a:effectLst/>
+                <a:latin typeface="Courier New" pitchFamily="49" charset="0"/>
+                <a:cs typeface="Courier New" pitchFamily="49" charset="0"/>
+              </a:rPr>
+              <a:t>(obj1.oper(</a:t>
+            </a:r>
+            <a:r>
+              <a:rPr kumimoji="0" lang="ru-RU" sz="2800" b="0" i="0" u="none" strike="noStrike" cap="none" normalizeH="0" baseline="0" dirty="0" smtClean="0">
+                <a:ln>
+                  <a:noFill/>
+                </a:ln>
+                <a:solidFill>
+                  <a:srgbClr val="0000FF"/>
+                </a:solidFill>
+                <a:effectLst/>
+                <a:latin typeface="Courier New" pitchFamily="49" charset="0"/>
+                <a:cs typeface="Courier New" pitchFamily="49" charset="0"/>
+              </a:rPr>
+              <a:t>2</a:t>
+            </a:r>
+            <a:r>
+              <a:rPr kumimoji="0" lang="ru-RU" sz="2800" b="0" i="0" u="none" strike="noStrike" cap="none" normalizeH="0" baseline="0" dirty="0" smtClean="0">
+                <a:ln>
+                  <a:noFill/>
+                </a:ln>
+                <a:solidFill>
+                  <a:srgbClr val="000000"/>
+                </a:solidFill>
+                <a:effectLst/>
+                <a:latin typeface="Courier New" pitchFamily="49" charset="0"/>
+                <a:cs typeface="Courier New" pitchFamily="49" charset="0"/>
+              </a:rPr>
+              <a:t>, </a:t>
+            </a:r>
+            <a:r>
+              <a:rPr kumimoji="0" lang="ru-RU" sz="2800" b="0" i="0" u="none" strike="noStrike" cap="none" normalizeH="0" baseline="0" dirty="0" smtClean="0">
+                <a:ln>
+                  <a:noFill/>
+                </a:ln>
+                <a:solidFill>
+                  <a:srgbClr val="0000FF"/>
+                </a:solidFill>
+                <a:effectLst/>
+                <a:latin typeface="Courier New" pitchFamily="49" charset="0"/>
+                <a:cs typeface="Courier New" pitchFamily="49" charset="0"/>
+              </a:rPr>
+              <a:t>4</a:t>
+            </a:r>
+            <a:r>
+              <a:rPr kumimoji="0" lang="ru-RU" sz="2800" b="0" i="0" u="none" strike="noStrike" cap="none" normalizeH="0" baseline="0" dirty="0" smtClean="0">
+                <a:ln>
+                  <a:noFill/>
+                </a:ln>
+                <a:solidFill>
+                  <a:srgbClr val="000000"/>
+                </a:solidFill>
+                <a:effectLst/>
+                <a:latin typeface="Courier New" pitchFamily="49" charset="0"/>
+                <a:cs typeface="Courier New" pitchFamily="49" charset="0"/>
+              </a:rPr>
+              <a:t>))</a:t>
+            </a:r>
+            <a:r>
+              <a:rPr kumimoji="0" lang="en-US" sz="2800" b="0" i="0" u="none" strike="noStrike" cap="none" normalizeH="0" baseline="0" dirty="0" smtClean="0">
+                <a:ln>
+                  <a:noFill/>
+                </a:ln>
+                <a:solidFill>
+                  <a:srgbClr val="000000"/>
+                </a:solidFill>
+                <a:effectLst/>
+                <a:latin typeface="Courier New" pitchFamily="49" charset="0"/>
+                <a:cs typeface="Courier New" pitchFamily="49" charset="0"/>
+              </a:rPr>
+              <a:t> </a:t>
+            </a:r>
+            <a:r>
+              <a:rPr lang="en-US" sz="2800" i="1" dirty="0">
+                <a:solidFill>
+                  <a:srgbClr val="808080"/>
+                </a:solidFill>
+                <a:latin typeface="Courier New" pitchFamily="49" charset="0"/>
+                <a:cs typeface="Courier New" pitchFamily="49" charset="0"/>
+              </a:rPr>
+              <a:t># </a:t>
+            </a:r>
+            <a:r>
+              <a:rPr lang="en-US" sz="2800" i="1" dirty="0" smtClean="0">
+                <a:solidFill>
+                  <a:srgbClr val="808080"/>
+                </a:solidFill>
+                <a:latin typeface="Courier New" pitchFamily="49" charset="0"/>
+                <a:cs typeface="Courier New" pitchFamily="49" charset="0"/>
+              </a:rPr>
+              <a:t>6</a:t>
+            </a:r>
+          </a:p>
+          <a:p>
+            <a:pPr marL="0" marR="0" lvl="0" indent="0" algn="l" defTabSz="914400" rtl="0" eaLnBrk="1" fontAlgn="base" latinLnBrk="0" hangingPunct="1">
+              <a:lnSpc>
+                <a:spcPct val="100000"/>
+              </a:lnSpc>
+              <a:spcBef>
+                <a:spcPct val="0"/>
+              </a:spcBef>
+              <a:spcAft>
+                <a:spcPct val="0"/>
+              </a:spcAft>
+              <a:buClrTx/>
+              <a:buSzTx/>
+              <a:buFontTx/>
+              <a:buNone/>
+              <a:tabLst/>
+            </a:pPr>
             <a:r>
               <a:rPr kumimoji="0" lang="ru-RU" sz="2800" b="0" i="0" u="none" strike="noStrike" cap="none" normalizeH="0" baseline="0" dirty="0" smtClean="0">
                 <a:ln>
@@ -26098,6 +27163,20 @@
               </a:rPr>
             </a:br>
             <a:r>
+              <a:rPr kumimoji="0" lang="ru-RU" sz="2800" b="0" i="0" u="none" strike="noStrike" cap="none" normalizeH="0" baseline="0" dirty="0" err="1" smtClean="0">
+                <a:ln>
+                  <a:noFill/>
+                </a:ln>
+                <a:solidFill>
+                  <a:srgbClr val="000080"/>
+                </a:solidFill>
+                <a:effectLst/>
+                <a:latin typeface="Courier New" pitchFamily="49" charset="0"/>
+                <a:cs typeface="Courier New" pitchFamily="49" charset="0"/>
+              </a:rPr>
+              <a:t>print</a:t>
+            </a:r>
+            <a:r>
               <a:rPr kumimoji="0" lang="ru-RU" sz="2800" b="0" i="0" u="none" strike="noStrike" cap="none" normalizeH="0" baseline="0" dirty="0" smtClean="0">
                 <a:ln>
                   <a:noFill/>
@@ -26109,37 +27188,66 @@
                 <a:latin typeface="Courier New" pitchFamily="49" charset="0"/>
                 <a:cs typeface="Courier New" pitchFamily="49" charset="0"/>
               </a:rPr>
-              <a:t>obj1 = A()</a:t>
-            </a:r>
-            <a:br>
+              <a:t>(obj2.oper(</a:t>
+            </a:r>
+            <a:r>
               <a:rPr kumimoji="0" lang="ru-RU" sz="2800" b="0" i="0" u="none" strike="noStrike" cap="none" normalizeH="0" baseline="0" dirty="0" smtClean="0">
                 <a:ln>
                   <a:noFill/>
                 </a:ln>
                 <a:solidFill>
+                  <a:srgbClr val="0000FF"/>
+                </a:solidFill>
+                <a:effectLst/>
+                <a:latin typeface="Courier New" pitchFamily="49" charset="0"/>
+                <a:cs typeface="Courier New" pitchFamily="49" charset="0"/>
+              </a:rPr>
+              <a:t>2</a:t>
+            </a:r>
+            <a:r>
+              <a:rPr kumimoji="0" lang="ru-RU" sz="2800" b="0" i="0" u="none" strike="noStrike" cap="none" normalizeH="0" baseline="0" dirty="0" smtClean="0">
+                <a:ln>
+                  <a:noFill/>
+                </a:ln>
+                <a:solidFill>
                   <a:srgbClr val="000000"/>
                 </a:solidFill>
                 <a:effectLst/>
                 <a:latin typeface="Courier New" pitchFamily="49" charset="0"/>
                 <a:cs typeface="Courier New" pitchFamily="49" charset="0"/>
               </a:rPr>
-            </a:br>
+              <a:t>, </a:t>
+            </a:r>
             <a:r>
               <a:rPr kumimoji="0" lang="ru-RU" sz="2800" b="0" i="0" u="none" strike="noStrike" cap="none" normalizeH="0" baseline="0" dirty="0" smtClean="0">
                 <a:ln>
                   <a:noFill/>
                 </a:ln>
                 <a:solidFill>
+                  <a:srgbClr val="0000FF"/>
+                </a:solidFill>
+                <a:effectLst/>
+                <a:latin typeface="Courier New" pitchFamily="49" charset="0"/>
+                <a:cs typeface="Courier New" pitchFamily="49" charset="0"/>
+              </a:rPr>
+              <a:t>4</a:t>
+            </a:r>
+            <a:r>
+              <a:rPr kumimoji="0" lang="ru-RU" sz="2800" b="0" i="0" u="none" strike="noStrike" cap="none" normalizeH="0" baseline="0" dirty="0" smtClean="0">
+                <a:ln>
+                  <a:noFill/>
+                </a:ln>
+                <a:solidFill>
                   <a:srgbClr val="000000"/>
                 </a:solidFill>
                 <a:effectLst/>
                 <a:latin typeface="Courier New" pitchFamily="49" charset="0"/>
                 <a:cs typeface="Courier New" pitchFamily="49" charset="0"/>
               </a:rPr>
-              <a:t>obj2 = B()</a:t>
-            </a:r>
-            <a:br>
-              <a:rPr kumimoji="0" lang="ru-RU" sz="2800" b="0" i="0" u="none" strike="noStrike" cap="none" normalizeH="0" baseline="0" dirty="0" smtClean="0">
+              <a:t>))</a:t>
+            </a:r>
+            <a:r>
+              <a:rPr kumimoji="0" lang="en-US" sz="2800" b="0" i="0" u="none" strike="noStrike" cap="none" normalizeH="0" baseline="0" dirty="0" smtClean="0">
                 <a:ln>
                   <a:noFill/>
                 </a:ln>
@@ -26150,61 +27258,7 @@
                 <a:latin typeface="Courier New" pitchFamily="49" charset="0"/>
                 <a:cs typeface="Courier New" pitchFamily="49" charset="0"/>
               </a:rPr>
-            </a:br>
-            <a:r>
-              <a:rPr kumimoji="0" lang="ru-RU" sz="2800" b="0" i="0" u="none" strike="noStrike" cap="none" normalizeH="0" baseline="0" dirty="0" smtClean="0">
-                <a:ln>
-                  <a:noFill/>
-                </a:ln>
-                <a:solidFill>
-                  <a:srgbClr val="000000"/>
-                </a:solidFill>
-                <a:effectLst/>
-                <a:latin typeface="Courier New" pitchFamily="49" charset="0"/>
-                <a:cs typeface="Courier New" pitchFamily="49" charset="0"/>
-              </a:rPr>
-              <a:t/>
-            </a:r>
-            <a:br>
-              <a:rPr kumimoji="0" lang="ru-RU" sz="2800" b="0" i="0" u="none" strike="noStrike" cap="none" normalizeH="0" baseline="0" dirty="0" smtClean="0">
-                <a:ln>
-                  <a:noFill/>
-                </a:ln>
-                <a:solidFill>
-                  <a:srgbClr val="000000"/>
-                </a:solidFill>
-                <a:effectLst/>
-                <a:latin typeface="Courier New" pitchFamily="49" charset="0"/>
-                <a:cs typeface="Courier New" pitchFamily="49" charset="0"/>
-              </a:rPr>
-            </a:br>
-            <a:r>
-              <a:rPr kumimoji="0" lang="ru-RU" sz="2800" b="0" i="0" u="none" strike="noStrike" cap="none" normalizeH="0" baseline="0" dirty="0" smtClean="0">
-                <a:ln>
-                  <a:noFill/>
-                </a:ln>
-                <a:solidFill>
-                  <a:srgbClr val="000000"/>
-                </a:solidFill>
-                <a:effectLst/>
-                <a:latin typeface="Courier New" pitchFamily="49" charset="0"/>
-                <a:cs typeface="Courier New" pitchFamily="49" charset="0"/>
-              </a:rPr>
-              <a:t>obj1.foo()</a:t>
-            </a:r>
-            <a:r>
-              <a:rPr kumimoji="0" lang="en-US" sz="2800" b="0" i="0" u="none" strike="noStrike" cap="none" normalizeH="0" baseline="0" dirty="0" smtClean="0">
-                <a:ln>
-                  <a:noFill/>
-                </a:ln>
-                <a:solidFill>
-                  <a:srgbClr val="000000"/>
-                </a:solidFill>
-                <a:effectLst/>
-                <a:latin typeface="Courier New" pitchFamily="49" charset="0"/>
-                <a:cs typeface="Courier New" pitchFamily="49" charset="0"/>
-              </a:rPr>
-              <a:t>  </a:t>
+              <a:t> </a:t>
             </a:r>
             <a:r>
               <a:rPr lang="en-US" sz="2800" i="1" dirty="0">
@@ -26214,64 +27268,7 @@
                 <a:latin typeface="Courier New" pitchFamily="49" charset="0"/>
                 <a:cs typeface="Courier New" pitchFamily="49" charset="0"/>
               </a:rPr>
-              <a:t># foo</a:t>
-            </a:r>
-            <a:r>
-              <a:rPr lang="ru-RU" sz="2800" i="1" dirty="0">
-                <a:solidFill>
-                  <a:srgbClr val="808080"/>
-                </a:solidFill>
-                <a:latin typeface="Courier New" pitchFamily="49" charset="0"/>
-                <a:cs typeface="Courier New" pitchFamily="49" charset="0"/>
-              </a:rPr>
-              <a:t/>
-            </a:r>
-            <a:br>
-              <a:rPr lang="ru-RU" sz="2800" i="1" dirty="0">
-                <a:solidFill>
-                  <a:srgbClr val="808080"/>
-                </a:solidFill>
-                <a:latin typeface="Courier New" pitchFamily="49" charset="0"/>
-                <a:cs typeface="Courier New" pitchFamily="49" charset="0"/>
-              </a:rPr>
-            </a:br>
-            <a:r>
-              <a:rPr kumimoji="0" lang="ru-RU" sz="2800" b="0" i="0" u="none" strike="noStrike" cap="none" normalizeH="0" baseline="0" dirty="0" smtClean="0">
-                <a:ln>
-                  <a:noFill/>
-                </a:ln>
-                <a:solidFill>
-                  <a:srgbClr val="000000"/>
-                </a:solidFill>
-                <a:effectLst/>
-                <a:latin typeface="Courier New" pitchFamily="49" charset="0"/>
-                <a:cs typeface="Courier New" pitchFamily="49" charset="0"/>
-              </a:rPr>
-              <a:t>obj2.foo()</a:t>
-            </a:r>
-            <a:r>
-              <a:rPr kumimoji="0" lang="en-US" sz="2800" b="0" i="0" u="none" strike="noStrike" cap="none" normalizeH="0" baseline="0" dirty="0" smtClean="0">
-                <a:ln>
-                  <a:noFill/>
-                </a:ln>
-                <a:solidFill>
-                  <a:srgbClr val="000000"/>
-                </a:solidFill>
-                <a:effectLst/>
-                <a:latin typeface="Courier New" pitchFamily="49" charset="0"/>
-                <a:cs typeface="Courier New" pitchFamily="49" charset="0"/>
-              </a:rPr>
-              <a:t>  </a:t>
-            </a:r>
-            <a:r>
-              <a:rPr lang="en-US" sz="2800" i="1" dirty="0">
-                <a:solidFill>
-                  <a:srgbClr val="808080"/>
-                </a:solidFill>
-                <a:latin typeface="Courier New" pitchFamily="49" charset="0"/>
-                <a:cs typeface="Courier New" pitchFamily="49" charset="0"/>
-              </a:rPr>
-              <a:t># boo</a:t>
+              <a:t># 0.5</a:t>
             </a:r>
             <a:endParaRPr lang="ru-RU" sz="2800" i="1" dirty="0">
               <a:solidFill>
@@ -26286,7 +27283,7 @@
     </p:spTree>
     <p:extLst>
       <p:ext uri="{BB962C8B-B14F-4D97-AF65-F5344CB8AC3E}">
-        <p14:creationId xmlns:p14="http://schemas.microsoft.com/office/powerpoint/2010/main" val="1194750402"/>
+        <p14:creationId xmlns:p14="http://schemas.microsoft.com/office/powerpoint/2010/main" val="824695166"/>
       </p:ext>
     </p:extLst>
   </p:cSld>
@@ -26296,7 +27293,275 @@
   <p:timing>
     <p:tnLst>
       <p:par>
-        <p:cTn id="1" dur="indefinite" restart="never" nodeType="tmRoot"/>
+        <p:cTn id="1" dur="indefinite" restart="never" nodeType="tmRoot">
+          <p:childTnLst>
+            <p:seq concurrent="1" nextAc="seek">
+              <p:cTn id="2" dur="indefinite" nodeType="mainSeq">
+                <p:childTnLst>
+                  <p:par>
+                    <p:cTn id="3" fill="hold">
+                      <p:stCondLst>
+                        <p:cond delay="indefinite"/>
+                      </p:stCondLst>
+                      <p:childTnLst>
+                        <p:par>
+                          <p:cTn id="4" fill="hold">
+                            <p:stCondLst>
+                              <p:cond delay="0"/>
+                            </p:stCondLst>
+                            <p:childTnLst>
+                              <p:par>
+                                <p:cTn id="5" presetID="1" presetClass="entr" presetSubtype="0" fill="hold" nodeType="clickEffect">
+                                  <p:stCondLst>
+                                    <p:cond delay="0"/>
+                                  </p:stCondLst>
+                                  <p:childTnLst>
+                                    <p:set>
+                                      <p:cBhvr>
+                                        <p:cTn id="6" dur="1" fill="hold">
+                                          <p:stCondLst>
+                                            <p:cond delay="0"/>
+                                          </p:stCondLst>
+                                        </p:cTn>
+                                        <p:tgtEl>
+                                          <p:spTgt spid="2">
+                                            <p:txEl>
+                                              <p:pRg st="0" end="0"/>
+                                            </p:txEl>
+                                          </p:spTgt>
+                                        </p:tgtEl>
+                                        <p:attrNameLst>
+                                          <p:attrName>style.visibility</p:attrName>
+                                        </p:attrNameLst>
+                                      </p:cBhvr>
+                                      <p:to>
+                                        <p:strVal val="visible"/>
+                                      </p:to>
+                                    </p:set>
+                                  </p:childTnLst>
+                                </p:cTn>
+                              </p:par>
+                            </p:childTnLst>
+                          </p:cTn>
+                        </p:par>
+                      </p:childTnLst>
+                    </p:cTn>
+                  </p:par>
+                  <p:par>
+                    <p:cTn id="7" fill="hold">
+                      <p:stCondLst>
+                        <p:cond delay="indefinite"/>
+                      </p:stCondLst>
+                      <p:childTnLst>
+                        <p:par>
+                          <p:cTn id="8" fill="hold">
+                            <p:stCondLst>
+                              <p:cond delay="0"/>
+                            </p:stCondLst>
+                            <p:childTnLst>
+                              <p:par>
+                                <p:cTn id="9" presetID="1" presetClass="entr" presetSubtype="0" fill="hold" nodeType="clickEffect">
+                                  <p:stCondLst>
+                                    <p:cond delay="0"/>
+                                  </p:stCondLst>
+                                  <p:childTnLst>
+                                    <p:set>
+                                      <p:cBhvr>
+                                        <p:cTn id="10" dur="1" fill="hold">
+                                          <p:stCondLst>
+                                            <p:cond delay="0"/>
+                                          </p:stCondLst>
+                                        </p:cTn>
+                                        <p:tgtEl>
+                                          <p:spTgt spid="2">
+                                            <p:txEl>
+                                              <p:pRg st="2" end="2"/>
+                                            </p:txEl>
+                                          </p:spTgt>
+                                        </p:tgtEl>
+                                        <p:attrNameLst>
+                                          <p:attrName>style.visibility</p:attrName>
+                                        </p:attrNameLst>
+                                      </p:cBhvr>
+                                      <p:to>
+                                        <p:strVal val="visible"/>
+                                      </p:to>
+                                    </p:set>
+                                  </p:childTnLst>
+                                </p:cTn>
+                              </p:par>
+                            </p:childTnLst>
+                          </p:cTn>
+                        </p:par>
+                      </p:childTnLst>
+                    </p:cTn>
+                  </p:par>
+                  <p:par>
+                    <p:cTn id="11" fill="hold">
+                      <p:stCondLst>
+                        <p:cond delay="indefinite"/>
+                      </p:stCondLst>
+                      <p:childTnLst>
+                        <p:par>
+                          <p:cTn id="12" fill="hold">
+                            <p:stCondLst>
+                              <p:cond delay="0"/>
+                            </p:stCondLst>
+                            <p:childTnLst>
+                              <p:par>
+                                <p:cTn id="13" presetID="1" presetClass="entr" presetSubtype="0" fill="hold" nodeType="clickEffect">
+                                  <p:stCondLst>
+                                    <p:cond delay="0"/>
+                                  </p:stCondLst>
+                                  <p:childTnLst>
+                                    <p:set>
+                                      <p:cBhvr>
+                                        <p:cTn id="14" dur="1" fill="hold">
+                                          <p:stCondLst>
+                                            <p:cond delay="0"/>
+                                          </p:stCondLst>
+                                        </p:cTn>
+                                        <p:tgtEl>
+                                          <p:spTgt spid="2">
+                                            <p:txEl>
+                                              <p:pRg st="3" end="3"/>
+                                            </p:txEl>
+                                          </p:spTgt>
+                                        </p:tgtEl>
+                                        <p:attrNameLst>
+                                          <p:attrName>style.visibility</p:attrName>
+                                        </p:attrNameLst>
+                                      </p:cBhvr>
+                                      <p:to>
+                                        <p:strVal val="visible"/>
+                                      </p:to>
+                                    </p:set>
+                                  </p:childTnLst>
+                                </p:cTn>
+                              </p:par>
+                            </p:childTnLst>
+                          </p:cTn>
+                        </p:par>
+                      </p:childTnLst>
+                    </p:cTn>
+                  </p:par>
+                  <p:par>
+                    <p:cTn id="15" fill="hold">
+                      <p:stCondLst>
+                        <p:cond delay="indefinite"/>
+                      </p:stCondLst>
+                      <p:childTnLst>
+                        <p:par>
+                          <p:cTn id="16" fill="hold">
+                            <p:stCondLst>
+                              <p:cond delay="0"/>
+                            </p:stCondLst>
+                            <p:childTnLst>
+                              <p:par>
+                                <p:cTn id="17" presetID="1" presetClass="entr" presetSubtype="0" fill="hold" nodeType="clickEffect">
+                                  <p:stCondLst>
+                                    <p:cond delay="0"/>
+                                  </p:stCondLst>
+                                  <p:childTnLst>
+                                    <p:set>
+                                      <p:cBhvr>
+                                        <p:cTn id="18" dur="1" fill="hold">
+                                          <p:stCondLst>
+                                            <p:cond delay="0"/>
+                                          </p:stCondLst>
+                                        </p:cTn>
+                                        <p:tgtEl>
+                                          <p:spTgt spid="2">
+                                            <p:txEl>
+                                              <p:pRg st="4" end="4"/>
+                                            </p:txEl>
+                                          </p:spTgt>
+                                        </p:tgtEl>
+                                        <p:attrNameLst>
+                                          <p:attrName>style.visibility</p:attrName>
+                                        </p:attrNameLst>
+                                      </p:cBhvr>
+                                      <p:to>
+                                        <p:strVal val="visible"/>
+                                      </p:to>
+                                    </p:set>
+                                  </p:childTnLst>
+                                </p:cTn>
+                              </p:par>
+                            </p:childTnLst>
+                          </p:cTn>
+                        </p:par>
+                      </p:childTnLst>
+                    </p:cTn>
+                  </p:par>
+                  <p:par>
+                    <p:cTn id="19" fill="hold">
+                      <p:stCondLst>
+                        <p:cond delay="indefinite"/>
+                      </p:stCondLst>
+                      <p:childTnLst>
+                        <p:par>
+                          <p:cTn id="20" fill="hold">
+                            <p:stCondLst>
+                              <p:cond delay="0"/>
+                            </p:stCondLst>
+                            <p:childTnLst>
+                              <p:par>
+                                <p:cTn id="21" presetID="1" presetClass="entr" presetSubtype="0" fill="hold" nodeType="clickEffect">
+                                  <p:stCondLst>
+                                    <p:cond delay="0"/>
+                                  </p:stCondLst>
+                                  <p:childTnLst>
+                                    <p:set>
+                                      <p:cBhvr>
+                                        <p:cTn id="22" dur="1" fill="hold">
+                                          <p:stCondLst>
+                                            <p:cond delay="0"/>
+                                          </p:stCondLst>
+                                        </p:cTn>
+                                        <p:tgtEl>
+                                          <p:spTgt spid="2">
+                                            <p:txEl>
+                                              <p:pRg st="5" end="5"/>
+                                            </p:txEl>
+                                          </p:spTgt>
+                                        </p:tgtEl>
+                                        <p:attrNameLst>
+                                          <p:attrName>style.visibility</p:attrName>
+                                        </p:attrNameLst>
+                                      </p:cBhvr>
+                                      <p:to>
+                                        <p:strVal val="visible"/>
+                                      </p:to>
+                                    </p:set>
+                                  </p:childTnLst>
+                                </p:cTn>
+                              </p:par>
+                            </p:childTnLst>
+                          </p:cTn>
+                        </p:par>
+                      </p:childTnLst>
+                    </p:cTn>
+                  </p:par>
+                </p:childTnLst>
+              </p:cTn>
+              <p:prevCondLst>
+                <p:cond evt="onPrev" delay="0">
+                  <p:tgtEl>
+                    <p:sldTgt/>
+                  </p:tgtEl>
+                </p:cond>
+              </p:prevCondLst>
+              <p:nextCondLst>
+                <p:cond evt="onNext" delay="0">
+                  <p:tgtEl>
+                    <p:sldTgt/>
+                  </p:tgtEl>
+                </p:cond>
+              </p:nextCondLst>
+            </p:seq>
+          </p:childTnLst>
+        </p:cTn>
       </p:par>
     </p:tnLst>
   </p:timing>
@@ -26397,7 +27662,7 @@
         </p:nvSpPr>
         <p:spPr bwMode="auto">
           <a:xfrm>
-            <a:off x="4231342" y="2714157"/>
+            <a:off x="4231342" y="2803802"/>
             <a:ext cx="8032376" cy="6124754"/>
           </a:xfrm>
           <a:prstGeom prst="rect">
@@ -26761,6 +28026,63 @@
                 <a:cs typeface="Courier New" pitchFamily="49" charset="0"/>
               </a:rPr>
             </a:br>
+            <a:endParaRPr kumimoji="0" lang="en-US" sz="2800" b="0" i="0" u="none" strike="noStrike" cap="none" normalizeH="0" baseline="0" dirty="0" smtClean="0">
+              <a:ln>
+                <a:noFill/>
+              </a:ln>
+              <a:solidFill>
+                <a:srgbClr val="000000"/>
+              </a:solidFill>
+              <a:effectLst/>
+              <a:latin typeface="Courier New" pitchFamily="49" charset="0"/>
+              <a:cs typeface="Courier New" pitchFamily="49" charset="0"/>
+            </a:endParaRPr>
+          </a:p>
+          <a:p>
+            <a:pPr marL="0" marR="0" lvl="0" indent="0" algn="l" defTabSz="914400" rtl="0" eaLnBrk="1" fontAlgn="base" latinLnBrk="0" hangingPunct="1">
+              <a:lnSpc>
+                <a:spcPct val="100000"/>
+              </a:lnSpc>
+              <a:spcBef>
+                <a:spcPct val="0"/>
+              </a:spcBef>
+              <a:spcAft>
+                <a:spcPct val="0"/>
+              </a:spcAft>
+              <a:buClrTx/>
+              <a:buSzTx/>
+              <a:buFontTx/>
+              <a:buNone/>
+              <a:tabLst/>
+            </a:pPr>
+            <a:r>
+              <a:rPr kumimoji="0" lang="ru-RU" sz="2800" b="1" i="0" u="none" strike="noStrike" cap="none" normalizeH="0" baseline="0" dirty="0" err="1" smtClean="0">
+                <a:ln>
+                  <a:noFill/>
+                </a:ln>
+                <a:solidFill>
+                  <a:srgbClr val="000080"/>
+                </a:solidFill>
+                <a:effectLst/>
+                <a:latin typeface="Courier New" pitchFamily="49" charset="0"/>
+                <a:cs typeface="Courier New" pitchFamily="49" charset="0"/>
+              </a:rPr>
+              <a:t>class</a:t>
+            </a:r>
+            <a:r>
+              <a:rPr kumimoji="0" lang="ru-RU" sz="2800" b="1" i="0" u="none" strike="noStrike" cap="none" normalizeH="0" baseline="0" dirty="0" smtClean="0">
+                <a:ln>
+                  <a:noFill/>
+                </a:ln>
+                <a:solidFill>
+                  <a:srgbClr val="000080"/>
+                </a:solidFill>
+                <a:effectLst/>
+                <a:latin typeface="Courier New" pitchFamily="49" charset="0"/>
+                <a:cs typeface="Courier New" pitchFamily="49" charset="0"/>
+              </a:rPr>
+              <a:t> </a:t>
+            </a:r>
             <a:r>
               <a:rPr kumimoji="0" lang="ru-RU" sz="2800" b="0" i="0" u="none" strike="noStrike" cap="none" normalizeH="0" baseline="0" dirty="0" smtClean="0">
                 <a:ln>
@@ -26773,7 +28095,132 @@
                 <a:latin typeface="Courier New" pitchFamily="49" charset="0"/>
                 <a:cs typeface="Courier New" pitchFamily="49" charset="0"/>
               </a:rPr>
-              <a:t/>
+              <a:t>B(A):  </a:t>
+            </a:r>
+            <a:r>
+              <a:rPr kumimoji="0" lang="ru-RU" sz="2800" b="0" i="1" u="none" strike="noStrike" cap="none" normalizeH="0" baseline="0" dirty="0" smtClean="0">
+                <a:ln>
+                  <a:noFill/>
+                </a:ln>
+                <a:solidFill>
+                  <a:srgbClr val="808080"/>
+                </a:solidFill>
+                <a:effectLst/>
+                <a:latin typeface="Courier New" pitchFamily="49" charset="0"/>
+                <a:cs typeface="Courier New" pitchFamily="49" charset="0"/>
+              </a:rPr>
+              <a:t># Наследуем класс "А"</a:t>
+            </a:r>
+            <a:br>
+              <a:rPr kumimoji="0" lang="ru-RU" sz="2800" b="0" i="1" u="none" strike="noStrike" cap="none" normalizeH="0" baseline="0" dirty="0" smtClean="0">
+                <a:ln>
+                  <a:noFill/>
+                </a:ln>
+                <a:solidFill>
+                  <a:srgbClr val="808080"/>
+                </a:solidFill>
+                <a:effectLst/>
+                <a:latin typeface="Courier New" pitchFamily="49" charset="0"/>
+                <a:cs typeface="Courier New" pitchFamily="49" charset="0"/>
+              </a:rPr>
+            </a:br>
+            <a:r>
+              <a:rPr kumimoji="0" lang="ru-RU" sz="2800" b="0" i="1" u="none" strike="noStrike" cap="none" normalizeH="0" baseline="0" dirty="0" smtClean="0">
+                <a:ln>
+                  <a:noFill/>
+                </a:ln>
+                <a:solidFill>
+                  <a:srgbClr val="808080"/>
+                </a:solidFill>
+                <a:effectLst/>
+                <a:latin typeface="Courier New" pitchFamily="49" charset="0"/>
+                <a:cs typeface="Courier New" pitchFamily="49" charset="0"/>
+              </a:rPr>
+              <a:t>    </a:t>
+            </a:r>
+            <a:r>
+              <a:rPr kumimoji="0" lang="ru-RU" sz="2800" b="1" i="0" u="none" strike="noStrike" cap="none" normalizeH="0" baseline="0" dirty="0" err="1" smtClean="0">
+                <a:ln>
+                  <a:noFill/>
+                </a:ln>
+                <a:solidFill>
+                  <a:srgbClr val="000080"/>
+                </a:solidFill>
+                <a:effectLst/>
+                <a:latin typeface="Courier New" pitchFamily="49" charset="0"/>
+                <a:cs typeface="Courier New" pitchFamily="49" charset="0"/>
+              </a:rPr>
+              <a:t>def</a:t>
+            </a:r>
+            <a:r>
+              <a:rPr kumimoji="0" lang="ru-RU" sz="2800" b="1" i="0" u="none" strike="noStrike" cap="none" normalizeH="0" baseline="0" dirty="0" smtClean="0">
+                <a:ln>
+                  <a:noFill/>
+                </a:ln>
+                <a:solidFill>
+                  <a:srgbClr val="000080"/>
+                </a:solidFill>
+                <a:effectLst/>
+                <a:latin typeface="Courier New" pitchFamily="49" charset="0"/>
+                <a:cs typeface="Courier New" pitchFamily="49" charset="0"/>
+              </a:rPr>
+              <a:t> </a:t>
+            </a:r>
+            <a:r>
+              <a:rPr kumimoji="0" lang="ru-RU" sz="2800" b="0" i="0" u="none" strike="noStrike" cap="none" normalizeH="0" baseline="0" dirty="0" err="1" smtClean="0">
+                <a:ln>
+                  <a:noFill/>
+                </a:ln>
+                <a:solidFill>
+                  <a:srgbClr val="000000"/>
+                </a:solidFill>
+                <a:effectLst/>
+                <a:latin typeface="Courier New" pitchFamily="49" charset="0"/>
+                <a:cs typeface="Courier New" pitchFamily="49" charset="0"/>
+              </a:rPr>
+              <a:t>foo</a:t>
+            </a:r>
+            <a:r>
+              <a:rPr kumimoji="0" lang="ru-RU" sz="2800" b="0" i="0" u="none" strike="noStrike" cap="none" normalizeH="0" baseline="0" dirty="0" smtClean="0">
+                <a:ln>
+                  <a:noFill/>
+                </a:ln>
+                <a:solidFill>
+                  <a:srgbClr val="000000"/>
+                </a:solidFill>
+                <a:effectLst/>
+                <a:latin typeface="Courier New" pitchFamily="49" charset="0"/>
+                <a:cs typeface="Courier New" pitchFamily="49" charset="0"/>
+              </a:rPr>
+              <a:t>(</a:t>
+            </a:r>
+            <a:r>
+              <a:rPr kumimoji="0" lang="ru-RU" sz="2800" b="0" i="0" u="none" strike="noStrike" cap="none" normalizeH="0" baseline="0" dirty="0" err="1" smtClean="0">
+                <a:ln>
+                  <a:noFill/>
+                </a:ln>
+                <a:solidFill>
+                  <a:srgbClr val="94558D"/>
+                </a:solidFill>
+                <a:effectLst/>
+                <a:latin typeface="Courier New" pitchFamily="49" charset="0"/>
+                <a:cs typeface="Courier New" pitchFamily="49" charset="0"/>
+              </a:rPr>
+              <a:t>self</a:t>
+            </a:r>
+            <a:r>
+              <a:rPr kumimoji="0" lang="ru-RU" sz="2800" b="0" i="0" u="none" strike="noStrike" cap="none" normalizeH="0" baseline="0" dirty="0" smtClean="0">
+                <a:ln>
+                  <a:noFill/>
+                </a:ln>
+                <a:solidFill>
+                  <a:srgbClr val="000000"/>
+                </a:solidFill>
+                <a:effectLst/>
+                <a:latin typeface="Courier New" pitchFamily="49" charset="0"/>
+                <a:cs typeface="Courier New" pitchFamily="49" charset="0"/>
+              </a:rPr>
+              <a:t>):</a:t>
             </a:r>
             <a:br>
               <a:rPr kumimoji="0" lang="ru-RU" sz="2800" b="0" i="0" u="none" strike="noStrike" cap="none" normalizeH="0" baseline="0" dirty="0" smtClean="0">
@@ -26789,18 +28236,74 @@
               </a:rPr>
             </a:br>
             <a:r>
+              <a:rPr kumimoji="0" lang="ru-RU" sz="2800" b="0" i="0" u="none" strike="noStrike" cap="none" normalizeH="0" baseline="0" dirty="0" smtClean="0">
+                <a:ln>
+                  <a:noFill/>
+                </a:ln>
+                <a:solidFill>
+                  <a:srgbClr val="000000"/>
+                </a:solidFill>
+                <a:effectLst/>
+                <a:latin typeface="Courier New" pitchFamily="49" charset="0"/>
+                <a:cs typeface="Courier New" pitchFamily="49" charset="0"/>
+              </a:rPr>
+              <a:t>        </a:t>
+            </a:r>
+            <a:r>
+              <a:rPr kumimoji="0" lang="ru-RU" sz="2800" b="0" i="0" u="none" strike="noStrike" cap="none" normalizeH="0" baseline="0" dirty="0" err="1" smtClean="0">
+                <a:ln>
+                  <a:noFill/>
+                </a:ln>
+                <a:solidFill>
+                  <a:srgbClr val="000080"/>
+                </a:solidFill>
+                <a:effectLst/>
+                <a:latin typeface="Courier New" pitchFamily="49" charset="0"/>
+                <a:cs typeface="Courier New" pitchFamily="49" charset="0"/>
+              </a:rPr>
+              <a:t>print</a:t>
+            </a:r>
+            <a:r>
+              <a:rPr kumimoji="0" lang="ru-RU" sz="2800" b="0" i="0" u="none" strike="noStrike" cap="none" normalizeH="0" baseline="0" dirty="0" smtClean="0">
+                <a:ln>
+                  <a:noFill/>
+                </a:ln>
+                <a:solidFill>
+                  <a:srgbClr val="000000"/>
+                </a:solidFill>
+                <a:effectLst/>
+                <a:latin typeface="Courier New" pitchFamily="49" charset="0"/>
+                <a:cs typeface="Courier New" pitchFamily="49" charset="0"/>
+              </a:rPr>
+              <a:t>(</a:t>
+            </a:r>
+            <a:r>
+              <a:rPr kumimoji="0" lang="ru-RU" sz="2800" b="1" i="0" u="none" strike="noStrike" cap="none" normalizeH="0" baseline="0" dirty="0" smtClean="0">
+                <a:ln>
+                  <a:noFill/>
+                </a:ln>
+                <a:solidFill>
+                  <a:srgbClr val="008080"/>
+                </a:solidFill>
+                <a:effectLst/>
+                <a:latin typeface="Courier New" pitchFamily="49" charset="0"/>
+                <a:cs typeface="Courier New" pitchFamily="49" charset="0"/>
+              </a:rPr>
+              <a:t>"</a:t>
+            </a:r>
+            <a:r>
               <a:rPr kumimoji="0" lang="ru-RU" sz="2800" b="1" i="0" u="none" strike="noStrike" cap="none" normalizeH="0" baseline="0" dirty="0" err="1" smtClean="0">
                 <a:ln>
                   <a:noFill/>
                 </a:ln>
                 <a:solidFill>
-                  <a:srgbClr val="000080"/>
-                </a:solidFill>
-                <a:effectLst/>
-                <a:latin typeface="Courier New" pitchFamily="49" charset="0"/>
-                <a:cs typeface="Courier New" pitchFamily="49" charset="0"/>
-              </a:rPr>
-              <a:t>class</a:t>
+                  <a:srgbClr val="008080"/>
+                </a:solidFill>
+                <a:effectLst/>
+                <a:latin typeface="Courier New" pitchFamily="49" charset="0"/>
+                <a:cs typeface="Courier New" pitchFamily="49" charset="0"/>
+              </a:rPr>
+              <a:t>boo</a:t>
             </a:r>
             <a:r>
               <a:rPr kumimoji="0" lang="ru-RU" sz="2800" b="1" i="0" u="none" strike="noStrike" cap="none" normalizeH="0" baseline="0" dirty="0" smtClean="0">
@@ -26808,13 +28311,13 @@
                   <a:noFill/>
                 </a:ln>
                 <a:solidFill>
-                  <a:srgbClr val="000080"/>
-                </a:solidFill>
-                <a:effectLst/>
-                <a:latin typeface="Courier New" pitchFamily="49" charset="0"/>
-                <a:cs typeface="Courier New" pitchFamily="49" charset="0"/>
-              </a:rPr>
-              <a:t> </a:t>
+                  <a:srgbClr val="008080"/>
+                </a:solidFill>
+                <a:effectLst/>
+                <a:latin typeface="Courier New" pitchFamily="49" charset="0"/>
+                <a:cs typeface="Courier New" pitchFamily="49" charset="0"/>
+              </a:rPr>
+              <a:t>"</a:t>
             </a:r>
             <a:r>
               <a:rPr kumimoji="0" lang="ru-RU" sz="2800" b="0" i="0" u="none" strike="noStrike" cap="none" normalizeH="0" baseline="0" dirty="0" smtClean="0">
@@ -26828,132 +28331,7 @@
                 <a:latin typeface="Courier New" pitchFamily="49" charset="0"/>
                 <a:cs typeface="Courier New" pitchFamily="49" charset="0"/>
               </a:rPr>
-              <a:t>B(A):  </a:t>
-            </a:r>
-            <a:r>
-              <a:rPr kumimoji="0" lang="ru-RU" sz="2800" b="0" i="1" u="none" strike="noStrike" cap="none" normalizeH="0" baseline="0" dirty="0" smtClean="0">
-                <a:ln>
-                  <a:noFill/>
-                </a:ln>
-                <a:solidFill>
-                  <a:srgbClr val="808080"/>
-                </a:solidFill>
-                <a:effectLst/>
-                <a:latin typeface="Courier New" pitchFamily="49" charset="0"/>
-                <a:cs typeface="Courier New" pitchFamily="49" charset="0"/>
-              </a:rPr>
-              <a:t># Наследуем класс "А"</a:t>
-            </a:r>
-            <a:br>
-              <a:rPr kumimoji="0" lang="ru-RU" sz="2800" b="0" i="1" u="none" strike="noStrike" cap="none" normalizeH="0" baseline="0" dirty="0" smtClean="0">
-                <a:ln>
-                  <a:noFill/>
-                </a:ln>
-                <a:solidFill>
-                  <a:srgbClr val="808080"/>
-                </a:solidFill>
-                <a:effectLst/>
-                <a:latin typeface="Courier New" pitchFamily="49" charset="0"/>
-                <a:cs typeface="Courier New" pitchFamily="49" charset="0"/>
-              </a:rPr>
-            </a:br>
-            <a:r>
-              <a:rPr kumimoji="0" lang="ru-RU" sz="2800" b="0" i="1" u="none" strike="noStrike" cap="none" normalizeH="0" baseline="0" dirty="0" smtClean="0">
-                <a:ln>
-                  <a:noFill/>
-                </a:ln>
-                <a:solidFill>
-                  <a:srgbClr val="808080"/>
-                </a:solidFill>
-                <a:effectLst/>
-                <a:latin typeface="Courier New" pitchFamily="49" charset="0"/>
-                <a:cs typeface="Courier New" pitchFamily="49" charset="0"/>
-              </a:rPr>
-              <a:t>    </a:t>
-            </a:r>
-            <a:r>
-              <a:rPr kumimoji="0" lang="ru-RU" sz="2800" b="1" i="0" u="none" strike="noStrike" cap="none" normalizeH="0" baseline="0" dirty="0" err="1" smtClean="0">
-                <a:ln>
-                  <a:noFill/>
-                </a:ln>
-                <a:solidFill>
-                  <a:srgbClr val="000080"/>
-                </a:solidFill>
-                <a:effectLst/>
-                <a:latin typeface="Courier New" pitchFamily="49" charset="0"/>
-                <a:cs typeface="Courier New" pitchFamily="49" charset="0"/>
-              </a:rPr>
-              <a:t>def</a:t>
-            </a:r>
-            <a:r>
-              <a:rPr kumimoji="0" lang="ru-RU" sz="2800" b="1" i="0" u="none" strike="noStrike" cap="none" normalizeH="0" baseline="0" dirty="0" smtClean="0">
-                <a:ln>
-                  <a:noFill/>
-                </a:ln>
-                <a:solidFill>
-                  <a:srgbClr val="000080"/>
-                </a:solidFill>
-                <a:effectLst/>
-                <a:latin typeface="Courier New" pitchFamily="49" charset="0"/>
-                <a:cs typeface="Courier New" pitchFamily="49" charset="0"/>
-              </a:rPr>
-              <a:t> </a:t>
-            </a:r>
-            <a:r>
-              <a:rPr kumimoji="0" lang="ru-RU" sz="2800" b="0" i="0" u="none" strike="noStrike" cap="none" normalizeH="0" baseline="0" dirty="0" err="1" smtClean="0">
-                <a:ln>
-                  <a:noFill/>
-                </a:ln>
-                <a:solidFill>
-                  <a:srgbClr val="000000"/>
-                </a:solidFill>
-                <a:effectLst/>
-                <a:latin typeface="Courier New" pitchFamily="49" charset="0"/>
-                <a:cs typeface="Courier New" pitchFamily="49" charset="0"/>
-              </a:rPr>
-              <a:t>foo</a:t>
-            </a:r>
-            <a:r>
-              <a:rPr kumimoji="0" lang="ru-RU" sz="2800" b="0" i="0" u="none" strike="noStrike" cap="none" normalizeH="0" baseline="0" dirty="0" smtClean="0">
-                <a:ln>
-                  <a:noFill/>
-                </a:ln>
-                <a:solidFill>
-                  <a:srgbClr val="000000"/>
-                </a:solidFill>
-                <a:effectLst/>
-                <a:latin typeface="Courier New" pitchFamily="49" charset="0"/>
-                <a:cs typeface="Courier New" pitchFamily="49" charset="0"/>
-              </a:rPr>
-              <a:t>(</a:t>
-            </a:r>
-            <a:r>
-              <a:rPr kumimoji="0" lang="ru-RU" sz="2800" b="0" i="0" u="none" strike="noStrike" cap="none" normalizeH="0" baseline="0" dirty="0" err="1" smtClean="0">
-                <a:ln>
-                  <a:noFill/>
-                </a:ln>
-                <a:solidFill>
-                  <a:srgbClr val="94558D"/>
-                </a:solidFill>
-                <a:effectLst/>
-                <a:latin typeface="Courier New" pitchFamily="49" charset="0"/>
-                <a:cs typeface="Courier New" pitchFamily="49" charset="0"/>
-              </a:rPr>
-              <a:t>self</a:t>
-            </a:r>
-            <a:r>
-              <a:rPr kumimoji="0" lang="ru-RU" sz="2800" b="0" i="0" u="none" strike="noStrike" cap="none" normalizeH="0" baseline="0" dirty="0" smtClean="0">
-                <a:ln>
-                  <a:noFill/>
-                </a:ln>
-                <a:solidFill>
-                  <a:srgbClr val="000000"/>
-                </a:solidFill>
-                <a:effectLst/>
-                <a:latin typeface="Courier New" pitchFamily="49" charset="0"/>
-                <a:cs typeface="Courier New" pitchFamily="49" charset="0"/>
-              </a:rPr>
-              <a:t>):</a:t>
+              <a:t>)</a:t>
             </a:r>
             <a:br>
               <a:rPr kumimoji="0" lang="ru-RU" sz="2800" b="0" i="0" u="none" strike="noStrike" cap="none" normalizeH="0" baseline="0" dirty="0" smtClean="0">
@@ -26968,6 +28346,35 @@
                 <a:cs typeface="Courier New" pitchFamily="49" charset="0"/>
               </a:rPr>
             </a:br>
+            <a:endParaRPr kumimoji="0" lang="en-US" sz="2800" b="0" i="0" u="none" strike="noStrike" cap="none" normalizeH="0" baseline="0" dirty="0" smtClean="0">
+              <a:ln>
+                <a:noFill/>
+              </a:ln>
+              <a:solidFill>
+                <a:srgbClr val="000000"/>
+              </a:solidFill>
+              <a:effectLst/>
+              <a:latin typeface="Courier New" pitchFamily="49" charset="0"/>
+              <a:cs typeface="Courier New" pitchFamily="49" charset="0"/>
+            </a:endParaRPr>
+          </a:p>
+          <a:p>
+            <a:pPr marL="0" marR="0" lvl="0" indent="0" algn="l" defTabSz="914400" rtl="0" eaLnBrk="1" fontAlgn="base" latinLnBrk="0" hangingPunct="1">
+              <a:lnSpc>
+                <a:spcPct val="100000"/>
+              </a:lnSpc>
+              <a:spcBef>
+                <a:spcPct val="0"/>
+              </a:spcBef>
+              <a:spcAft>
+                <a:spcPct val="0"/>
+              </a:spcAft>
+              <a:buClrTx/>
+              <a:buSzTx/>
+              <a:buFontTx/>
+              <a:buNone/>
+              <a:tabLst/>
+            </a:pPr>
             <a:r>
               <a:rPr kumimoji="0" lang="ru-RU" sz="2800" b="0" i="0" u="none" strike="noStrike" cap="none" normalizeH="0" baseline="0" dirty="0" smtClean="0">
                 <a:ln>
@@ -26980,91 +28387,7 @@
                 <a:latin typeface="Courier New" pitchFamily="49" charset="0"/>
                 <a:cs typeface="Courier New" pitchFamily="49" charset="0"/>
               </a:rPr>
-              <a:t>        </a:t>
-            </a:r>
-            <a:r>
-              <a:rPr kumimoji="0" lang="ru-RU" sz="2800" b="0" i="0" u="none" strike="noStrike" cap="none" normalizeH="0" baseline="0" dirty="0" err="1" smtClean="0">
-                <a:ln>
-                  <a:noFill/>
-                </a:ln>
-                <a:solidFill>
-                  <a:srgbClr val="000080"/>
-                </a:solidFill>
-                <a:effectLst/>
-                <a:latin typeface="Courier New" pitchFamily="49" charset="0"/>
-                <a:cs typeface="Courier New" pitchFamily="49" charset="0"/>
-              </a:rPr>
-              <a:t>print</a:t>
-            </a:r>
-            <a:r>
-              <a:rPr kumimoji="0" lang="ru-RU" sz="2800" b="0" i="0" u="none" strike="noStrike" cap="none" normalizeH="0" baseline="0" dirty="0" smtClean="0">
-                <a:ln>
-                  <a:noFill/>
-                </a:ln>
-                <a:solidFill>
-                  <a:srgbClr val="000000"/>
-                </a:solidFill>
-                <a:effectLst/>
-                <a:latin typeface="Courier New" pitchFamily="49" charset="0"/>
-                <a:cs typeface="Courier New" pitchFamily="49" charset="0"/>
-              </a:rPr>
-              <a:t>(</a:t>
-            </a:r>
-            <a:r>
-              <a:rPr kumimoji="0" lang="ru-RU" sz="2800" b="1" i="0" u="none" strike="noStrike" cap="none" normalizeH="0" baseline="0" dirty="0" smtClean="0">
-                <a:ln>
-                  <a:noFill/>
-                </a:ln>
-                <a:solidFill>
-                  <a:srgbClr val="008080"/>
-                </a:solidFill>
-                <a:effectLst/>
-                <a:latin typeface="Courier New" pitchFamily="49" charset="0"/>
-                <a:cs typeface="Courier New" pitchFamily="49" charset="0"/>
-              </a:rPr>
-              <a:t>"</a:t>
-            </a:r>
-            <a:r>
-              <a:rPr kumimoji="0" lang="ru-RU" sz="2800" b="1" i="0" u="none" strike="noStrike" cap="none" normalizeH="0" baseline="0" dirty="0" err="1" smtClean="0">
-                <a:ln>
-                  <a:noFill/>
-                </a:ln>
-                <a:solidFill>
-                  <a:srgbClr val="008080"/>
-                </a:solidFill>
-                <a:effectLst/>
-                <a:latin typeface="Courier New" pitchFamily="49" charset="0"/>
-                <a:cs typeface="Courier New" pitchFamily="49" charset="0"/>
-              </a:rPr>
-              <a:t>boo</a:t>
-            </a:r>
-            <a:r>
-              <a:rPr kumimoji="0" lang="ru-RU" sz="2800" b="1" i="0" u="none" strike="noStrike" cap="none" normalizeH="0" baseline="0" dirty="0" smtClean="0">
-                <a:ln>
-                  <a:noFill/>
-                </a:ln>
-                <a:solidFill>
-                  <a:srgbClr val="008080"/>
-                </a:solidFill>
-                <a:effectLst/>
-                <a:latin typeface="Courier New" pitchFamily="49" charset="0"/>
-                <a:cs typeface="Courier New" pitchFamily="49" charset="0"/>
-              </a:rPr>
-              <a:t>"</a:t>
-            </a:r>
-            <a:r>
-              <a:rPr kumimoji="0" lang="ru-RU" sz="2800" b="0" i="0" u="none" strike="noStrike" cap="none" normalizeH="0" baseline="0" dirty="0" smtClean="0">
-                <a:ln>
-                  <a:noFill/>
-                </a:ln>
-                <a:solidFill>
-                  <a:srgbClr val="000000"/>
-                </a:solidFill>
-                <a:effectLst/>
-                <a:latin typeface="Courier New" pitchFamily="49" charset="0"/>
-                <a:cs typeface="Courier New" pitchFamily="49" charset="0"/>
-              </a:rPr>
-              <a:t>)</a:t>
+              <a:t>obj1 = A()</a:t>
             </a:r>
             <a:br>
               <a:rPr kumimoji="0" lang="ru-RU" sz="2800" b="0" i="0" u="none" strike="noStrike" cap="none" normalizeH="0" baseline="0" dirty="0" smtClean="0">
@@ -27091,7 +28414,7 @@
                 <a:latin typeface="Courier New" pitchFamily="49" charset="0"/>
                 <a:cs typeface="Courier New" pitchFamily="49" charset="0"/>
               </a:rPr>
-              <a:t/>
+              <a:t>obj2 = B()</a:t>
             </a:r>
             <a:br>
               <a:rPr kumimoji="0" lang="ru-RU" sz="2800" b="0" i="0" u="none" strike="noStrike" cap="none" normalizeH="0" baseline="0" dirty="0" smtClean="0">
@@ -27106,6 +28429,35 @@
                 <a:cs typeface="Courier New" pitchFamily="49" charset="0"/>
               </a:rPr>
             </a:br>
+            <a:endParaRPr kumimoji="0" lang="en-US" sz="2800" b="0" i="0" u="none" strike="noStrike" cap="none" normalizeH="0" baseline="0" dirty="0" smtClean="0">
+              <a:ln>
+                <a:noFill/>
+              </a:ln>
+              <a:solidFill>
+                <a:srgbClr val="000000"/>
+              </a:solidFill>
+              <a:effectLst/>
+              <a:latin typeface="Courier New" pitchFamily="49" charset="0"/>
+              <a:cs typeface="Courier New" pitchFamily="49" charset="0"/>
+            </a:endParaRPr>
+          </a:p>
+          <a:p>
+            <a:pPr marL="0" marR="0" lvl="0" indent="0" algn="l" defTabSz="914400" rtl="0" eaLnBrk="1" fontAlgn="base" latinLnBrk="0" hangingPunct="1">
+              <a:lnSpc>
+                <a:spcPct val="100000"/>
+              </a:lnSpc>
+              <a:spcBef>
+                <a:spcPct val="0"/>
+              </a:spcBef>
+              <a:spcAft>
+                <a:spcPct val="0"/>
+              </a:spcAft>
+              <a:buClrTx/>
+              <a:buSzTx/>
+              <a:buFontTx/>
+              <a:buNone/>
+              <a:tabLst/>
+            </a:pPr>
             <a:r>
               <a:rPr kumimoji="0" lang="ru-RU" sz="2800" b="0" i="0" u="none" strike="noStrike" cap="none" normalizeH="0" baseline="0" dirty="0" smtClean="0">
                 <a:ln>
@@ -27118,10 +28470,10 @@
                 <a:latin typeface="Courier New" pitchFamily="49" charset="0"/>
                 <a:cs typeface="Courier New" pitchFamily="49" charset="0"/>
               </a:rPr>
-              <a:t>obj1 = A()</a:t>
-            </a:r>
-            <a:br>
-              <a:rPr kumimoji="0" lang="ru-RU" sz="2800" b="0" i="0" u="none" strike="noStrike" cap="none" normalizeH="0" baseline="0" dirty="0" smtClean="0">
+              <a:t>obj1.foo()</a:t>
+            </a:r>
+            <a:r>
+              <a:rPr kumimoji="0" lang="en-US" sz="2800" b="0" i="0" u="none" strike="noStrike" cap="none" normalizeH="0" baseline="0" dirty="0" smtClean="0">
                 <a:ln>
                   <a:noFill/>
                 </a:ln>
@@ -27132,87 +28484,6 @@
                 <a:latin typeface="Courier New" pitchFamily="49" charset="0"/>
                 <a:cs typeface="Courier New" pitchFamily="49" charset="0"/>
               </a:rPr>
-            </a:br>
-            <a:r>
-              <a:rPr kumimoji="0" lang="ru-RU" sz="2800" b="0" i="0" u="none" strike="noStrike" cap="none" normalizeH="0" baseline="0" dirty="0" smtClean="0">
-                <a:ln>
-                  <a:noFill/>
-                </a:ln>
-                <a:solidFill>
-                  <a:srgbClr val="000000"/>
-                </a:solidFill>
-                <a:effectLst/>
-                <a:latin typeface="Courier New" pitchFamily="49" charset="0"/>
-                <a:cs typeface="Courier New" pitchFamily="49" charset="0"/>
-              </a:rPr>
-              <a:t>obj2 = B()</a:t>
-            </a:r>
-            <a:br>
-              <a:rPr kumimoji="0" lang="ru-RU" sz="2800" b="0" i="0" u="none" strike="noStrike" cap="none" normalizeH="0" baseline="0" dirty="0" smtClean="0">
-                <a:ln>
-                  <a:noFill/>
-                </a:ln>
-                <a:solidFill>
-                  <a:srgbClr val="000000"/>
-                </a:solidFill>
-                <a:effectLst/>
-                <a:latin typeface="Courier New" pitchFamily="49" charset="0"/>
-                <a:cs typeface="Courier New" pitchFamily="49" charset="0"/>
-              </a:rPr>
-            </a:br>
-            <a:r>
-              <a:rPr kumimoji="0" lang="ru-RU" sz="2800" b="0" i="0" u="none" strike="noStrike" cap="none" normalizeH="0" baseline="0" dirty="0" smtClean="0">
-                <a:ln>
-                  <a:noFill/>
-                </a:ln>
-                <a:solidFill>
-                  <a:srgbClr val="000000"/>
-                </a:solidFill>
-                <a:effectLst/>
-                <a:latin typeface="Courier New" pitchFamily="49" charset="0"/>
-                <a:cs typeface="Courier New" pitchFamily="49" charset="0"/>
-              </a:rPr>
-              <a:t/>
-            </a:r>
-            <a:br>
-              <a:rPr kumimoji="0" lang="ru-RU" sz="2800" b="0" i="0" u="none" strike="noStrike" cap="none" normalizeH="0" baseline="0" dirty="0" smtClean="0">
-                <a:ln>
-                  <a:noFill/>
-                </a:ln>
-                <a:solidFill>
-                  <a:srgbClr val="000000"/>
-                </a:solidFill>
-                <a:effectLst/>
-                <a:latin typeface="Courier New" pitchFamily="49" charset="0"/>
-                <a:cs typeface="Courier New" pitchFamily="49" charset="0"/>
-              </a:rPr>
-            </a:br>
-            <a:r>
-              <a:rPr kumimoji="0" lang="ru-RU" sz="2800" b="0" i="0" u="none" strike="noStrike" cap="none" normalizeH="0" baseline="0" dirty="0" smtClean="0">
-                <a:ln>
-                  <a:noFill/>
-                </a:ln>
-                <a:solidFill>
-                  <a:srgbClr val="000000"/>
-                </a:solidFill>
-                <a:effectLst/>
-                <a:latin typeface="Courier New" pitchFamily="49" charset="0"/>
-                <a:cs typeface="Courier New" pitchFamily="49" charset="0"/>
-              </a:rPr>
-              <a:t>obj1.foo()</a:t>
-            </a:r>
-            <a:r>
-              <a:rPr kumimoji="0" lang="en-US" sz="2800" b="0" i="0" u="none" strike="noStrike" cap="none" normalizeH="0" baseline="0" dirty="0" smtClean="0">
-                <a:ln>
-                  <a:noFill/>
-                </a:ln>
-                <a:solidFill>
-                  <a:srgbClr val="000000"/>
-                </a:solidFill>
-                <a:effectLst/>
-                <a:latin typeface="Courier New" pitchFamily="49" charset="0"/>
-                <a:cs typeface="Courier New" pitchFamily="49" charset="0"/>
-              </a:rPr>
               <a:t>  </a:t>
             </a:r>
             <a:r>
@@ -27223,27 +28494,36 @@
                 <a:latin typeface="Courier New" pitchFamily="49" charset="0"/>
                 <a:cs typeface="Courier New" pitchFamily="49" charset="0"/>
               </a:rPr>
-              <a:t># foo</a:t>
-            </a:r>
-            <a:r>
-              <a:rPr lang="ru-RU" sz="2800" i="1" dirty="0">
+              <a:t># </a:t>
+            </a:r>
+            <a:r>
+              <a:rPr lang="en-US" sz="2800" i="1" dirty="0" smtClean="0">
                 <a:solidFill>
                   <a:srgbClr val="808080"/>
                 </a:solidFill>
                 <a:latin typeface="Courier New" pitchFamily="49" charset="0"/>
                 <a:cs typeface="Courier New" pitchFamily="49" charset="0"/>
               </a:rPr>
-              <a:t/>
-            </a:r>
-            <a:br>
-              <a:rPr lang="ru-RU" sz="2800" i="1" dirty="0">
-                <a:solidFill>
-                  <a:srgbClr val="808080"/>
-                </a:solidFill>
-                <a:latin typeface="Courier New" pitchFamily="49" charset="0"/>
-                <a:cs typeface="Courier New" pitchFamily="49" charset="0"/>
-              </a:rPr>
-            </a:br>
+              <a:t>foo</a:t>
+            </a:r>
+          </a:p>
+          <a:p>
+            <a:pPr marL="0" marR="0" lvl="0" indent="0" algn="l" defTabSz="914400" rtl="0" eaLnBrk="1" fontAlgn="base" latinLnBrk="0" hangingPunct="1">
+              <a:lnSpc>
+                <a:spcPct val="100000"/>
+              </a:lnSpc>
+              <a:spcBef>
+                <a:spcPct val="0"/>
+              </a:spcBef>
+              <a:spcAft>
+                <a:spcPct val="0"/>
+              </a:spcAft>
+              <a:buClrTx/>
+              <a:buSzTx/>
+              <a:buFontTx/>
+              <a:buNone/>
+              <a:tabLst/>
+            </a:pPr>
             <a:r>
               <a:rPr kumimoji="0" lang="ru-RU" sz="2800" b="0" i="0" u="none" strike="noStrike" cap="none" normalizeH="0" baseline="0" dirty="0" smtClean="0">
                 <a:ln>
@@ -27292,10 +28572,82 @@
           </a:p>
         </p:txBody>
       </p:sp>
+      <p:cxnSp>
+        <p:nvCxnSpPr>
+          <p:cNvPr id="4" name="Прямая со стрелкой 3"/>
+          <p:cNvCxnSpPr/>
+          <p:nvPr/>
+        </p:nvCxnSpPr>
+        <p:spPr>
+          <a:xfrm flipV="1">
+            <a:off x="5818909" y="4172989"/>
+            <a:ext cx="1961804" cy="3973485"/>
+          </a:xfrm>
+          <a:prstGeom prst="straightConnector1">
+            <a:avLst/>
+          </a:prstGeom>
+          <a:ln w="38100">
+            <a:solidFill>
+              <a:srgbClr val="000000"/>
+            </a:solidFill>
+            <a:tailEnd type="arrow"/>
+          </a:ln>
+        </p:spPr>
+        <p:style>
+          <a:lnRef idx="1">
+            <a:schemeClr val="accent1"/>
+          </a:lnRef>
+          <a:fillRef idx="0">
+            <a:schemeClr val="accent1"/>
+          </a:fillRef>
+          <a:effectRef idx="0">
+            <a:schemeClr val="accent1"/>
+          </a:effectRef>
+          <a:fontRef idx="minor">
+            <a:schemeClr val="tx1"/>
+          </a:fontRef>
+        </p:style>
+      </p:cxnSp>
+      <p:cxnSp>
+        <p:nvCxnSpPr>
+          <p:cNvPr id="7" name="Прямая со стрелкой 6"/>
+          <p:cNvCxnSpPr/>
+          <p:nvPr/>
+        </p:nvCxnSpPr>
+        <p:spPr>
+          <a:xfrm flipV="1">
+            <a:off x="5971309" y="6284422"/>
+            <a:ext cx="1809404" cy="2310940"/>
+          </a:xfrm>
+          <a:prstGeom prst="straightConnector1">
+            <a:avLst/>
+          </a:prstGeom>
+          <a:ln w="38100">
+            <a:solidFill>
+              <a:srgbClr val="000000"/>
+            </a:solidFill>
+            <a:tailEnd type="arrow"/>
+          </a:ln>
+        </p:spPr>
+        <p:style>
+          <a:lnRef idx="1">
+            <a:schemeClr val="accent1"/>
+          </a:lnRef>
+          <a:fillRef idx="0">
+            <a:schemeClr val="accent1"/>
+          </a:fillRef>
+          <a:effectRef idx="0">
+            <a:schemeClr val="accent1"/>
+          </a:effectRef>
+          <a:fontRef idx="minor">
+            <a:schemeClr val="tx1"/>
+          </a:fontRef>
+        </p:style>
+      </p:cxnSp>
     </p:spTree>
     <p:extLst>
       <p:ext uri="{BB962C8B-B14F-4D97-AF65-F5344CB8AC3E}">
-        <p14:creationId xmlns:p14="http://schemas.microsoft.com/office/powerpoint/2010/main" val="1376654940"/>
+        <p14:creationId xmlns:p14="http://schemas.microsoft.com/office/powerpoint/2010/main" val="1194750402"/>
       </p:ext>
     </p:extLst>
   </p:cSld>
@@ -27305,7 +28657,365 @@
   <p:timing>
     <p:tnLst>
       <p:par>
-        <p:cTn id="1" dur="indefinite" restart="never" nodeType="tmRoot"/>
+        <p:cTn id="1" dur="indefinite" restart="never" nodeType="tmRoot">
+          <p:childTnLst>
+            <p:seq concurrent="1" nextAc="seek">
+              <p:cTn id="2" dur="indefinite" nodeType="mainSeq">
+                <p:childTnLst>
+                  <p:par>
+                    <p:cTn id="3" fill="hold">
+                      <p:stCondLst>
+                        <p:cond delay="indefinite"/>
+                      </p:stCondLst>
+                      <p:childTnLst>
+                        <p:par>
+                          <p:cTn id="4" fill="hold">
+                            <p:stCondLst>
+                              <p:cond delay="0"/>
+                            </p:stCondLst>
+                            <p:childTnLst>
+                              <p:par>
+                                <p:cTn id="5" presetID="1" presetClass="entr" presetSubtype="0" fill="hold" nodeType="clickEffect">
+                                  <p:stCondLst>
+                                    <p:cond delay="0"/>
+                                  </p:stCondLst>
+                                  <p:childTnLst>
+                                    <p:set>
+                                      <p:cBhvr>
+                                        <p:cTn id="6" dur="1" fill="hold">
+                                          <p:stCondLst>
+                                            <p:cond delay="0"/>
+                                          </p:stCondLst>
+                                        </p:cTn>
+                                        <p:tgtEl>
+                                          <p:spTgt spid="3">
+                                            <p:txEl>
+                                              <p:pRg st="0" end="0"/>
+                                            </p:txEl>
+                                          </p:spTgt>
+                                        </p:tgtEl>
+                                        <p:attrNameLst>
+                                          <p:attrName>style.visibility</p:attrName>
+                                        </p:attrNameLst>
+                                      </p:cBhvr>
+                                      <p:to>
+                                        <p:strVal val="visible"/>
+                                      </p:to>
+                                    </p:set>
+                                  </p:childTnLst>
+                                </p:cTn>
+                              </p:par>
+                            </p:childTnLst>
+                          </p:cTn>
+                        </p:par>
+                      </p:childTnLst>
+                    </p:cTn>
+                  </p:par>
+                  <p:par>
+                    <p:cTn id="7" fill="hold">
+                      <p:stCondLst>
+                        <p:cond delay="indefinite"/>
+                      </p:stCondLst>
+                      <p:childTnLst>
+                        <p:par>
+                          <p:cTn id="8" fill="hold">
+                            <p:stCondLst>
+                              <p:cond delay="0"/>
+                            </p:stCondLst>
+                            <p:childTnLst>
+                              <p:par>
+                                <p:cTn id="9" presetID="1" presetClass="entr" presetSubtype="0" fill="hold" nodeType="clickEffect">
+                                  <p:stCondLst>
+                                    <p:cond delay="0"/>
+                                  </p:stCondLst>
+                                  <p:childTnLst>
+                                    <p:set>
+                                      <p:cBhvr>
+                                        <p:cTn id="10" dur="1" fill="hold">
+                                          <p:stCondLst>
+                                            <p:cond delay="0"/>
+                                          </p:stCondLst>
+                                        </p:cTn>
+                                        <p:tgtEl>
+                                          <p:spTgt spid="3">
+                                            <p:txEl>
+                                              <p:pRg st="1" end="1"/>
+                                            </p:txEl>
+                                          </p:spTgt>
+                                        </p:tgtEl>
+                                        <p:attrNameLst>
+                                          <p:attrName>style.visibility</p:attrName>
+                                        </p:attrNameLst>
+                                      </p:cBhvr>
+                                      <p:to>
+                                        <p:strVal val="visible"/>
+                                      </p:to>
+                                    </p:set>
+                                  </p:childTnLst>
+                                </p:cTn>
+                              </p:par>
+                            </p:childTnLst>
+                          </p:cTn>
+                        </p:par>
+                      </p:childTnLst>
+                    </p:cTn>
+                  </p:par>
+                  <p:par>
+                    <p:cTn id="11" fill="hold">
+                      <p:stCondLst>
+                        <p:cond delay="indefinite"/>
+                      </p:stCondLst>
+                      <p:childTnLst>
+                        <p:par>
+                          <p:cTn id="12" fill="hold">
+                            <p:stCondLst>
+                              <p:cond delay="0"/>
+                            </p:stCondLst>
+                            <p:childTnLst>
+                              <p:par>
+                                <p:cTn id="13" presetID="1" presetClass="entr" presetSubtype="0" fill="hold" nodeType="clickEffect">
+                                  <p:stCondLst>
+                                    <p:cond delay="0"/>
+                                  </p:stCondLst>
+                                  <p:childTnLst>
+                                    <p:set>
+                                      <p:cBhvr>
+                                        <p:cTn id="14" dur="1" fill="hold">
+                                          <p:stCondLst>
+                                            <p:cond delay="0"/>
+                                          </p:stCondLst>
+                                        </p:cTn>
+                                        <p:tgtEl>
+                                          <p:spTgt spid="3">
+                                            <p:txEl>
+                                              <p:pRg st="2" end="2"/>
+                                            </p:txEl>
+                                          </p:spTgt>
+                                        </p:tgtEl>
+                                        <p:attrNameLst>
+                                          <p:attrName>style.visibility</p:attrName>
+                                        </p:attrNameLst>
+                                      </p:cBhvr>
+                                      <p:to>
+                                        <p:strVal val="visible"/>
+                                      </p:to>
+                                    </p:set>
+                                  </p:childTnLst>
+                                </p:cTn>
+                              </p:par>
+                            </p:childTnLst>
+                          </p:cTn>
+                        </p:par>
+                      </p:childTnLst>
+                    </p:cTn>
+                  </p:par>
+                  <p:par>
+                    <p:cTn id="15" fill="hold">
+                      <p:stCondLst>
+                        <p:cond delay="indefinite"/>
+                      </p:stCondLst>
+                      <p:childTnLst>
+                        <p:par>
+                          <p:cTn id="16" fill="hold">
+                            <p:stCondLst>
+                              <p:cond delay="0"/>
+                            </p:stCondLst>
+                            <p:childTnLst>
+                              <p:par>
+                                <p:cTn id="17" presetID="1" presetClass="entr" presetSubtype="0" fill="hold" nodeType="clickEffect">
+                                  <p:stCondLst>
+                                    <p:cond delay="0"/>
+                                  </p:stCondLst>
+                                  <p:childTnLst>
+                                    <p:set>
+                                      <p:cBhvr>
+                                        <p:cTn id="18" dur="1" fill="hold">
+                                          <p:stCondLst>
+                                            <p:cond delay="0"/>
+                                          </p:stCondLst>
+                                        </p:cTn>
+                                        <p:tgtEl>
+                                          <p:spTgt spid="3">
+                                            <p:txEl>
+                                              <p:pRg st="3" end="3"/>
+                                            </p:txEl>
+                                          </p:spTgt>
+                                        </p:tgtEl>
+                                        <p:attrNameLst>
+                                          <p:attrName>style.visibility</p:attrName>
+                                        </p:attrNameLst>
+                                      </p:cBhvr>
+                                      <p:to>
+                                        <p:strVal val="visible"/>
+                                      </p:to>
+                                    </p:set>
+                                  </p:childTnLst>
+                                </p:cTn>
+                              </p:par>
+                            </p:childTnLst>
+                          </p:cTn>
+                        </p:par>
+                      </p:childTnLst>
+                    </p:cTn>
+                  </p:par>
+                  <p:par>
+                    <p:cTn id="19" fill="hold">
+                      <p:stCondLst>
+                        <p:cond delay="indefinite"/>
+                      </p:stCondLst>
+                      <p:childTnLst>
+                        <p:par>
+                          <p:cTn id="20" fill="hold">
+                            <p:stCondLst>
+                              <p:cond delay="0"/>
+                            </p:stCondLst>
+                            <p:childTnLst>
+                              <p:par>
+                                <p:cTn id="21" presetID="1" presetClass="entr" presetSubtype="0" fill="hold" nodeType="clickEffect">
+                                  <p:stCondLst>
+                                    <p:cond delay="0"/>
+                                  </p:stCondLst>
+                                  <p:childTnLst>
+                                    <p:set>
+                                      <p:cBhvr>
+                                        <p:cTn id="22" dur="1" fill="hold">
+                                          <p:stCondLst>
+                                            <p:cond delay="0"/>
+                                          </p:stCondLst>
+                                        </p:cTn>
+                                        <p:tgtEl>
+                                          <p:spTgt spid="3">
+                                            <p:txEl>
+                                              <p:pRg st="4" end="4"/>
+                                            </p:txEl>
+                                          </p:spTgt>
+                                        </p:tgtEl>
+                                        <p:attrNameLst>
+                                          <p:attrName>style.visibility</p:attrName>
+                                        </p:attrNameLst>
+                                      </p:cBhvr>
+                                      <p:to>
+                                        <p:strVal val="visible"/>
+                                      </p:to>
+                                    </p:set>
+                                  </p:childTnLst>
+                                </p:cTn>
+                              </p:par>
+                            </p:childTnLst>
+                          </p:cTn>
+                        </p:par>
+                      </p:childTnLst>
+                    </p:cTn>
+                  </p:par>
+                  <p:par>
+                    <p:cTn id="23" fill="hold">
+                      <p:stCondLst>
+                        <p:cond delay="indefinite"/>
+                      </p:stCondLst>
+                      <p:childTnLst>
+                        <p:par>
+                          <p:cTn id="24" fill="hold">
+                            <p:stCondLst>
+                              <p:cond delay="0"/>
+                            </p:stCondLst>
+                            <p:childTnLst>
+                              <p:par>
+                                <p:cTn id="25" presetID="1" presetClass="entr" presetSubtype="0" fill="hold" nodeType="clickEffect">
+                                  <p:stCondLst>
+                                    <p:cond delay="0"/>
+                                  </p:stCondLst>
+                                  <p:childTnLst>
+                                    <p:set>
+                                      <p:cBhvr>
+                                        <p:cTn id="26" dur="1" fill="hold">
+                                          <p:stCondLst>
+                                            <p:cond delay="0"/>
+                                          </p:stCondLst>
+                                        </p:cTn>
+                                        <p:tgtEl>
+                                          <p:spTgt spid="4"/>
+                                        </p:tgtEl>
+                                        <p:attrNameLst>
+                                          <p:attrName>style.visibility</p:attrName>
+                                        </p:attrNameLst>
+                                      </p:cBhvr>
+                                      <p:to>
+                                        <p:strVal val="visible"/>
+                                      </p:to>
+                                    </p:set>
+                                  </p:childTnLst>
+                                </p:cTn>
+                              </p:par>
+                            </p:childTnLst>
+                          </p:cTn>
+                        </p:par>
+                      </p:childTnLst>
+                    </p:cTn>
+                  </p:par>
+                  <p:par>
+                    <p:cTn id="27" fill="hold">
+                      <p:stCondLst>
+                        <p:cond delay="indefinite"/>
+                      </p:stCondLst>
+                      <p:childTnLst>
+                        <p:par>
+                          <p:cTn id="28" fill="hold">
+                            <p:stCondLst>
+                              <p:cond delay="0"/>
+                            </p:stCondLst>
+                            <p:childTnLst>
+                              <p:par>
+                                <p:cTn id="29" presetID="1" presetClass="entr" presetSubtype="0" fill="hold" nodeType="clickEffect">
+                                  <p:stCondLst>
+                                    <p:cond delay="0"/>
+                                  </p:stCondLst>
+                                  <p:childTnLst>
+                                    <p:set>
+                                      <p:cBhvr>
+                                        <p:cTn id="30" dur="1" fill="hold">
+                                          <p:stCondLst>
+                                            <p:cond delay="0"/>
+                                          </p:stCondLst>
+                                        </p:cTn>
+                                        <p:tgtEl>
+                                          <p:spTgt spid="7"/>
+                                        </p:tgtEl>
+                                        <p:attrNameLst>
+                                          <p:attrName>style.visibility</p:attrName>
+                                        </p:attrNameLst>
+                                      </p:cBhvr>
+                                      <p:to>
+                                        <p:strVal val="visible"/>
+                                      </p:to>
+                                    </p:set>
+                                  </p:childTnLst>
+                                </p:cTn>
+                              </p:par>
+                            </p:childTnLst>
+                          </p:cTn>
+                        </p:par>
+                      </p:childTnLst>
+                    </p:cTn>
+                  </p:par>
+                </p:childTnLst>
+              </p:cTn>
+              <p:prevCondLst>
+                <p:cond evt="onPrev" delay="0">
+                  <p:tgtEl>
+                    <p:sldTgt/>
+                  </p:tgtEl>
+                </p:cond>
+              </p:prevCondLst>
+              <p:nextCondLst>
+                <p:cond evt="onNext" delay="0">
+                  <p:tgtEl>
+                    <p:sldTgt/>
+                  </p:tgtEl>
+                </p:cond>
+              </p:nextCondLst>
+            </p:seq>
+          </p:childTnLst>
+        </p:cTn>
       </p:par>
     </p:tnLst>
   </p:timing>
@@ -27770,33 +29480,35 @@
                 <a:cs typeface="Courier New" pitchFamily="49" charset="0"/>
               </a:rPr>
             </a:br>
-            <a:r>
-              <a:rPr kumimoji="0" lang="ru-RU" sz="2800" b="0" i="0" u="none" strike="noStrike" cap="none" normalizeH="0" baseline="0" dirty="0" smtClean="0">
-                <a:ln>
-                  <a:noFill/>
-                </a:ln>
-                <a:solidFill>
-                  <a:srgbClr val="000000"/>
-                </a:solidFill>
-                <a:effectLst/>
-                <a:latin typeface="Courier New" pitchFamily="49" charset="0"/>
-                <a:cs typeface="Courier New" pitchFamily="49" charset="0"/>
-              </a:rPr>
-              <a:t/>
-            </a:r>
-            <a:br>
-              <a:rPr kumimoji="0" lang="ru-RU" sz="2800" b="0" i="0" u="none" strike="noStrike" cap="none" normalizeH="0" baseline="0" dirty="0" smtClean="0">
-                <a:ln>
-                  <a:noFill/>
-                </a:ln>
-                <a:solidFill>
-                  <a:srgbClr val="000000"/>
-                </a:solidFill>
-                <a:effectLst/>
-                <a:latin typeface="Courier New" pitchFamily="49" charset="0"/>
-                <a:cs typeface="Courier New" pitchFamily="49" charset="0"/>
-              </a:rPr>
-            </a:br>
+            <a:endParaRPr kumimoji="0" lang="en-US" sz="2800" b="0" i="0" u="none" strike="noStrike" cap="none" normalizeH="0" baseline="0" dirty="0" smtClean="0">
+              <a:ln>
+                <a:noFill/>
+              </a:ln>
+              <a:solidFill>
+                <a:srgbClr val="000000"/>
+              </a:solidFill>
+              <a:effectLst/>
+              <a:latin typeface="Courier New" pitchFamily="49" charset="0"/>
+              <a:cs typeface="Courier New" pitchFamily="49" charset="0"/>
+            </a:endParaRPr>
+          </a:p>
+          <a:p>
+            <a:pPr marL="0" marR="0" lvl="0" indent="0" algn="l" defTabSz="914400" rtl="0" eaLnBrk="1" fontAlgn="base" latinLnBrk="0" hangingPunct="1">
+              <a:lnSpc>
+                <a:spcPct val="100000"/>
+              </a:lnSpc>
+              <a:spcBef>
+                <a:spcPct val="0"/>
+              </a:spcBef>
+              <a:spcAft>
+                <a:spcPct val="0"/>
+              </a:spcAft>
+              <a:buClrTx/>
+              <a:buSzTx/>
+              <a:buFontTx/>
+              <a:buNone/>
+              <a:tabLst/>
+            </a:pPr>
             <a:r>
               <a:rPr kumimoji="0" lang="ru-RU" sz="2800" b="1" i="0" u="none" strike="noStrike" cap="none" normalizeH="0" baseline="0" dirty="0" err="1" smtClean="0">
                 <a:ln>
@@ -28054,6 +29766,27 @@
                 <a:spcPct val="0"/>
               </a:spcAft>
             </a:pPr>
+            <a:endParaRPr kumimoji="0" lang="en-US" sz="2800" b="0" i="0" u="none" strike="noStrike" cap="none" normalizeH="0" baseline="0" dirty="0" smtClean="0">
+              <a:ln>
+                <a:noFill/>
+              </a:ln>
+              <a:solidFill>
+                <a:srgbClr val="000000"/>
+              </a:solidFill>
+              <a:effectLst/>
+              <a:latin typeface="Courier New" pitchFamily="49" charset="0"/>
+              <a:cs typeface="Courier New" pitchFamily="49" charset="0"/>
+            </a:endParaRPr>
+          </a:p>
+          <a:p>
+            <a:pPr lvl="0" fontAlgn="base">
+              <a:spcBef>
+                <a:spcPct val="0"/>
+              </a:spcBef>
+              <a:spcAft>
+                <a:spcPct val="0"/>
+              </a:spcAft>
+            </a:pPr>
             <a:r>
               <a:rPr kumimoji="0" lang="ru-RU" sz="2800" b="0" i="0" u="none" strike="noStrike" cap="none" normalizeH="0" baseline="0" dirty="0" smtClean="0">
                 <a:ln>
@@ -28066,7 +29799,7 @@
                 <a:latin typeface="Courier New" pitchFamily="49" charset="0"/>
                 <a:cs typeface="Courier New" pitchFamily="49" charset="0"/>
               </a:rPr>
-              <a:t/>
+              <a:t>obj1 = A()</a:t>
             </a:r>
             <a:br>
               <a:rPr kumimoji="0" lang="ru-RU" sz="2800" b="0" i="0" u="none" strike="noStrike" cap="none" normalizeH="0" baseline="0" dirty="0" smtClean="0">
@@ -28093,7 +29826,7 @@
                 <a:latin typeface="Courier New" pitchFamily="49" charset="0"/>
                 <a:cs typeface="Courier New" pitchFamily="49" charset="0"/>
               </a:rPr>
-              <a:t>obj1 = A()</a:t>
+              <a:t>obj2 = B()</a:t>
             </a:r>
             <a:br>
               <a:rPr kumimoji="0" lang="ru-RU" sz="2800" b="0" i="0" u="none" strike="noStrike" cap="none" normalizeH="0" baseline="0" dirty="0" smtClean="0">
@@ -28108,60 +29841,27 @@
                 <a:cs typeface="Courier New" pitchFamily="49" charset="0"/>
               </a:rPr>
             </a:br>
-            <a:r>
-              <a:rPr kumimoji="0" lang="ru-RU" sz="2800" b="0" i="0" u="none" strike="noStrike" cap="none" normalizeH="0" baseline="0" dirty="0" smtClean="0">
-                <a:ln>
-                  <a:noFill/>
-                </a:ln>
-                <a:solidFill>
-                  <a:srgbClr val="000000"/>
-                </a:solidFill>
-                <a:effectLst/>
-                <a:latin typeface="Courier New" pitchFamily="49" charset="0"/>
-                <a:cs typeface="Courier New" pitchFamily="49" charset="0"/>
-              </a:rPr>
-              <a:t>obj2 = B()</a:t>
-            </a:r>
-            <a:br>
-              <a:rPr kumimoji="0" lang="ru-RU" sz="2800" b="0" i="0" u="none" strike="noStrike" cap="none" normalizeH="0" baseline="0" dirty="0" smtClean="0">
-                <a:ln>
-                  <a:noFill/>
-                </a:ln>
-                <a:solidFill>
-                  <a:srgbClr val="000000"/>
-                </a:solidFill>
-                <a:effectLst/>
-                <a:latin typeface="Courier New" pitchFamily="49" charset="0"/>
-                <a:cs typeface="Courier New" pitchFamily="49" charset="0"/>
-              </a:rPr>
-            </a:br>
-            <a:r>
-              <a:rPr kumimoji="0" lang="ru-RU" sz="2800" b="0" i="0" u="none" strike="noStrike" cap="none" normalizeH="0" baseline="0" dirty="0" smtClean="0">
-                <a:ln>
-                  <a:noFill/>
-                </a:ln>
-                <a:solidFill>
-                  <a:srgbClr val="000000"/>
-                </a:solidFill>
-                <a:effectLst/>
-                <a:latin typeface="Courier New" pitchFamily="49" charset="0"/>
-                <a:cs typeface="Courier New" pitchFamily="49" charset="0"/>
-              </a:rPr>
-              <a:t/>
-            </a:r>
-            <a:br>
-              <a:rPr kumimoji="0" lang="ru-RU" sz="2800" b="0" i="0" u="none" strike="noStrike" cap="none" normalizeH="0" baseline="0" dirty="0" smtClean="0">
-                <a:ln>
-                  <a:noFill/>
-                </a:ln>
-                <a:solidFill>
-                  <a:srgbClr val="000000"/>
-                </a:solidFill>
-                <a:effectLst/>
-                <a:latin typeface="Courier New" pitchFamily="49" charset="0"/>
-                <a:cs typeface="Courier New" pitchFamily="49" charset="0"/>
-              </a:rPr>
-            </a:br>
+            <a:endParaRPr kumimoji="0" lang="en-US" sz="2800" b="0" i="0" u="none" strike="noStrike" cap="none" normalizeH="0" baseline="0" dirty="0" smtClean="0">
+              <a:ln>
+                <a:noFill/>
+              </a:ln>
+              <a:solidFill>
+                <a:srgbClr val="000000"/>
+              </a:solidFill>
+              <a:effectLst/>
+              <a:latin typeface="Courier New" pitchFamily="49" charset="0"/>
+              <a:cs typeface="Courier New" pitchFamily="49" charset="0"/>
+            </a:endParaRPr>
+          </a:p>
+          <a:p>
+            <a:pPr lvl="0" fontAlgn="base">
+              <a:spcBef>
+                <a:spcPct val="0"/>
+              </a:spcBef>
+              <a:spcAft>
+                <a:spcPct val="0"/>
+              </a:spcAft>
+            </a:pPr>
             <a:r>
               <a:rPr kumimoji="0" lang="ru-RU" sz="2800" b="0" i="0" u="none" strike="noStrike" cap="none" normalizeH="0" baseline="0" dirty="0" smtClean="0">
                 <a:ln>
@@ -28434,7 +30134,7 @@
                             </p:stCondLst>
                             <p:childTnLst>
                               <p:par>
-                                <p:cTn id="5" presetID="1" presetClass="entr" presetSubtype="0" fill="hold" grpId="0" nodeType="clickEffect">
+                                <p:cTn id="5" presetID="1" presetClass="entr" presetSubtype="0" fill="hold" nodeType="clickEffect">
                                   <p:stCondLst>
                                     <p:cond delay="0"/>
                                   </p:stCondLst>
@@ -28442,6 +30142,233 @@
                                     <p:set>
                                       <p:cBhvr>
                                         <p:cTn id="6" dur="1" fill="hold">
+                                          <p:stCondLst>
+                                            <p:cond delay="0"/>
+                                          </p:stCondLst>
+                                        </p:cTn>
+                                        <p:tgtEl>
+                                          <p:spTgt spid="3">
+                                            <p:txEl>
+                                              <p:pRg st="0" end="0"/>
+                                            </p:txEl>
+                                          </p:spTgt>
+                                        </p:tgtEl>
+                                        <p:attrNameLst>
+                                          <p:attrName>style.visibility</p:attrName>
+                                        </p:attrNameLst>
+                                      </p:cBhvr>
+                                      <p:to>
+                                        <p:strVal val="visible"/>
+                                      </p:to>
+                                    </p:set>
+                                  </p:childTnLst>
+                                </p:cTn>
+                              </p:par>
+                            </p:childTnLst>
+                          </p:cTn>
+                        </p:par>
+                      </p:childTnLst>
+                    </p:cTn>
+                  </p:par>
+                  <p:par>
+                    <p:cTn id="7" fill="hold">
+                      <p:stCondLst>
+                        <p:cond delay="indefinite"/>
+                      </p:stCondLst>
+                      <p:childTnLst>
+                        <p:par>
+                          <p:cTn id="8" fill="hold">
+                            <p:stCondLst>
+                              <p:cond delay="0"/>
+                            </p:stCondLst>
+                            <p:childTnLst>
+                              <p:par>
+                                <p:cTn id="9" presetID="1" presetClass="entr" presetSubtype="0" fill="hold" nodeType="clickEffect">
+                                  <p:stCondLst>
+                                    <p:cond delay="0"/>
+                                  </p:stCondLst>
+                                  <p:childTnLst>
+                                    <p:set>
+                                      <p:cBhvr>
+                                        <p:cTn id="10" dur="1" fill="hold">
+                                          <p:stCondLst>
+                                            <p:cond delay="0"/>
+                                          </p:stCondLst>
+                                        </p:cTn>
+                                        <p:tgtEl>
+                                          <p:spTgt spid="3">
+                                            <p:txEl>
+                                              <p:pRg st="1" end="1"/>
+                                            </p:txEl>
+                                          </p:spTgt>
+                                        </p:tgtEl>
+                                        <p:attrNameLst>
+                                          <p:attrName>style.visibility</p:attrName>
+                                        </p:attrNameLst>
+                                      </p:cBhvr>
+                                      <p:to>
+                                        <p:strVal val="visible"/>
+                                      </p:to>
+                                    </p:set>
+                                  </p:childTnLst>
+                                </p:cTn>
+                              </p:par>
+                              <p:par>
+                                <p:cTn id="11" presetID="1" presetClass="entr" presetSubtype="0" fill="hold" nodeType="withEffect">
+                                  <p:stCondLst>
+                                    <p:cond delay="0"/>
+                                  </p:stCondLst>
+                                  <p:childTnLst>
+                                    <p:set>
+                                      <p:cBhvr>
+                                        <p:cTn id="12" dur="1" fill="hold">
+                                          <p:stCondLst>
+                                            <p:cond delay="0"/>
+                                          </p:stCondLst>
+                                        </p:cTn>
+                                        <p:tgtEl>
+                                          <p:spTgt spid="3">
+                                            <p:txEl>
+                                              <p:pRg st="2" end="2"/>
+                                            </p:txEl>
+                                          </p:spTgt>
+                                        </p:tgtEl>
+                                        <p:attrNameLst>
+                                          <p:attrName>style.visibility</p:attrName>
+                                        </p:attrNameLst>
+                                      </p:cBhvr>
+                                      <p:to>
+                                        <p:strVal val="visible"/>
+                                      </p:to>
+                                    </p:set>
+                                  </p:childTnLst>
+                                </p:cTn>
+                              </p:par>
+                            </p:childTnLst>
+                          </p:cTn>
+                        </p:par>
+                      </p:childTnLst>
+                    </p:cTn>
+                  </p:par>
+                  <p:par>
+                    <p:cTn id="13" fill="hold">
+                      <p:stCondLst>
+                        <p:cond delay="indefinite"/>
+                      </p:stCondLst>
+                      <p:childTnLst>
+                        <p:par>
+                          <p:cTn id="14" fill="hold">
+                            <p:stCondLst>
+                              <p:cond delay="0"/>
+                            </p:stCondLst>
+                            <p:childTnLst>
+                              <p:par>
+                                <p:cTn id="15" presetID="1" presetClass="entr" presetSubtype="0" fill="hold" nodeType="clickEffect">
+                                  <p:stCondLst>
+                                    <p:cond delay="0"/>
+                                  </p:stCondLst>
+                                  <p:childTnLst>
+                                    <p:set>
+                                      <p:cBhvr>
+                                        <p:cTn id="16" dur="1" fill="hold">
+                                          <p:stCondLst>
+                                            <p:cond delay="0"/>
+                                          </p:stCondLst>
+                                        </p:cTn>
+                                        <p:tgtEl>
+                                          <p:spTgt spid="3">
+                                            <p:txEl>
+                                              <p:pRg st="4" end="4"/>
+                                            </p:txEl>
+                                          </p:spTgt>
+                                        </p:tgtEl>
+                                        <p:attrNameLst>
+                                          <p:attrName>style.visibility</p:attrName>
+                                        </p:attrNameLst>
+                                      </p:cBhvr>
+                                      <p:to>
+                                        <p:strVal val="visible"/>
+                                      </p:to>
+                                    </p:set>
+                                  </p:childTnLst>
+                                </p:cTn>
+                              </p:par>
+                            </p:childTnLst>
+                          </p:cTn>
+                        </p:par>
+                      </p:childTnLst>
+                    </p:cTn>
+                  </p:par>
+                  <p:par>
+                    <p:cTn id="17" fill="hold">
+                      <p:stCondLst>
+                        <p:cond delay="indefinite"/>
+                      </p:stCondLst>
+                      <p:childTnLst>
+                        <p:par>
+                          <p:cTn id="18" fill="hold">
+                            <p:stCondLst>
+                              <p:cond delay="0"/>
+                            </p:stCondLst>
+                            <p:childTnLst>
+                              <p:par>
+                                <p:cTn id="19" presetID="1" presetClass="entr" presetSubtype="0" fill="hold" nodeType="clickEffect">
+                                  <p:stCondLst>
+                                    <p:cond delay="0"/>
+                                  </p:stCondLst>
+                                  <p:childTnLst>
+                                    <p:set>
+                                      <p:cBhvr>
+                                        <p:cTn id="20" dur="1" fill="hold">
+                                          <p:stCondLst>
+                                            <p:cond delay="0"/>
+                                          </p:stCondLst>
+                                        </p:cTn>
+                                        <p:tgtEl>
+                                          <p:spTgt spid="3">
+                                            <p:txEl>
+                                              <p:pRg st="5" end="5"/>
+                                            </p:txEl>
+                                          </p:spTgt>
+                                        </p:tgtEl>
+                                        <p:attrNameLst>
+                                          <p:attrName>style.visibility</p:attrName>
+                                        </p:attrNameLst>
+                                      </p:cBhvr>
+                                      <p:to>
+                                        <p:strVal val="visible"/>
+                                      </p:to>
+                                    </p:set>
+                                  </p:childTnLst>
+                                </p:cTn>
+                              </p:par>
+                            </p:childTnLst>
+                          </p:cTn>
+                        </p:par>
+                      </p:childTnLst>
+                    </p:cTn>
+                  </p:par>
+                  <p:par>
+                    <p:cTn id="21" fill="hold">
+                      <p:stCondLst>
+                        <p:cond delay="indefinite"/>
+                      </p:stCondLst>
+                      <p:childTnLst>
+                        <p:par>
+                          <p:cTn id="22" fill="hold">
+                            <p:stCondLst>
+                              <p:cond delay="0"/>
+                            </p:stCondLst>
+                            <p:childTnLst>
+                              <p:par>
+                                <p:cTn id="23" presetID="1" presetClass="entr" presetSubtype="0" fill="hold" grpId="0" nodeType="clickEffect">
+                                  <p:stCondLst>
+                                    <p:cond delay="0"/>
+                                  </p:stCondLst>
+                                  <p:childTnLst>
+                                    <p:set>
+                                      <p:cBhvr>
+                                        <p:cTn id="24" dur="1" fill="hold">
                                           <p:stCondLst>
                                             <p:cond delay="0"/>
                                           </p:stCondLst>
@@ -28461,14 +30388,14 @@
                                 </p:cTn>
                               </p:par>
                               <p:par>
-                                <p:cTn id="7" presetID="1" presetClass="entr" presetSubtype="0" fill="hold" nodeType="withEffect">
+                                <p:cTn id="25" presetID="1" presetClass="entr" presetSubtype="0" fill="hold" nodeType="withEffect">
                                   <p:stCondLst>
                                     <p:cond delay="0"/>
                                   </p:stCondLst>
                                   <p:childTnLst>
                                     <p:set>
                                       <p:cBhvr>
-                                        <p:cTn id="8" dur="1" fill="hold">
+                                        <p:cTn id="26" dur="1" fill="hold">
                                           <p:stCondLst>
                                             <p:cond delay="0"/>
                                           </p:stCondLst>
@@ -28488,14 +30415,14 @@
                                 </p:cTn>
                               </p:par>
                               <p:par>
-                                <p:cTn id="9" presetID="1" presetClass="entr" presetSubtype="0" fill="hold" grpId="0" nodeType="withEffect">
+                                <p:cTn id="27" presetID="1" presetClass="entr" presetSubtype="0" fill="hold" grpId="0" nodeType="withEffect">
                                   <p:stCondLst>
                                     <p:cond delay="0"/>
                                   </p:stCondLst>
                                   <p:childTnLst>
                                     <p:set>
                                       <p:cBhvr>
-                                        <p:cTn id="10" dur="1" fill="hold">
+                                        <p:cTn id="28" dur="1" fill="hold">
                                           <p:stCondLst>
                                             <p:cond delay="0"/>
                                           </p:stCondLst>

--- a/week09/polimorphism.pptx
+++ b/week09/polimorphism.pptx
@@ -7,7 +7,7 @@
     <p:sldMasterId id="2147483731" r:id="rId3"/>
   </p:sldMasterIdLst>
   <p:notesMasterIdLst>
-    <p:notesMasterId r:id="rId24"/>
+    <p:notesMasterId r:id="rId25"/>
   </p:notesMasterIdLst>
   <p:sldIdLst>
     <p:sldId id="285" r:id="rId4"/>
@@ -26,20 +26,21 @@
     <p:sldId id="369" r:id="rId17"/>
     <p:sldId id="370" r:id="rId18"/>
     <p:sldId id="371" r:id="rId19"/>
-    <p:sldId id="372" r:id="rId20"/>
-    <p:sldId id="373" r:id="rId21"/>
-    <p:sldId id="374" r:id="rId22"/>
-    <p:sldId id="375" r:id="rId23"/>
+    <p:sldId id="373" r:id="rId20"/>
+    <p:sldId id="374" r:id="rId21"/>
+    <p:sldId id="375" r:id="rId22"/>
+    <p:sldId id="384" r:id="rId23"/>
+    <p:sldId id="385" r:id="rId24"/>
   </p:sldIdLst>
   <p:sldSz cx="16256000" cy="9144000"/>
   <p:notesSz cx="6858000" cy="9144000"/>
   <p:embeddedFontLst>
     <p:embeddedFont>
       <p:font typeface="Cabin" panose="020B0604020202020204" charset="0"/>
-      <p:regular r:id="rId25"/>
-      <p:bold r:id="rId26"/>
-      <p:italic r:id="rId27"/>
-      <p:boldItalic r:id="rId28"/>
+      <p:regular r:id="rId26"/>
+      <p:bold r:id="rId27"/>
+      <p:italic r:id="rId28"/>
+      <p:boldItalic r:id="rId29"/>
     </p:embeddedFont>
   </p:embeddedFontLst>
   <p:defaultTextStyle>
@@ -246,7 +247,7 @@
   </p:defaultTextStyle>
   <p:extLst>
     <p:ext uri="{EFAFB233-063F-42B5-8137-9DF3F51BA10A}">
-      <p15:sldGuideLst xmlns="" xmlns:p15="http://schemas.microsoft.com/office/powerpoint/2012/main">
+      <p15:sldGuideLst xmlns:p15="http://schemas.microsoft.com/office/powerpoint/2012/main">
         <p15:guide id="1" orient="horz" pos="2880">
           <p15:clr>
             <a:srgbClr val="A4A3A4"/>
@@ -1183,7 +1184,7 @@
     </p:spTree>
     <p:extLst>
       <p:ext uri="{BB962C8B-B14F-4D97-AF65-F5344CB8AC3E}">
-        <p14:creationId xmlns:p14="http://schemas.microsoft.com/office/powerpoint/2010/main" val="2374777737"/>
+        <p14:creationId xmlns:p14="http://schemas.microsoft.com/office/powerpoint/2010/main" val="933952142"/>
       </p:ext>
     </p:extLst>
   </p:cSld>
@@ -1194,116 +1195,6 @@
 </file>
 
 <file path=ppt/notesSlides/notesSlide15.xml><?xml version="1.0" encoding="utf-8"?>
-<p:notes xmlns:a="http://schemas.openxmlformats.org/drawingml/2006/main" xmlns:r="http://schemas.openxmlformats.org/officeDocument/2006/relationships" xmlns:p="http://schemas.openxmlformats.org/presentationml/2006/main" showMasterSp="0" showMasterPhAnim="0">
-  <p:cSld>
-    <p:spTree>
-      <p:nvGrpSpPr>
-        <p:cNvPr id="1" name="Shape 209"/>
-        <p:cNvGrpSpPr/>
-        <p:nvPr/>
-      </p:nvGrpSpPr>
-      <p:grpSpPr>
-        <a:xfrm>
-          <a:off x="0" y="0"/>
-          <a:ext cx="0" cy="0"/>
-          <a:chOff x="0" y="0"/>
-          <a:chExt cx="0" cy="0"/>
-        </a:xfrm>
-      </p:grpSpPr>
-      <p:sp>
-        <p:nvSpPr>
-          <p:cNvPr id="210" name="Shape 210"/>
-          <p:cNvSpPr txBox="1">
-            <a:spLocks noGrp="1"/>
-          </p:cNvSpPr>
-          <p:nvPr>
-            <p:ph type="body" idx="1"/>
-          </p:nvPr>
-        </p:nvSpPr>
-        <p:spPr>
-          <a:xfrm>
-            <a:off x="685800" y="4343400"/>
-            <a:ext cx="5486399" cy="4114800"/>
-          </a:xfrm>
-          <a:prstGeom prst="rect">
-            <a:avLst/>
-          </a:prstGeom>
-          <a:noFill/>
-          <a:ln>
-            <a:noFill/>
-          </a:ln>
-        </p:spPr>
-        <p:txBody>
-          <a:bodyPr lIns="91425" tIns="91425" rIns="91425" bIns="91425" anchor="ctr" anchorCtr="0">
-            <a:noAutofit/>
-          </a:bodyPr>
-          <a:lstStyle/>
-          <a:p>
-            <a:pPr lvl="0">
-              <a:spcBef>
-                <a:spcPts val="0"/>
-              </a:spcBef>
-              <a:buNone/>
-            </a:pPr>
-            <a:endParaRPr/>
-          </a:p>
-        </p:txBody>
-      </p:sp>
-      <p:sp>
-        <p:nvSpPr>
-          <p:cNvPr id="211" name="Shape 211"/>
-          <p:cNvSpPr>
-            <a:spLocks noGrp="1" noRot="1" noChangeAspect="1"/>
-          </p:cNvSpPr>
-          <p:nvPr>
-            <p:ph type="sldImg" idx="2"/>
-          </p:nvPr>
-        </p:nvSpPr>
-        <p:spPr>
-          <a:xfrm>
-            <a:off x="381000" y="685800"/>
-            <a:ext cx="6096000" cy="3429000"/>
-          </a:xfrm>
-          <a:custGeom>
-            <a:avLst/>
-            <a:gdLst/>
-            <a:ahLst/>
-            <a:cxnLst/>
-            <a:rect l="0" t="0" r="0" b="0"/>
-            <a:pathLst>
-              <a:path w="120000" h="120000" extrusionOk="0">
-                <a:moveTo>
-                  <a:pt x="0" y="0"/>
-                </a:moveTo>
-                <a:lnTo>
-                  <a:pt x="120000" y="0"/>
-                </a:lnTo>
-                <a:lnTo>
-                  <a:pt x="120000" y="120000"/>
-                </a:lnTo>
-                <a:lnTo>
-                  <a:pt x="0" y="120000"/>
-                </a:lnTo>
-                <a:close/>
-              </a:path>
-            </a:pathLst>
-          </a:custGeom>
-        </p:spPr>
-      </p:sp>
-    </p:spTree>
-    <p:extLst>
-      <p:ext uri="{BB962C8B-B14F-4D97-AF65-F5344CB8AC3E}">
-        <p14:creationId xmlns:p14="http://schemas.microsoft.com/office/powerpoint/2010/main" val="933952142"/>
-      </p:ext>
-    </p:extLst>
-  </p:cSld>
-  <p:clrMapOvr>
-    <a:masterClrMapping/>
-  </p:clrMapOvr>
-</p:notes>
-</file>
-
-<file path=ppt/notesSlides/notesSlide16.xml><?xml version="1.0" encoding="utf-8"?>
 <p:notes xmlns:a="http://schemas.openxmlformats.org/drawingml/2006/main" xmlns:r="http://schemas.openxmlformats.org/officeDocument/2006/relationships" xmlns:p="http://schemas.openxmlformats.org/presentationml/2006/main" showMasterSp="0" showMasterPhAnim="0">
   <p:cSld>
     <p:spTree>
@@ -1413,7 +1304,7 @@
 </p:notes>
 </file>
 
-<file path=ppt/notesSlides/notesSlide17.xml><?xml version="1.0" encoding="utf-8"?>
+<file path=ppt/notesSlides/notesSlide16.xml><?xml version="1.0" encoding="utf-8"?>
 <p:notes xmlns:a="http://schemas.openxmlformats.org/drawingml/2006/main" xmlns:r="http://schemas.openxmlformats.org/officeDocument/2006/relationships" xmlns:p="http://schemas.openxmlformats.org/presentationml/2006/main" showMasterSp="0" showMasterPhAnim="0">
   <p:cSld>
     <p:spTree>
@@ -1514,6 +1405,226 @@
     <p:extLst>
       <p:ext uri="{BB962C8B-B14F-4D97-AF65-F5344CB8AC3E}">
         <p14:creationId xmlns:p14="http://schemas.microsoft.com/office/powerpoint/2010/main" val="414564734"/>
+      </p:ext>
+    </p:extLst>
+  </p:cSld>
+  <p:clrMapOvr>
+    <a:masterClrMapping/>
+  </p:clrMapOvr>
+</p:notes>
+</file>
+
+<file path=ppt/notesSlides/notesSlide17.xml><?xml version="1.0" encoding="utf-8"?>
+<p:notes xmlns:a="http://schemas.openxmlformats.org/drawingml/2006/main" xmlns:r="http://schemas.openxmlformats.org/officeDocument/2006/relationships" xmlns:p="http://schemas.openxmlformats.org/presentationml/2006/main" showMasterSp="0" showMasterPhAnim="0">
+  <p:cSld>
+    <p:spTree>
+      <p:nvGrpSpPr>
+        <p:cNvPr id="1" name="Shape 209"/>
+        <p:cNvGrpSpPr/>
+        <p:nvPr/>
+      </p:nvGrpSpPr>
+      <p:grpSpPr>
+        <a:xfrm>
+          <a:off x="0" y="0"/>
+          <a:ext cx="0" cy="0"/>
+          <a:chOff x="0" y="0"/>
+          <a:chExt cx="0" cy="0"/>
+        </a:xfrm>
+      </p:grpSpPr>
+      <p:sp>
+        <p:nvSpPr>
+          <p:cNvPr id="210" name="Shape 210"/>
+          <p:cNvSpPr txBox="1">
+            <a:spLocks noGrp="1"/>
+          </p:cNvSpPr>
+          <p:nvPr>
+            <p:ph type="body" idx="1"/>
+          </p:nvPr>
+        </p:nvSpPr>
+        <p:spPr>
+          <a:xfrm>
+            <a:off x="685800" y="4343400"/>
+            <a:ext cx="5486399" cy="4114800"/>
+          </a:xfrm>
+          <a:prstGeom prst="rect">
+            <a:avLst/>
+          </a:prstGeom>
+          <a:noFill/>
+          <a:ln>
+            <a:noFill/>
+          </a:ln>
+        </p:spPr>
+        <p:txBody>
+          <a:bodyPr lIns="91425" tIns="91425" rIns="91425" bIns="91425" anchor="ctr" anchorCtr="0">
+            <a:noAutofit/>
+          </a:bodyPr>
+          <a:lstStyle/>
+          <a:p>
+            <a:pPr lvl="0">
+              <a:spcBef>
+                <a:spcPts val="0"/>
+              </a:spcBef>
+              <a:buNone/>
+            </a:pPr>
+            <a:endParaRPr/>
+          </a:p>
+        </p:txBody>
+      </p:sp>
+      <p:sp>
+        <p:nvSpPr>
+          <p:cNvPr id="211" name="Shape 211"/>
+          <p:cNvSpPr>
+            <a:spLocks noGrp="1" noRot="1" noChangeAspect="1"/>
+          </p:cNvSpPr>
+          <p:nvPr>
+            <p:ph type="sldImg" idx="2"/>
+          </p:nvPr>
+        </p:nvSpPr>
+        <p:spPr>
+          <a:xfrm>
+            <a:off x="381000" y="685800"/>
+            <a:ext cx="6096000" cy="3429000"/>
+          </a:xfrm>
+          <a:custGeom>
+            <a:avLst/>
+            <a:gdLst/>
+            <a:ahLst/>
+            <a:cxnLst/>
+            <a:rect l="0" t="0" r="0" b="0"/>
+            <a:pathLst>
+              <a:path w="120000" h="120000" extrusionOk="0">
+                <a:moveTo>
+                  <a:pt x="0" y="0"/>
+                </a:moveTo>
+                <a:lnTo>
+                  <a:pt x="120000" y="0"/>
+                </a:lnTo>
+                <a:lnTo>
+                  <a:pt x="120000" y="120000"/>
+                </a:lnTo>
+                <a:lnTo>
+                  <a:pt x="0" y="120000"/>
+                </a:lnTo>
+                <a:close/>
+              </a:path>
+            </a:pathLst>
+          </a:custGeom>
+        </p:spPr>
+      </p:sp>
+    </p:spTree>
+    <p:extLst>
+      <p:ext uri="{BB962C8B-B14F-4D97-AF65-F5344CB8AC3E}">
+        <p14:creationId xmlns:p14="http://schemas.microsoft.com/office/powerpoint/2010/main" val="3952506497"/>
+      </p:ext>
+    </p:extLst>
+  </p:cSld>
+  <p:clrMapOvr>
+    <a:masterClrMapping/>
+  </p:clrMapOvr>
+</p:notes>
+</file>
+
+<file path=ppt/notesSlides/notesSlide18.xml><?xml version="1.0" encoding="utf-8"?>
+<p:notes xmlns:a="http://schemas.openxmlformats.org/drawingml/2006/main" xmlns:r="http://schemas.openxmlformats.org/officeDocument/2006/relationships" xmlns:p="http://schemas.openxmlformats.org/presentationml/2006/main" showMasterSp="0" showMasterPhAnim="0">
+  <p:cSld>
+    <p:spTree>
+      <p:nvGrpSpPr>
+        <p:cNvPr id="1" name="Shape 209"/>
+        <p:cNvGrpSpPr/>
+        <p:nvPr/>
+      </p:nvGrpSpPr>
+      <p:grpSpPr>
+        <a:xfrm>
+          <a:off x="0" y="0"/>
+          <a:ext cx="0" cy="0"/>
+          <a:chOff x="0" y="0"/>
+          <a:chExt cx="0" cy="0"/>
+        </a:xfrm>
+      </p:grpSpPr>
+      <p:sp>
+        <p:nvSpPr>
+          <p:cNvPr id="210" name="Shape 210"/>
+          <p:cNvSpPr txBox="1">
+            <a:spLocks noGrp="1"/>
+          </p:cNvSpPr>
+          <p:nvPr>
+            <p:ph type="body" idx="1"/>
+          </p:nvPr>
+        </p:nvSpPr>
+        <p:spPr>
+          <a:xfrm>
+            <a:off x="685800" y="4343400"/>
+            <a:ext cx="5486399" cy="4114800"/>
+          </a:xfrm>
+          <a:prstGeom prst="rect">
+            <a:avLst/>
+          </a:prstGeom>
+          <a:noFill/>
+          <a:ln>
+            <a:noFill/>
+          </a:ln>
+        </p:spPr>
+        <p:txBody>
+          <a:bodyPr lIns="91425" tIns="91425" rIns="91425" bIns="91425" anchor="ctr" anchorCtr="0">
+            <a:noAutofit/>
+          </a:bodyPr>
+          <a:lstStyle/>
+          <a:p>
+            <a:pPr lvl="0">
+              <a:spcBef>
+                <a:spcPts val="0"/>
+              </a:spcBef>
+              <a:buNone/>
+            </a:pPr>
+            <a:endParaRPr/>
+          </a:p>
+        </p:txBody>
+      </p:sp>
+      <p:sp>
+        <p:nvSpPr>
+          <p:cNvPr id="211" name="Shape 211"/>
+          <p:cNvSpPr>
+            <a:spLocks noGrp="1" noRot="1" noChangeAspect="1"/>
+          </p:cNvSpPr>
+          <p:nvPr>
+            <p:ph type="sldImg" idx="2"/>
+          </p:nvPr>
+        </p:nvSpPr>
+        <p:spPr>
+          <a:xfrm>
+            <a:off x="381000" y="685800"/>
+            <a:ext cx="6096000" cy="3429000"/>
+          </a:xfrm>
+          <a:custGeom>
+            <a:avLst/>
+            <a:gdLst/>
+            <a:ahLst/>
+            <a:cxnLst/>
+            <a:rect l="0" t="0" r="0" b="0"/>
+            <a:pathLst>
+              <a:path w="120000" h="120000" extrusionOk="0">
+                <a:moveTo>
+                  <a:pt x="0" y="0"/>
+                </a:moveTo>
+                <a:lnTo>
+                  <a:pt x="120000" y="0"/>
+                </a:lnTo>
+                <a:lnTo>
+                  <a:pt x="120000" y="120000"/>
+                </a:lnTo>
+                <a:lnTo>
+                  <a:pt x="0" y="120000"/>
+                </a:lnTo>
+                <a:close/>
+              </a:path>
+            </a:pathLst>
+          </a:custGeom>
+        </p:spPr>
+      </p:sp>
+    </p:spTree>
+    <p:extLst>
+      <p:ext uri="{BB962C8B-B14F-4D97-AF65-F5344CB8AC3E}">
+        <p14:creationId xmlns:p14="http://schemas.microsoft.com/office/powerpoint/2010/main" val="724873081"/>
       </p:ext>
     </p:extLst>
   </p:cSld>
@@ -13280,15 +13391,7 @@
                   <a:schemeClr val="tx1"/>
                 </a:solidFill>
               </a:rPr>
-              <a:t>Лекция </a:t>
-            </a:r>
-            <a:r>
-              <a:rPr lang="ru-RU" sz="3200" dirty="0" smtClean="0">
-                <a:solidFill>
-                  <a:schemeClr val="tx1"/>
-                </a:solidFill>
-              </a:rPr>
-              <a:t>1</a:t>
+              <a:t>Лекция 1</a:t>
             </a:r>
             <a:r>
               <a:rPr lang="en-US" sz="3200" smtClean="0">
@@ -21533,16 +21636,105 @@
             </a:r>
             <a:r>
               <a:rPr lang="ru-RU" sz="3200" dirty="0"/>
-              <a:t>вызывается, когда атрибут экземпляра класса не найден в обычных местах (например, у экземпляра нет метода с таким названием).</a:t>
-            </a:r>
-            <a:endParaRPr lang="en-US" sz="3200" dirty="0"/>
+              <a:t>вызывается, когда атрибут экземпляра класса не найден в обычных местах (например, у экземпляра нет метода с таким названием</a:t>
+            </a:r>
+            <a:r>
+              <a:rPr lang="ru-RU" sz="3200" dirty="0" smtClean="0"/>
+              <a:t>).</a:t>
+            </a:r>
+          </a:p>
+          <a:p>
+            <a:pPr marL="679324" indent="0">
+              <a:buClr>
+                <a:srgbClr val="FFFFFF"/>
+              </a:buClr>
+              <a:buFont typeface="Cabin"/>
+              <a:buNone/>
+            </a:pPr>
+            <a:r>
+              <a:rPr lang="en-US" sz="3200" dirty="0">
+                <a:solidFill>
+                  <a:srgbClr val="7030A0"/>
+                </a:solidFill>
+              </a:rPr>
+              <a:t>__</a:t>
+            </a:r>
+            <a:r>
+              <a:rPr lang="en-US" sz="3200" dirty="0" err="1">
+                <a:solidFill>
+                  <a:srgbClr val="7030A0"/>
+                </a:solidFill>
+              </a:rPr>
+              <a:t>setattr</a:t>
+            </a:r>
+            <a:r>
+              <a:rPr lang="en-US" sz="3200" dirty="0">
+                <a:solidFill>
+                  <a:srgbClr val="7030A0"/>
+                </a:solidFill>
+              </a:rPr>
+              <a:t>__(self, name, value) </a:t>
+            </a:r>
+            <a:r>
+              <a:rPr lang="en-US" sz="3200" dirty="0"/>
+              <a:t>- </a:t>
+            </a:r>
+            <a:r>
+              <a:rPr lang="ru-RU" sz="3200" dirty="0"/>
+              <a:t>назначение атрибута.</a:t>
+            </a:r>
+          </a:p>
+          <a:p>
+            <a:pPr marL="679324" indent="0">
+              <a:buClr>
+                <a:srgbClr val="FFFFFF"/>
+              </a:buClr>
+              <a:buFont typeface="Cabin"/>
+              <a:buNone/>
+            </a:pPr>
+            <a:r>
+              <a:rPr lang="ru-RU" sz="3200" dirty="0" smtClean="0">
+                <a:solidFill>
+                  <a:srgbClr val="7030A0"/>
+                </a:solidFill>
+              </a:rPr>
+              <a:t>__</a:t>
+            </a:r>
+            <a:r>
+              <a:rPr lang="en-US" sz="3200" dirty="0" err="1">
+                <a:solidFill>
+                  <a:srgbClr val="7030A0"/>
+                </a:solidFill>
+              </a:rPr>
+              <a:t>delattr</a:t>
+            </a:r>
+            <a:r>
+              <a:rPr lang="en-US" sz="3200" dirty="0">
+                <a:solidFill>
+                  <a:srgbClr val="7030A0"/>
+                </a:solidFill>
+              </a:rPr>
+              <a:t>__(self, name) </a:t>
+            </a:r>
+            <a:r>
+              <a:rPr lang="en-US" sz="3200" dirty="0"/>
+              <a:t>- </a:t>
+            </a:r>
+            <a:r>
+              <a:rPr lang="ru-RU" sz="3200" dirty="0"/>
+              <a:t>удаление атрибута (</a:t>
+            </a:r>
+            <a:r>
+              <a:rPr lang="en-US" sz="3200" dirty="0"/>
+              <a:t>del obj.name).</a:t>
+            </a:r>
           </a:p>
         </p:txBody>
       </p:sp>
     </p:spTree>
     <p:extLst>
       <p:ext uri="{BB962C8B-B14F-4D97-AF65-F5344CB8AC3E}">
-        <p14:creationId xmlns:p14="http://schemas.microsoft.com/office/powerpoint/2010/main" val="1317265480"/>
+        <p14:creationId xmlns:p14="http://schemas.microsoft.com/office/powerpoint/2010/main" val="2040030091"/>
       </p:ext>
     </p:extLst>
   </p:cSld>
@@ -21915,62 +22107,33 @@
               <a:buNone/>
             </a:pPr>
             <a:r>
-              <a:rPr lang="ru-RU" sz="3200" dirty="0">
+              <a:rPr lang="en-US" sz="3200" dirty="0">
                 <a:solidFill>
                   <a:srgbClr val="7030A0"/>
                 </a:solidFill>
               </a:rPr>
-              <a:t>__</a:t>
-            </a:r>
-            <a:r>
-              <a:rPr lang="ru-RU" sz="3200" dirty="0" err="1">
+              <a:t>__call__(self[, </a:t>
+            </a:r>
+            <a:r>
+              <a:rPr lang="en-US" sz="3200" dirty="0" err="1">
                 <a:solidFill>
                   <a:srgbClr val="7030A0"/>
                 </a:solidFill>
               </a:rPr>
-              <a:t>hash</a:t>
-            </a:r>
-            <a:r>
-              <a:rPr lang="ru-RU" sz="3200" dirty="0">
+              <a:t>args</a:t>
+            </a:r>
+            <a:r>
+              <a:rPr lang="en-US" sz="3200" dirty="0">
                 <a:solidFill>
                   <a:srgbClr val="7030A0"/>
                 </a:solidFill>
               </a:rPr>
-              <a:t>__(</a:t>
-            </a:r>
-            <a:r>
-              <a:rPr lang="ru-RU" sz="3200" dirty="0" err="1">
-                <a:solidFill>
-                  <a:srgbClr val="7030A0"/>
-                </a:solidFill>
-              </a:rPr>
-              <a:t>self</a:t>
-            </a:r>
-            <a:r>
-              <a:rPr lang="ru-RU" sz="3200" dirty="0">
-                <a:solidFill>
-                  <a:srgbClr val="7030A0"/>
-                </a:solidFill>
-              </a:rPr>
-              <a:t>) </a:t>
+              <a:t>...]) - </a:t>
             </a:r>
             <a:r>
               <a:rPr lang="ru-RU" sz="3200" dirty="0"/>
-              <a:t>- получение </a:t>
-            </a:r>
-            <a:r>
-              <a:rPr lang="ru-RU" sz="3200" dirty="0" err="1"/>
-              <a:t>хэш</a:t>
-            </a:r>
-            <a:r>
-              <a:rPr lang="ru-RU" sz="3200" dirty="0"/>
-              <a:t>-суммы объекта, например, для добавления в словарь</a:t>
-            </a:r>
-            <a:r>
-              <a:rPr lang="ru-RU" sz="3200" dirty="0" smtClean="0"/>
-              <a:t>.</a:t>
-            </a:r>
-            <a:endParaRPr lang="ru-RU" sz="3200" dirty="0"/>
+              <a:t>вызов экземпляра класса как функции.</a:t>
+            </a:r>
           </a:p>
           <a:p>
             <a:pPr marL="679324" indent="0">
@@ -21981,62 +22144,41 @@
               <a:buNone/>
             </a:pPr>
             <a:r>
+              <a:rPr lang="ru-RU" sz="3200" dirty="0" smtClean="0">
+                <a:solidFill>
+                  <a:srgbClr val="7030A0"/>
+                </a:solidFill>
+              </a:rPr>
+              <a:t>__</a:t>
+            </a:r>
+            <a:r>
+              <a:rPr lang="en-US" sz="3200" dirty="0" err="1">
+                <a:solidFill>
+                  <a:srgbClr val="7030A0"/>
+                </a:solidFill>
+              </a:rPr>
+              <a:t>len</a:t>
+            </a:r>
+            <a:r>
+              <a:rPr lang="en-US" sz="3200" dirty="0">
+                <a:solidFill>
+                  <a:srgbClr val="7030A0"/>
+                </a:solidFill>
+              </a:rPr>
+              <a:t>__(self) - </a:t>
+            </a:r>
+            <a:r>
+              <a:rPr lang="ru-RU" sz="3200" dirty="0"/>
+              <a:t>длина объекта</a:t>
+            </a:r>
+            <a:r>
               <a:rPr lang="ru-RU" sz="3200" dirty="0">
                 <a:solidFill>
                   <a:srgbClr val="7030A0"/>
                 </a:solidFill>
               </a:rPr>
-              <a:t>__</a:t>
-            </a:r>
-            <a:r>
-              <a:rPr lang="ru-RU" sz="3200" dirty="0" err="1">
-                <a:solidFill>
-                  <a:srgbClr val="7030A0"/>
-                </a:solidFill>
-              </a:rPr>
-              <a:t>bool</a:t>
-            </a:r>
-            <a:r>
-              <a:rPr lang="ru-RU" sz="3200" dirty="0">
-                <a:solidFill>
-                  <a:srgbClr val="7030A0"/>
-                </a:solidFill>
-              </a:rPr>
-              <a:t>__(</a:t>
-            </a:r>
-            <a:r>
-              <a:rPr lang="ru-RU" sz="3200" dirty="0" err="1">
-                <a:solidFill>
-                  <a:srgbClr val="7030A0"/>
-                </a:solidFill>
-              </a:rPr>
-              <a:t>self</a:t>
-            </a:r>
-            <a:r>
-              <a:rPr lang="ru-RU" sz="3200" dirty="0">
-                <a:solidFill>
-                  <a:srgbClr val="7030A0"/>
-                </a:solidFill>
-              </a:rPr>
-              <a:t>) - </a:t>
-            </a:r>
-            <a:r>
-              <a:rPr lang="ru-RU" sz="3200" dirty="0"/>
-              <a:t>вызывается при проверке истинности. Если этот метод не определён, вызывается метод __</a:t>
-            </a:r>
-            <a:r>
-              <a:rPr lang="ru-RU" sz="3200" dirty="0" err="1"/>
-              <a:t>len</a:t>
-            </a:r>
-            <a:r>
-              <a:rPr lang="ru-RU" sz="3200" dirty="0"/>
-              <a:t>__ (объекты, имеющие ненулевую длину, считаются истинными</a:t>
-            </a:r>
-            <a:r>
-              <a:rPr lang="ru-RU" sz="3200" dirty="0" smtClean="0"/>
-              <a:t>).</a:t>
-            </a:r>
-            <a:endParaRPr lang="ru-RU" sz="3200" dirty="0"/>
+              <a:t>.</a:t>
+            </a:r>
           </a:p>
           <a:p>
             <a:pPr marL="679324" indent="0">
@@ -22047,7 +22189,7 @@
               <a:buNone/>
             </a:pPr>
             <a:r>
-              <a:rPr lang="ru-RU" sz="3200" dirty="0">
+              <a:rPr lang="ru-RU" sz="3200" dirty="0" smtClean="0">
                 <a:solidFill>
                   <a:srgbClr val="7030A0"/>
                 </a:solidFill>
@@ -22055,60 +22197,24 @@
               <a:t>__</a:t>
             </a:r>
             <a:r>
-              <a:rPr lang="ru-RU" sz="3200" dirty="0" err="1">
+              <a:rPr lang="en-US" sz="3200" dirty="0" err="1">
                 <a:solidFill>
                   <a:srgbClr val="7030A0"/>
                 </a:solidFill>
               </a:rPr>
-              <a:t>getattr</a:t>
-            </a:r>
-            <a:r>
-              <a:rPr lang="ru-RU" sz="3200" dirty="0">
+              <a:t>getitem</a:t>
+            </a:r>
+            <a:r>
+              <a:rPr lang="en-US" sz="3200" dirty="0">
                 <a:solidFill>
                   <a:srgbClr val="7030A0"/>
                 </a:solidFill>
               </a:rPr>
-              <a:t>__(</a:t>
-            </a:r>
-            <a:r>
-              <a:rPr lang="ru-RU" sz="3200" dirty="0" err="1">
-                <a:solidFill>
-                  <a:srgbClr val="7030A0"/>
-                </a:solidFill>
-              </a:rPr>
-              <a:t>self</a:t>
-            </a:r>
-            <a:r>
-              <a:rPr lang="ru-RU" sz="3200" dirty="0">
-                <a:solidFill>
-                  <a:srgbClr val="7030A0"/>
-                </a:solidFill>
-              </a:rPr>
-              <a:t>, </a:t>
-            </a:r>
-            <a:r>
-              <a:rPr lang="ru-RU" sz="3200" dirty="0" err="1">
-                <a:solidFill>
-                  <a:srgbClr val="7030A0"/>
-                </a:solidFill>
-              </a:rPr>
-              <a:t>name</a:t>
-            </a:r>
-            <a:r>
-              <a:rPr lang="ru-RU" sz="3200" dirty="0">
-                <a:solidFill>
-                  <a:srgbClr val="7030A0"/>
-                </a:solidFill>
-              </a:rPr>
-              <a:t>) - </a:t>
+              <a:t>__(self, key) - </a:t>
             </a:r>
             <a:r>
               <a:rPr lang="ru-RU" sz="3200" dirty="0"/>
-              <a:t>вызывается, когда атрибут экземпляра класса не найден в обычных местах (например, у экземпляра нет метода с таким названием</a:t>
-            </a:r>
-            <a:r>
-              <a:rPr lang="ru-RU" sz="3200" dirty="0" smtClean="0"/>
-              <a:t>).</a:t>
+              <a:t>доступ по индексу (или ключу).</a:t>
             </a:r>
           </a:p>
           <a:p>
@@ -22120,36 +22226,32 @@
               <a:buNone/>
             </a:pPr>
             <a:r>
+              <a:rPr lang="ru-RU" sz="3200" dirty="0" smtClean="0">
+                <a:solidFill>
+                  <a:srgbClr val="7030A0"/>
+                </a:solidFill>
+              </a:rPr>
+              <a:t>__</a:t>
+            </a:r>
+            <a:r>
+              <a:rPr lang="en-US" sz="3200" dirty="0" err="1">
+                <a:solidFill>
+                  <a:srgbClr val="7030A0"/>
+                </a:solidFill>
+              </a:rPr>
+              <a:t>setitem</a:t>
+            </a:r>
+            <a:r>
               <a:rPr lang="en-US" sz="3200" dirty="0">
                 <a:solidFill>
                   <a:srgbClr val="7030A0"/>
                 </a:solidFill>
               </a:rPr>
-              <a:t>__</a:t>
-            </a:r>
-            <a:r>
-              <a:rPr lang="en-US" sz="3200" dirty="0" err="1">
-                <a:solidFill>
-                  <a:srgbClr val="7030A0"/>
-                </a:solidFill>
-              </a:rPr>
-              <a:t>setattr</a:t>
-            </a:r>
-            <a:r>
-              <a:rPr lang="en-US" sz="3200" dirty="0">
-                <a:solidFill>
-                  <a:srgbClr val="7030A0"/>
-                </a:solidFill>
-              </a:rPr>
-              <a:t>__(self, name, value) </a:t>
-            </a:r>
-            <a:r>
-              <a:rPr lang="en-US" sz="3200" dirty="0"/>
-              <a:t>- </a:t>
+              <a:t>__(self, key, value) - </a:t>
             </a:r>
             <a:r>
               <a:rPr lang="ru-RU" sz="3200" dirty="0"/>
-              <a:t>назначение атрибута.</a:t>
+              <a:t>назначение элемента по индексу.</a:t>
             </a:r>
           </a:p>
           <a:p>
@@ -22174,7 +22276,7 @@
                   <a:srgbClr val="7030A0"/>
                 </a:solidFill>
               </a:rPr>
-              <a:t>delattr</a:t>
+              <a:t>delitem</a:t>
             </a:r>
             <a:r>
               <a:rPr lang="en-US" sz="3200" dirty="0">
@@ -22182,7 +22284,73 @@
                   <a:srgbClr val="7030A0"/>
                 </a:solidFill>
               </a:rPr>
-              <a:t>__(self, name) </a:t>
+              <a:t>__(self, key) - </a:t>
+            </a:r>
+            <a:r>
+              <a:rPr lang="ru-RU" sz="3200" dirty="0"/>
+              <a:t>удаление элемента по индексу.</a:t>
+            </a:r>
+          </a:p>
+          <a:p>
+            <a:pPr marL="679324" indent="0">
+              <a:buClr>
+                <a:srgbClr val="FFFFFF"/>
+              </a:buClr>
+              <a:buFont typeface="Cabin"/>
+              <a:buNone/>
+            </a:pPr>
+            <a:r>
+              <a:rPr lang="ru-RU" sz="3200" dirty="0" smtClean="0">
+                <a:solidFill>
+                  <a:srgbClr val="7030A0"/>
+                </a:solidFill>
+              </a:rPr>
+              <a:t>__</a:t>
+            </a:r>
+            <a:r>
+              <a:rPr lang="en-US" sz="3200" dirty="0" err="1">
+                <a:solidFill>
+                  <a:srgbClr val="7030A0"/>
+                </a:solidFill>
+              </a:rPr>
+              <a:t>iter</a:t>
+            </a:r>
+            <a:r>
+              <a:rPr lang="en-US" sz="3200" dirty="0">
+                <a:solidFill>
+                  <a:srgbClr val="7030A0"/>
+                </a:solidFill>
+              </a:rPr>
+              <a:t>__(self) - </a:t>
+            </a:r>
+            <a:r>
+              <a:rPr lang="ru-RU" sz="3200" dirty="0"/>
+              <a:t>возвращает итератор для контейнера.</a:t>
+            </a:r>
+          </a:p>
+          <a:p>
+            <a:pPr marL="679324" indent="0">
+              <a:buClr>
+                <a:srgbClr val="FFFFFF"/>
+              </a:buClr>
+              <a:buFont typeface="Cabin"/>
+              <a:buNone/>
+            </a:pPr>
+            <a:r>
+              <a:rPr lang="ru-RU" sz="3200" dirty="0" smtClean="0">
+                <a:solidFill>
+                  <a:srgbClr val="7030A0"/>
+                </a:solidFill>
+              </a:rPr>
+              <a:t>__</a:t>
+            </a:r>
+            <a:r>
+              <a:rPr lang="en-US" sz="3200" dirty="0">
+                <a:solidFill>
+                  <a:srgbClr val="7030A0"/>
+                </a:solidFill>
+              </a:rPr>
+              <a:t>reversed__(self) </a:t>
             </a:r>
             <a:r>
               <a:rPr lang="en-US" sz="3200" dirty="0"/>
@@ -22190,11 +22358,44 @@
             </a:r>
             <a:r>
               <a:rPr lang="ru-RU" sz="3200" dirty="0"/>
-              <a:t>удаление атрибута (</a:t>
+              <a:t>итератор из элементов, следующих в обратном порядке.</a:t>
+            </a:r>
+          </a:p>
+          <a:p>
+            <a:pPr marL="679324" indent="0">
+              <a:buClr>
+                <a:srgbClr val="FFFFFF"/>
+              </a:buClr>
+              <a:buFont typeface="Cabin"/>
+              <a:buNone/>
+            </a:pPr>
+            <a:r>
+              <a:rPr lang="ru-RU" sz="3200" dirty="0" smtClean="0">
+                <a:solidFill>
+                  <a:srgbClr val="7030A0"/>
+                </a:solidFill>
+              </a:rPr>
+              <a:t>__</a:t>
+            </a:r>
+            <a:r>
+              <a:rPr lang="en-US" sz="3200" dirty="0">
+                <a:solidFill>
+                  <a:srgbClr val="7030A0"/>
+                </a:solidFill>
+              </a:rPr>
+              <a:t>contains__(self, item) </a:t>
             </a:r>
             <a:r>
               <a:rPr lang="en-US" sz="3200" dirty="0"/>
-              <a:t>del obj.name).</a:t>
+              <a:t>- </a:t>
+            </a:r>
+            <a:r>
+              <a:rPr lang="ru-RU" sz="3200" dirty="0"/>
+              <a:t>проверка на принадлежность элемента контейнеру (</a:t>
+            </a:r>
+            <a:r>
+              <a:rPr lang="en-US" sz="3200" dirty="0"/>
+              <a:t>item in self).</a:t>
             </a:r>
           </a:p>
         </p:txBody>
@@ -22202,7 +22403,7 @@
     </p:spTree>
     <p:extLst>
       <p:ext uri="{BB962C8B-B14F-4D97-AF65-F5344CB8AC3E}">
-        <p14:creationId xmlns:p14="http://schemas.microsoft.com/office/powerpoint/2010/main" val="2040030091"/>
+        <p14:creationId xmlns:p14="http://schemas.microsoft.com/office/powerpoint/2010/main" val="3343206420"/>
       </p:ext>
     </p:extLst>
   </p:cSld>
@@ -22280,7 +22481,7 @@
               <a:buSzPct val="25000"/>
             </a:pPr>
             <a:r>
-              <a:rPr lang="ru-RU" sz="7800" dirty="0" smtClean="0">
+              <a:rPr lang="ru-RU" sz="7800" dirty="0">
                 <a:solidFill>
                   <a:srgbClr val="00FF00"/>
                 </a:solidFill>
@@ -22289,7 +22490,7 @@
                 <a:cs typeface="Cabin"/>
                 <a:sym typeface="Cabin"/>
               </a:rPr>
-              <a:t>Магические методы</a:t>
+              <a:t>Перегрузка арифметических операторов</a:t>
             </a:r>
             <a:endParaRPr lang="en-US" sz="7800" dirty="0">
               <a:solidFill>
@@ -22313,7 +22514,7 @@
         </p:nvSpPr>
         <p:spPr>
           <a:xfrm>
-            <a:off x="1123582" y="2054697"/>
+            <a:off x="1035447" y="2286000"/>
             <a:ext cx="13958371" cy="6526218"/>
           </a:xfrm>
           <a:prstGeom prst="rect">
@@ -22580,27 +22781,27 @@
                   <a:srgbClr val="7030A0"/>
                 </a:solidFill>
               </a:rPr>
-              <a:t>__call__(self[, </a:t>
-            </a:r>
-            <a:r>
-              <a:rPr lang="en-US" sz="3200" dirty="0" err="1">
-                <a:solidFill>
-                  <a:srgbClr val="7030A0"/>
-                </a:solidFill>
-              </a:rPr>
-              <a:t>args</a:t>
-            </a:r>
-            <a:r>
-              <a:rPr lang="en-US" sz="3200" dirty="0">
-                <a:solidFill>
-                  <a:srgbClr val="7030A0"/>
-                </a:solidFill>
-              </a:rPr>
-              <a:t>...]) - </a:t>
+              <a:t>__add__(self, other) - </a:t>
             </a:r>
             <a:r>
               <a:rPr lang="ru-RU" sz="3200" dirty="0"/>
-              <a:t>вызов экземпляра класса как функции.</a:t>
+              <a:t>сложение. </a:t>
+            </a:r>
+            <a:r>
+              <a:rPr lang="en-US" sz="3200" dirty="0"/>
+              <a:t>x + y </a:t>
+            </a:r>
+            <a:r>
+              <a:rPr lang="ru-RU" sz="3200" dirty="0"/>
+              <a:t>вызывает </a:t>
+            </a:r>
+            <a:r>
+              <a:rPr lang="en-US" sz="3200" dirty="0" err="1"/>
+              <a:t>x.__add</a:t>
+            </a:r>
+            <a:r>
+              <a:rPr lang="en-US" sz="3200" dirty="0"/>
+              <a:t>__(y).</a:t>
             </a:r>
           </a:p>
           <a:p>
@@ -22612,7 +22813,7 @@
               <a:buNone/>
             </a:pPr>
             <a:r>
-              <a:rPr lang="ru-RU" sz="3200" dirty="0" smtClean="0">
+              <a:rPr lang="en-US" sz="3200" dirty="0" smtClean="0">
                 <a:solidFill>
                   <a:srgbClr val="7030A0"/>
                 </a:solidFill>
@@ -22620,32 +22821,20 @@
               <a:t>__</a:t>
             </a:r>
             <a:r>
-              <a:rPr lang="en-US" sz="3200" dirty="0" err="1">
+              <a:rPr lang="en-US" sz="3200" dirty="0">
                 <a:solidFill>
                   <a:srgbClr val="7030A0"/>
                 </a:solidFill>
               </a:rPr>
-              <a:t>len</a:t>
-            </a:r>
-            <a:r>
-              <a:rPr lang="en-US" sz="3200" dirty="0">
-                <a:solidFill>
-                  <a:srgbClr val="7030A0"/>
-                </a:solidFill>
-              </a:rPr>
-              <a:t>__(self) - </a:t>
+              <a:t>sub__(self, other) - </a:t>
             </a:r>
             <a:r>
               <a:rPr lang="ru-RU" sz="3200" dirty="0"/>
-              <a:t>длина объекта</a:t>
-            </a:r>
-            <a:r>
-              <a:rPr lang="ru-RU" sz="3200" dirty="0">
-                <a:solidFill>
-                  <a:srgbClr val="7030A0"/>
-                </a:solidFill>
-              </a:rPr>
-              <a:t>.</a:t>
+              <a:t>вычитание (</a:t>
+            </a:r>
+            <a:r>
+              <a:rPr lang="en-US" sz="3200" dirty="0"/>
+              <a:t>x - y).</a:t>
             </a:r>
           </a:p>
           <a:p>
@@ -22657,7 +22846,7 @@
               <a:buNone/>
             </a:pPr>
             <a:r>
-              <a:rPr lang="ru-RU" sz="3200" dirty="0" smtClean="0">
+              <a:rPr lang="en-US" sz="3200" dirty="0" smtClean="0">
                 <a:solidFill>
                   <a:srgbClr val="7030A0"/>
                 </a:solidFill>
@@ -22670,7 +22859,7 @@
                   <a:srgbClr val="7030A0"/>
                 </a:solidFill>
               </a:rPr>
-              <a:t>getitem</a:t>
+              <a:t>mul</a:t>
             </a:r>
             <a:r>
               <a:rPr lang="en-US" sz="3200" dirty="0">
@@ -22678,11 +22867,15 @@
                   <a:srgbClr val="7030A0"/>
                 </a:solidFill>
               </a:rPr>
-              <a:t>__(self, key) - </a:t>
+              <a:t>__(self, other) - </a:t>
             </a:r>
             <a:r>
               <a:rPr lang="ru-RU" sz="3200" dirty="0"/>
-              <a:t>доступ по индексу (или ключу).</a:t>
+              <a:t>умножение (</a:t>
+            </a:r>
+            <a:r>
+              <a:rPr lang="en-US" sz="3200" dirty="0"/>
+              <a:t>x * y).</a:t>
             </a:r>
           </a:p>
           <a:p>
@@ -22694,7 +22887,7 @@
               <a:buNone/>
             </a:pPr>
             <a:r>
-              <a:rPr lang="ru-RU" sz="3200" dirty="0" smtClean="0">
+              <a:rPr lang="en-US" sz="3200" dirty="0" smtClean="0">
                 <a:solidFill>
                   <a:srgbClr val="7030A0"/>
                 </a:solidFill>
@@ -22707,7 +22900,7 @@
                   <a:srgbClr val="7030A0"/>
                 </a:solidFill>
               </a:rPr>
-              <a:t>setitem</a:t>
+              <a:t>truediv</a:t>
             </a:r>
             <a:r>
               <a:rPr lang="en-US" sz="3200" dirty="0">
@@ -22715,11 +22908,15 @@
                   <a:srgbClr val="7030A0"/>
                 </a:solidFill>
               </a:rPr>
-              <a:t>__(self, key, value) - </a:t>
+              <a:t>__(self, other) - </a:t>
             </a:r>
             <a:r>
               <a:rPr lang="ru-RU" sz="3200" dirty="0"/>
-              <a:t>назначение элемента по индексу.</a:t>
+              <a:t>деление (</a:t>
+            </a:r>
+            <a:r>
+              <a:rPr lang="en-US" sz="3200" dirty="0"/>
+              <a:t>x / y).</a:t>
             </a:r>
           </a:p>
           <a:p>
@@ -22731,7 +22928,7 @@
               <a:buNone/>
             </a:pPr>
             <a:r>
-              <a:rPr lang="ru-RU" sz="3200" dirty="0" smtClean="0">
+              <a:rPr lang="en-US" sz="3200" dirty="0" smtClean="0">
                 <a:solidFill>
                   <a:srgbClr val="7030A0"/>
                 </a:solidFill>
@@ -22744,7 +22941,7 @@
                   <a:srgbClr val="7030A0"/>
                 </a:solidFill>
               </a:rPr>
-              <a:t>delitem</a:t>
+              <a:t>floordiv</a:t>
             </a:r>
             <a:r>
               <a:rPr lang="en-US" sz="3200" dirty="0">
@@ -22752,11 +22949,15 @@
                   <a:srgbClr val="7030A0"/>
                 </a:solidFill>
               </a:rPr>
-              <a:t>__(self, key) - </a:t>
+              <a:t>__(self, other) - </a:t>
             </a:r>
             <a:r>
               <a:rPr lang="ru-RU" sz="3200" dirty="0"/>
-              <a:t>удаление элемента по индексу.</a:t>
+              <a:t>целочисленное деление (</a:t>
+            </a:r>
+            <a:r>
+              <a:rPr lang="en-US" sz="3200" dirty="0"/>
+              <a:t>x // y).</a:t>
             </a:r>
           </a:p>
           <a:p>
@@ -22768,7 +22969,7 @@
               <a:buNone/>
             </a:pPr>
             <a:r>
-              <a:rPr lang="ru-RU" sz="3200" dirty="0" smtClean="0">
+              <a:rPr lang="en-US" sz="3200" dirty="0" smtClean="0">
                 <a:solidFill>
                   <a:srgbClr val="7030A0"/>
                 </a:solidFill>
@@ -22776,24 +22977,20 @@
               <a:t>__</a:t>
             </a:r>
             <a:r>
-              <a:rPr lang="en-US" sz="3200" dirty="0" err="1">
+              <a:rPr lang="en-US" sz="3200" dirty="0">
                 <a:solidFill>
                   <a:srgbClr val="7030A0"/>
                 </a:solidFill>
               </a:rPr>
-              <a:t>iter</a:t>
-            </a:r>
-            <a:r>
-              <a:rPr lang="en-US" sz="3200" dirty="0">
-                <a:solidFill>
-                  <a:srgbClr val="7030A0"/>
-                </a:solidFill>
-              </a:rPr>
-              <a:t>__(self) - </a:t>
+              <a:t>mod__(self, other) - </a:t>
             </a:r>
             <a:r>
               <a:rPr lang="ru-RU" sz="3200" dirty="0"/>
-              <a:t>возвращает итератор для контейнера.</a:t>
+              <a:t>остаток от деления (</a:t>
+            </a:r>
+            <a:r>
+              <a:rPr lang="en-US" sz="3200" dirty="0"/>
+              <a:t>x % y).</a:t>
             </a:r>
           </a:p>
           <a:p>
@@ -22805,7 +23002,7 @@
               <a:buNone/>
             </a:pPr>
             <a:r>
-              <a:rPr lang="ru-RU" sz="3200" dirty="0" smtClean="0">
+              <a:rPr lang="en-US" sz="3200" dirty="0" smtClean="0">
                 <a:solidFill>
                   <a:srgbClr val="7030A0"/>
                 </a:solidFill>
@@ -22813,20 +23010,32 @@
               <a:t>__</a:t>
             </a:r>
             <a:r>
+              <a:rPr lang="en-US" sz="3200" dirty="0" err="1">
+                <a:solidFill>
+                  <a:srgbClr val="7030A0"/>
+                </a:solidFill>
+              </a:rPr>
+              <a:t>divmod</a:t>
+            </a:r>
+            <a:r>
               <a:rPr lang="en-US" sz="3200" dirty="0">
                 <a:solidFill>
                   <a:srgbClr val="7030A0"/>
                 </a:solidFill>
               </a:rPr>
-              <a:t>reversed__(self) </a:t>
+              <a:t>__(self, other) - </a:t>
+            </a:r>
+            <a:r>
+              <a:rPr lang="ru-RU" sz="3200" dirty="0"/>
+              <a:t>частное и остаток (</a:t>
+            </a:r>
+            <a:r>
+              <a:rPr lang="en-US" sz="3200" dirty="0" err="1"/>
+              <a:t>divmod</a:t>
             </a:r>
             <a:r>
               <a:rPr lang="en-US" sz="3200" dirty="0"/>
-              <a:t>- </a:t>
-            </a:r>
-            <a:r>
-              <a:rPr lang="ru-RU" sz="3200" dirty="0"/>
-              <a:t>итератор из элементов, следующих в обратном порядке.</a:t>
+              <a:t>(x, y)).</a:t>
             </a:r>
           </a:p>
           <a:p>
@@ -22838,7 +23047,7 @@
               <a:buNone/>
             </a:pPr>
             <a:r>
-              <a:rPr lang="ru-RU" sz="3200" dirty="0" smtClean="0">
+              <a:rPr lang="en-US" sz="3200" dirty="0" smtClean="0">
                 <a:solidFill>
                   <a:srgbClr val="7030A0"/>
                 </a:solidFill>
@@ -22851,19 +23060,15 @@
                   <a:srgbClr val="7030A0"/>
                 </a:solidFill>
               </a:rPr>
-              <a:t>contains__(self, item) </a:t>
+              <a:t>pow__(self, other[, modulo]) - </a:t>
+            </a:r>
+            <a:r>
+              <a:rPr lang="ru-RU" sz="3200" dirty="0"/>
+              <a:t>возведение в степень (</a:t>
             </a:r>
             <a:r>
               <a:rPr lang="en-US" sz="3200" dirty="0"/>
-              <a:t>- </a:t>
-            </a:r>
-            <a:r>
-              <a:rPr lang="ru-RU" sz="3200" dirty="0"/>
-              <a:t>проверка на принадлежность элемента контейнеру (</a:t>
-            </a:r>
-            <a:r>
-              <a:rPr lang="en-US" sz="3200" dirty="0"/>
-              <a:t>item in self).</a:t>
+              <a:t>x ** y, pow(x, y[, modulo])).</a:t>
             </a:r>
           </a:p>
         </p:txBody>
@@ -22871,7 +23076,7 @@
     </p:spTree>
     <p:extLst>
       <p:ext uri="{BB962C8B-B14F-4D97-AF65-F5344CB8AC3E}">
-        <p14:creationId xmlns:p14="http://schemas.microsoft.com/office/powerpoint/2010/main" val="3343206420"/>
+        <p14:creationId xmlns:p14="http://schemas.microsoft.com/office/powerpoint/2010/main" val="2921157635"/>
       </p:ext>
     </p:extLst>
   </p:cSld>
@@ -23858,52 +24063,43 @@
             </a:lvl9pPr>
           </a:lstStyle>
           <a:p>
-            <a:pPr marL="679324" indent="0">
-              <a:buClr>
-                <a:srgbClr val="FFFFFF"/>
-              </a:buClr>
-              <a:buFont typeface="Cabin"/>
-              <a:buNone/>
-            </a:pPr>
+            <a:r>
+              <a:rPr lang="en-US" sz="3200" dirty="0" smtClean="0">
+                <a:solidFill>
+                  <a:srgbClr val="7030A0"/>
+                </a:solidFill>
+              </a:rPr>
+              <a:t>__</a:t>
+            </a:r>
+            <a:r>
+              <a:rPr lang="en-US" sz="3200" dirty="0" err="1">
+                <a:solidFill>
+                  <a:srgbClr val="7030A0"/>
+                </a:solidFill>
+              </a:rPr>
+              <a:t>iadd</a:t>
+            </a:r>
             <a:r>
               <a:rPr lang="en-US" sz="3200" dirty="0">
                 <a:solidFill>
                   <a:srgbClr val="7030A0"/>
                 </a:solidFill>
               </a:rPr>
-              <a:t>__add__(self, other) - </a:t>
-            </a:r>
-            <a:r>
-              <a:rPr lang="ru-RU" sz="3200" dirty="0"/>
-              <a:t>сложение. </a:t>
+              <a:t>__(self, other) </a:t>
             </a:r>
             <a:r>
               <a:rPr lang="en-US" sz="3200" dirty="0"/>
-              <a:t>x + y </a:t>
-            </a:r>
-            <a:r>
-              <a:rPr lang="ru-RU" sz="3200" dirty="0"/>
-              <a:t>вызывает </a:t>
-            </a:r>
-            <a:r>
-              <a:rPr lang="en-US" sz="3200" dirty="0" err="1"/>
-              <a:t>x.__add</a:t>
-            </a:r>
-            <a:r>
-              <a:rPr lang="en-US" sz="3200" dirty="0"/>
-              <a:t>__(y).</a:t>
-            </a:r>
+              <a:t>- </a:t>
+            </a:r>
+            <a:r>
+              <a:rPr lang="en-US" sz="3200" dirty="0" smtClean="0"/>
+              <a:t>+=</a:t>
+            </a:r>
+            <a:endParaRPr lang="en-US" sz="3200" dirty="0"/>
           </a:p>
           <a:p>
-            <a:pPr marL="679324" indent="0">
-              <a:buClr>
-                <a:srgbClr val="FFFFFF"/>
-              </a:buClr>
-              <a:buFont typeface="Cabin"/>
-              <a:buNone/>
-            </a:pPr>
-            <a:r>
-              <a:rPr lang="en-US" sz="3200" dirty="0" smtClean="0">
+            <a:r>
+              <a:rPr lang="en-US" sz="3200" dirty="0">
                 <a:solidFill>
                   <a:srgbClr val="7030A0"/>
                 </a:solidFill>
@@ -23911,32 +24107,34 @@
               <a:t>__</a:t>
             </a:r>
             <a:r>
+              <a:rPr lang="en-US" sz="3200" dirty="0" err="1">
+                <a:solidFill>
+                  <a:srgbClr val="7030A0"/>
+                </a:solidFill>
+              </a:rPr>
+              <a:t>isub</a:t>
+            </a:r>
+            <a:r>
               <a:rPr lang="en-US" sz="3200" dirty="0">
                 <a:solidFill>
                   <a:srgbClr val="7030A0"/>
                 </a:solidFill>
               </a:rPr>
-              <a:t>sub__(self, other) - </a:t>
-            </a:r>
-            <a:r>
-              <a:rPr lang="ru-RU" sz="3200" dirty="0"/>
-              <a:t>вычитание (</a:t>
+              <a:t>__(self, other) </a:t>
             </a:r>
             <a:r>
               <a:rPr lang="en-US" sz="3200" dirty="0"/>
-              <a:t>x - y).</a:t>
-            </a:r>
+              <a:t>- </a:t>
+            </a:r>
+            <a:r>
+              <a:rPr lang="en-US" sz="3200" dirty="0" smtClean="0"/>
+              <a:t>-=</a:t>
+            </a:r>
+            <a:endParaRPr lang="en-US" sz="3200" dirty="0"/>
           </a:p>
           <a:p>
-            <a:pPr marL="679324" indent="0">
-              <a:buClr>
-                <a:srgbClr val="FFFFFF"/>
-              </a:buClr>
-              <a:buFont typeface="Cabin"/>
-              <a:buNone/>
-            </a:pPr>
-            <a:r>
-              <a:rPr lang="en-US" sz="3200" dirty="0" smtClean="0">
+            <a:r>
+              <a:rPr lang="en-US" sz="3200" dirty="0">
                 <a:solidFill>
                   <a:srgbClr val="7030A0"/>
                 </a:solidFill>
@@ -23949,7 +24147,7 @@
                   <a:srgbClr val="7030A0"/>
                 </a:solidFill>
               </a:rPr>
-              <a:t>mul</a:t>
+              <a:t>imul</a:t>
             </a:r>
             <a:r>
               <a:rPr lang="en-US" sz="3200" dirty="0">
@@ -23957,27 +24155,21 @@
                   <a:srgbClr val="7030A0"/>
                 </a:solidFill>
               </a:rPr>
-              <a:t>__(self, other) - </a:t>
-            </a:r>
-            <a:r>
-              <a:rPr lang="ru-RU" sz="3200" dirty="0"/>
-              <a:t>умножение (</a:t>
+              <a:t>__(self, other) </a:t>
             </a:r>
             <a:r>
               <a:rPr lang="en-US" sz="3200" dirty="0"/>
-              <a:t>x * y).</a:t>
-            </a:r>
+              <a:t>- </a:t>
+            </a:r>
+            <a:r>
+              <a:rPr lang="en-US" sz="3200" dirty="0" smtClean="0"/>
+              <a:t>*=</a:t>
+            </a:r>
+            <a:endParaRPr lang="en-US" sz="3200" dirty="0"/>
           </a:p>
           <a:p>
-            <a:pPr marL="679324" indent="0">
-              <a:buClr>
-                <a:srgbClr val="FFFFFF"/>
-              </a:buClr>
-              <a:buFont typeface="Cabin"/>
-              <a:buNone/>
-            </a:pPr>
-            <a:r>
-              <a:rPr lang="en-US" sz="3200" dirty="0" smtClean="0">
+            <a:r>
+              <a:rPr lang="en-US" sz="3200" dirty="0">
                 <a:solidFill>
                   <a:srgbClr val="7030A0"/>
                 </a:solidFill>
@@ -23990,7 +24182,7 @@
                   <a:srgbClr val="7030A0"/>
                 </a:solidFill>
               </a:rPr>
-              <a:t>truediv</a:t>
+              <a:t>itruediv</a:t>
             </a:r>
             <a:r>
               <a:rPr lang="en-US" sz="3200" dirty="0">
@@ -23998,27 +24190,21 @@
                   <a:srgbClr val="7030A0"/>
                 </a:solidFill>
               </a:rPr>
-              <a:t>__(self, other) - </a:t>
-            </a:r>
-            <a:r>
-              <a:rPr lang="ru-RU" sz="3200" dirty="0"/>
-              <a:t>деление (</a:t>
+              <a:t>__(self, other) </a:t>
             </a:r>
             <a:r>
               <a:rPr lang="en-US" sz="3200" dirty="0"/>
-              <a:t>x / y).</a:t>
-            </a:r>
+              <a:t>- </a:t>
+            </a:r>
+            <a:r>
+              <a:rPr lang="en-US" sz="3200" dirty="0" smtClean="0"/>
+              <a:t>/=</a:t>
+            </a:r>
+            <a:endParaRPr lang="en-US" sz="3200" dirty="0"/>
           </a:p>
           <a:p>
-            <a:pPr marL="679324" indent="0">
-              <a:buClr>
-                <a:srgbClr val="FFFFFF"/>
-              </a:buClr>
-              <a:buFont typeface="Cabin"/>
-              <a:buNone/>
-            </a:pPr>
-            <a:r>
-              <a:rPr lang="en-US" sz="3200" dirty="0" smtClean="0">
+            <a:r>
+              <a:rPr lang="en-US" sz="3200" dirty="0">
                 <a:solidFill>
                   <a:srgbClr val="7030A0"/>
                 </a:solidFill>
@@ -24031,7 +24217,7 @@
                   <a:srgbClr val="7030A0"/>
                 </a:solidFill>
               </a:rPr>
-              <a:t>floordiv</a:t>
+              <a:t>ifloordiv</a:t>
             </a:r>
             <a:r>
               <a:rPr lang="en-US" sz="3200" dirty="0">
@@ -24039,27 +24225,21 @@
                   <a:srgbClr val="7030A0"/>
                 </a:solidFill>
               </a:rPr>
-              <a:t>__(self, other) - </a:t>
-            </a:r>
-            <a:r>
-              <a:rPr lang="ru-RU" sz="3200" dirty="0"/>
-              <a:t>целочисленное деление (</a:t>
+              <a:t>__(self, other) </a:t>
             </a:r>
             <a:r>
               <a:rPr lang="en-US" sz="3200" dirty="0"/>
-              <a:t>x // y).</a:t>
-            </a:r>
+              <a:t>- </a:t>
+            </a:r>
+            <a:r>
+              <a:rPr lang="en-US" sz="3200" dirty="0" smtClean="0"/>
+              <a:t>//=</a:t>
+            </a:r>
+            <a:endParaRPr lang="en-US" sz="3200" dirty="0"/>
           </a:p>
           <a:p>
-            <a:pPr marL="679324" indent="0">
-              <a:buClr>
-                <a:srgbClr val="FFFFFF"/>
-              </a:buClr>
-              <a:buFont typeface="Cabin"/>
-              <a:buNone/>
-            </a:pPr>
-            <a:r>
-              <a:rPr lang="en-US" sz="3200" dirty="0" smtClean="0">
+            <a:r>
+              <a:rPr lang="en-US" sz="3200" dirty="0">
                 <a:solidFill>
                   <a:srgbClr val="7030A0"/>
                 </a:solidFill>
@@ -24067,32 +24247,34 @@
               <a:t>__</a:t>
             </a:r>
             <a:r>
+              <a:rPr lang="en-US" sz="3200" dirty="0" err="1">
+                <a:solidFill>
+                  <a:srgbClr val="7030A0"/>
+                </a:solidFill>
+              </a:rPr>
+              <a:t>imod</a:t>
+            </a:r>
+            <a:r>
               <a:rPr lang="en-US" sz="3200" dirty="0">
                 <a:solidFill>
                   <a:srgbClr val="7030A0"/>
                 </a:solidFill>
               </a:rPr>
-              <a:t>mod__(self, other) - </a:t>
-            </a:r>
-            <a:r>
-              <a:rPr lang="ru-RU" sz="3200" dirty="0"/>
-              <a:t>остаток от деления (</a:t>
+              <a:t>__(self, other) </a:t>
             </a:r>
             <a:r>
               <a:rPr lang="en-US" sz="3200" dirty="0"/>
-              <a:t>x % y).</a:t>
-            </a:r>
+              <a:t>- </a:t>
+            </a:r>
+            <a:r>
+              <a:rPr lang="en-US" sz="3200" dirty="0" smtClean="0"/>
+              <a:t>%=</a:t>
+            </a:r>
+            <a:endParaRPr lang="en-US" sz="3200" dirty="0"/>
           </a:p>
           <a:p>
-            <a:pPr marL="679324" indent="0">
-              <a:buClr>
-                <a:srgbClr val="FFFFFF"/>
-              </a:buClr>
-              <a:buFont typeface="Cabin"/>
-              <a:buNone/>
-            </a:pPr>
-            <a:r>
-              <a:rPr lang="en-US" sz="3200" dirty="0" smtClean="0">
+            <a:r>
+              <a:rPr lang="en-US" sz="3200" dirty="0">
                 <a:solidFill>
                   <a:srgbClr val="7030A0"/>
                 </a:solidFill>
@@ -24105,7 +24287,7 @@
                   <a:srgbClr val="7030A0"/>
                 </a:solidFill>
               </a:rPr>
-              <a:t>divmod</a:t>
+              <a:t>ipow</a:t>
             </a:r>
             <a:r>
               <a:rPr lang="en-US" sz="3200" dirty="0">
@@ -24113,60 +24295,529 @@
                   <a:srgbClr val="7030A0"/>
                 </a:solidFill>
               </a:rPr>
-              <a:t>__(self, other) - </a:t>
-            </a:r>
-            <a:r>
-              <a:rPr lang="ru-RU" sz="3200" dirty="0"/>
-              <a:t>частное и остаток (</a:t>
-            </a:r>
-            <a:r>
-              <a:rPr lang="en-US" sz="3200" dirty="0" err="1"/>
-              <a:t>divmod</a:t>
+              <a:t>__(self, other[, modulo]) </a:t>
             </a:r>
             <a:r>
               <a:rPr lang="en-US" sz="3200" dirty="0"/>
-              <a:t>(x, y)).</a:t>
-            </a:r>
-          </a:p>
-          <a:p>
-            <a:pPr marL="679324" indent="0">
-              <a:buClr>
-                <a:srgbClr val="FFFFFF"/>
-              </a:buClr>
-              <a:buFont typeface="Cabin"/>
-              <a:buNone/>
-            </a:pPr>
-            <a:r>
-              <a:rPr lang="en-US" sz="3200" dirty="0" smtClean="0">
-                <a:solidFill>
-                  <a:srgbClr val="7030A0"/>
-                </a:solidFill>
-              </a:rPr>
-              <a:t>__</a:t>
-            </a:r>
-            <a:r>
-              <a:rPr lang="en-US" sz="3200" dirty="0">
-                <a:solidFill>
-                  <a:srgbClr val="7030A0"/>
-                </a:solidFill>
-              </a:rPr>
-              <a:t>pow__(self, other[, modulo]) - </a:t>
-            </a:r>
-            <a:r>
-              <a:rPr lang="ru-RU" sz="3200" dirty="0"/>
-              <a:t>возведение в степень (</a:t>
-            </a:r>
-            <a:r>
-              <a:rPr lang="en-US" sz="3200" dirty="0"/>
-              <a:t>x ** y, pow(x, y[, modulo])).</a:t>
-            </a:r>
+              <a:t>- </a:t>
+            </a:r>
+            <a:r>
+              <a:rPr lang="en-US" sz="3200" dirty="0" smtClean="0"/>
+              <a:t>**=</a:t>
+            </a:r>
+            <a:endParaRPr lang="en-US" sz="3200" dirty="0"/>
           </a:p>
         </p:txBody>
       </p:sp>
     </p:spTree>
     <p:extLst>
       <p:ext uri="{BB962C8B-B14F-4D97-AF65-F5344CB8AC3E}">
-        <p14:creationId xmlns:p14="http://schemas.microsoft.com/office/powerpoint/2010/main" val="2921157635"/>
+        <p14:creationId xmlns:p14="http://schemas.microsoft.com/office/powerpoint/2010/main" val="531587075"/>
+      </p:ext>
+    </p:extLst>
+  </p:cSld>
+  <p:clrMapOvr>
+    <a:masterClrMapping/>
+  </p:clrMapOvr>
+  <p:timing>
+    <p:tnLst>
+      <p:par>
+        <p:cTn id="1" dur="indefinite" restart="never" nodeType="tmRoot"/>
+      </p:par>
+    </p:tnLst>
+  </p:timing>
+</p:sld>
+</file>
+
+<file path=ppt/slides/slide21.xml><?xml version="1.0" encoding="utf-8"?>
+<p:sld xmlns:a="http://schemas.openxmlformats.org/drawingml/2006/main" xmlns:r="http://schemas.openxmlformats.org/officeDocument/2006/relationships" xmlns:p="http://schemas.openxmlformats.org/presentationml/2006/main">
+  <p:cSld>
+    <p:bg>
+      <p:bgPr>
+        <a:solidFill>
+          <a:schemeClr val="bg1"/>
+        </a:solidFill>
+        <a:effectLst/>
+      </p:bgPr>
+    </p:bg>
+    <p:spTree>
+      <p:nvGrpSpPr>
+        <p:cNvPr id="1" name="Shape 212"/>
+        <p:cNvGrpSpPr/>
+        <p:nvPr/>
+      </p:nvGrpSpPr>
+      <p:grpSpPr>
+        <a:xfrm>
+          <a:off x="0" y="0"/>
+          <a:ext cx="0" cy="0"/>
+          <a:chOff x="0" y="0"/>
+          <a:chExt cx="0" cy="0"/>
+        </a:xfrm>
+      </p:grpSpPr>
+      <p:sp>
+        <p:nvSpPr>
+          <p:cNvPr id="213" name="Shape 213"/>
+          <p:cNvSpPr txBox="1">
+            <a:spLocks noGrp="1"/>
+          </p:cNvSpPr>
+          <p:nvPr>
+            <p:ph type="title"/>
+          </p:nvPr>
+        </p:nvSpPr>
+        <p:spPr>
+          <a:xfrm>
+            <a:off x="235974" y="0"/>
+            <a:ext cx="16020026" cy="2286000"/>
+          </a:xfrm>
+          <a:prstGeom prst="rect">
+            <a:avLst/>
+          </a:prstGeom>
+          <a:noFill/>
+          <a:ln>
+            <a:noFill/>
+          </a:ln>
+        </p:spPr>
+        <p:txBody>
+          <a:bodyPr lIns="50800" tIns="50800" rIns="50800" bIns="50800" anchor="ctr" anchorCtr="0">
+            <a:noAutofit/>
+          </a:bodyPr>
+          <a:lstStyle/>
+          <a:p>
+            <a:pPr lvl="0">
+              <a:buClr>
+                <a:srgbClr val="00FF00"/>
+              </a:buClr>
+              <a:buSzPct val="25000"/>
+            </a:pPr>
+            <a:r>
+              <a:rPr lang="ru-RU" sz="7800" dirty="0" smtClean="0">
+                <a:solidFill>
+                  <a:srgbClr val="00FF00"/>
+                </a:solidFill>
+                <a:latin typeface="Cabin"/>
+                <a:ea typeface="Cabin"/>
+                <a:cs typeface="Cabin"/>
+                <a:sym typeface="Cabin"/>
+              </a:rPr>
+              <a:t>Другие магические методы</a:t>
+            </a:r>
+            <a:endParaRPr lang="en-US" sz="7800" dirty="0">
+              <a:solidFill>
+                <a:srgbClr val="00FF00"/>
+              </a:solidFill>
+              <a:latin typeface="Cabin"/>
+              <a:ea typeface="Cabin"/>
+              <a:cs typeface="Cabin"/>
+              <a:sym typeface="Cabin"/>
+            </a:endParaRPr>
+          </a:p>
+        </p:txBody>
+      </p:sp>
+      <p:sp>
+        <p:nvSpPr>
+          <p:cNvPr id="2" name="Rectangle 1"/>
+          <p:cNvSpPr/>
+          <p:nvPr/>
+        </p:nvSpPr>
+        <p:spPr>
+          <a:xfrm>
+            <a:off x="1470613" y="3745735"/>
+            <a:ext cx="13550748" cy="3046988"/>
+          </a:xfrm>
+          <a:prstGeom prst="rect">
+            <a:avLst/>
+          </a:prstGeom>
+        </p:spPr>
+        <p:txBody>
+          <a:bodyPr wrap="square">
+            <a:spAutoFit/>
+          </a:bodyPr>
+          <a:lstStyle/>
+          <a:p>
+            <a:pPr marL="0" marR="0" lvl="0" indent="0" algn="l" defTabSz="914400" rtl="0" eaLnBrk="1" fontAlgn="auto" latinLnBrk="0" hangingPunct="1">
+              <a:lnSpc>
+                <a:spcPct val="100000"/>
+              </a:lnSpc>
+              <a:spcBef>
+                <a:spcPts val="0"/>
+              </a:spcBef>
+              <a:spcAft>
+                <a:spcPts val="0"/>
+              </a:spcAft>
+              <a:buClrTx/>
+              <a:buSzTx/>
+              <a:buFontTx/>
+              <a:buNone/>
+              <a:tabLst/>
+              <a:defRPr/>
+            </a:pPr>
+            <a:r>
+              <a:rPr kumimoji="0" lang="ru-RU" sz="3200" b="0" i="0" u="none" strike="noStrike" kern="0" cap="none" spc="0" normalizeH="0" baseline="0" noProof="0" dirty="0" smtClean="0">
+                <a:ln>
+                  <a:noFill/>
+                </a:ln>
+                <a:solidFill>
+                  <a:srgbClr val="000000"/>
+                </a:solidFill>
+                <a:effectLst/>
+                <a:uLnTx/>
+                <a:uFillTx/>
+                <a:latin typeface="Arial"/>
+                <a:cs typeface="Arial"/>
+                <a:sym typeface="Arial"/>
+              </a:rPr>
+              <a:t>Официальная документация</a:t>
+            </a:r>
+          </a:p>
+          <a:p>
+            <a:pPr marL="0" marR="0" lvl="0" indent="0" algn="l" defTabSz="914400" rtl="0" eaLnBrk="1" fontAlgn="auto" latinLnBrk="0" hangingPunct="1">
+              <a:lnSpc>
+                <a:spcPct val="100000"/>
+              </a:lnSpc>
+              <a:spcBef>
+                <a:spcPts val="0"/>
+              </a:spcBef>
+              <a:spcAft>
+                <a:spcPts val="0"/>
+              </a:spcAft>
+              <a:buClrTx/>
+              <a:buSzTx/>
+              <a:buFontTx/>
+              <a:buNone/>
+              <a:tabLst/>
+              <a:defRPr/>
+            </a:pPr>
+            <a:r>
+              <a:rPr kumimoji="0" lang="ru-RU" sz="3200" b="0" i="0" u="none" strike="noStrike" kern="0" cap="none" spc="0" normalizeH="0" baseline="0" noProof="0" dirty="0" smtClean="0">
+                <a:ln>
+                  <a:noFill/>
+                </a:ln>
+                <a:solidFill>
+                  <a:srgbClr val="000000"/>
+                </a:solidFill>
+                <a:effectLst/>
+                <a:uLnTx/>
+                <a:uFillTx/>
+                <a:latin typeface="Arial"/>
+                <a:cs typeface="Arial"/>
+                <a:sym typeface="Arial"/>
+              </a:rPr>
+              <a:t> </a:t>
+            </a:r>
+            <a:r>
+              <a:rPr kumimoji="0" lang="en-US" sz="3200" b="0" i="0" u="none" strike="noStrike" kern="0" cap="none" spc="0" normalizeH="0" baseline="0" noProof="0" dirty="0" smtClean="0">
+                <a:ln>
+                  <a:noFill/>
+                </a:ln>
+                <a:solidFill>
+                  <a:srgbClr val="000000"/>
+                </a:solidFill>
+                <a:effectLst/>
+                <a:uLnTx/>
+                <a:uFillTx/>
+                <a:latin typeface="Arial"/>
+                <a:cs typeface="Arial"/>
+                <a:sym typeface="Arial"/>
+                <a:hlinkClick r:id="rId3"/>
+              </a:rPr>
+              <a:t>https</a:t>
+            </a:r>
+            <a:r>
+              <a:rPr kumimoji="0" lang="en-US" sz="3200" b="0" i="0" u="none" strike="noStrike" kern="0" cap="none" spc="0" normalizeH="0" baseline="0" noProof="0" dirty="0">
+                <a:ln>
+                  <a:noFill/>
+                </a:ln>
+                <a:solidFill>
+                  <a:srgbClr val="000000"/>
+                </a:solidFill>
+                <a:effectLst/>
+                <a:uLnTx/>
+                <a:uFillTx/>
+                <a:latin typeface="Arial"/>
+                <a:cs typeface="Arial"/>
+                <a:sym typeface="Arial"/>
+                <a:hlinkClick r:id="rId3"/>
+              </a:rPr>
+              <a:t>://</a:t>
+            </a:r>
+            <a:r>
+              <a:rPr kumimoji="0" lang="en-US" sz="3200" b="0" i="0" u="none" strike="noStrike" kern="0" cap="none" spc="0" normalizeH="0" baseline="0" noProof="0" dirty="0" smtClean="0">
+                <a:ln>
+                  <a:noFill/>
+                </a:ln>
+                <a:solidFill>
+                  <a:srgbClr val="000000"/>
+                </a:solidFill>
+                <a:effectLst/>
+                <a:uLnTx/>
+                <a:uFillTx/>
+                <a:latin typeface="Arial"/>
+                <a:cs typeface="Arial"/>
+                <a:sym typeface="Arial"/>
+                <a:hlinkClick r:id="rId3"/>
+              </a:rPr>
+              <a:t>docs.python.org/3/reference/datamodel.html</a:t>
+            </a:r>
+            <a:endParaRPr kumimoji="0" lang="ru-RU" sz="3200" b="0" i="0" u="none" strike="noStrike" kern="0" cap="none" spc="0" normalizeH="0" baseline="0" noProof="0" dirty="0" smtClean="0">
+              <a:ln>
+                <a:noFill/>
+              </a:ln>
+              <a:solidFill>
+                <a:srgbClr val="000000"/>
+              </a:solidFill>
+              <a:effectLst/>
+              <a:uLnTx/>
+              <a:uFillTx/>
+              <a:latin typeface="Arial"/>
+              <a:cs typeface="Arial"/>
+              <a:sym typeface="Arial"/>
+            </a:endParaRPr>
+          </a:p>
+          <a:p>
+            <a:pPr marL="0" marR="0" lvl="0" indent="0" algn="l" defTabSz="914400" rtl="0" eaLnBrk="1" fontAlgn="auto" latinLnBrk="0" hangingPunct="1">
+              <a:lnSpc>
+                <a:spcPct val="100000"/>
+              </a:lnSpc>
+              <a:spcBef>
+                <a:spcPts val="0"/>
+              </a:spcBef>
+              <a:spcAft>
+                <a:spcPts val="0"/>
+              </a:spcAft>
+              <a:buClrTx/>
+              <a:buSzTx/>
+              <a:buFontTx/>
+              <a:buNone/>
+              <a:tabLst/>
+              <a:defRPr/>
+            </a:pPr>
+            <a:endParaRPr kumimoji="0" lang="ru-RU" sz="3200" b="0" i="0" u="none" strike="noStrike" kern="0" cap="none" spc="0" normalizeH="0" baseline="0" noProof="0" dirty="0">
+              <a:ln>
+                <a:noFill/>
+              </a:ln>
+              <a:solidFill>
+                <a:srgbClr val="000000"/>
+              </a:solidFill>
+              <a:effectLst/>
+              <a:uLnTx/>
+              <a:uFillTx/>
+              <a:latin typeface="Arial"/>
+              <a:cs typeface="Arial"/>
+              <a:sym typeface="Arial"/>
+            </a:endParaRPr>
+          </a:p>
+          <a:p>
+            <a:pPr marL="0" marR="0" lvl="0" indent="0" algn="l" defTabSz="914400" rtl="0" eaLnBrk="1" fontAlgn="auto" latinLnBrk="0" hangingPunct="1">
+              <a:lnSpc>
+                <a:spcPct val="100000"/>
+              </a:lnSpc>
+              <a:spcBef>
+                <a:spcPts val="0"/>
+              </a:spcBef>
+              <a:spcAft>
+                <a:spcPts val="0"/>
+              </a:spcAft>
+              <a:buClrTx/>
+              <a:buSzTx/>
+              <a:buFontTx/>
+              <a:buNone/>
+              <a:tabLst/>
+              <a:defRPr/>
+            </a:pPr>
+            <a:endParaRPr kumimoji="0" lang="ru-RU" sz="3200" b="0" i="0" u="none" strike="noStrike" kern="0" cap="none" spc="0" normalizeH="0" baseline="0" noProof="0" dirty="0" smtClean="0">
+              <a:ln>
+                <a:noFill/>
+              </a:ln>
+              <a:solidFill>
+                <a:srgbClr val="000000"/>
+              </a:solidFill>
+              <a:effectLst/>
+              <a:uLnTx/>
+              <a:uFillTx/>
+              <a:latin typeface="Arial"/>
+              <a:cs typeface="Arial"/>
+              <a:sym typeface="Arial"/>
+            </a:endParaRPr>
+          </a:p>
+          <a:p>
+            <a:pPr marL="0" marR="0" lvl="0" indent="0" algn="l" defTabSz="914400" rtl="0" eaLnBrk="1" fontAlgn="auto" latinLnBrk="0" hangingPunct="1">
+              <a:lnSpc>
+                <a:spcPct val="100000"/>
+              </a:lnSpc>
+              <a:spcBef>
+                <a:spcPts val="0"/>
+              </a:spcBef>
+              <a:spcAft>
+                <a:spcPts val="0"/>
+              </a:spcAft>
+              <a:buClrTx/>
+              <a:buSzTx/>
+              <a:buFontTx/>
+              <a:buNone/>
+              <a:tabLst/>
+              <a:defRPr/>
+            </a:pPr>
+            <a:r>
+              <a:rPr kumimoji="0" lang="en-US" sz="3200" b="0" i="0" u="none" strike="noStrike" kern="0" cap="none" spc="0" normalizeH="0" baseline="0" noProof="0" dirty="0">
+                <a:ln>
+                  <a:noFill/>
+                </a:ln>
+                <a:solidFill>
+                  <a:srgbClr val="000000"/>
+                </a:solidFill>
+                <a:effectLst/>
+                <a:uLnTx/>
+                <a:uFillTx/>
+                <a:latin typeface="Arial"/>
+                <a:cs typeface="Arial"/>
+                <a:sym typeface="Arial"/>
+                <a:hlinkClick r:id="rId4"/>
+              </a:rPr>
+              <a:t>Python 3 </a:t>
+            </a:r>
+            <a:r>
+              <a:rPr kumimoji="0" lang="ru-RU" sz="3200" b="0" i="0" u="none" strike="noStrike" kern="0" cap="none" spc="0" normalizeH="0" baseline="0" noProof="0" dirty="0">
+                <a:ln>
+                  <a:noFill/>
+                </a:ln>
+                <a:solidFill>
+                  <a:srgbClr val="000000"/>
+                </a:solidFill>
+                <a:effectLst/>
+                <a:uLnTx/>
+                <a:uFillTx/>
+                <a:latin typeface="Arial"/>
+                <a:cs typeface="Arial"/>
+                <a:sym typeface="Arial"/>
+                <a:hlinkClick r:id="rId4"/>
+              </a:rPr>
+              <a:t>для </a:t>
+            </a:r>
+            <a:r>
+              <a:rPr kumimoji="0" lang="ru-RU" sz="3200" b="0" i="0" u="none" strike="noStrike" kern="0" cap="none" spc="0" normalizeH="0" baseline="0" noProof="0" dirty="0" smtClean="0">
+                <a:ln>
+                  <a:noFill/>
+                </a:ln>
+                <a:solidFill>
+                  <a:srgbClr val="000000"/>
+                </a:solidFill>
+                <a:effectLst/>
+                <a:uLnTx/>
+                <a:uFillTx/>
+                <a:latin typeface="Arial"/>
+                <a:cs typeface="Arial"/>
+                <a:sym typeface="Arial"/>
+                <a:hlinkClick r:id="rId4"/>
+              </a:rPr>
+              <a:t>начинающих</a:t>
+            </a:r>
+            <a:endParaRPr kumimoji="0" lang="ru-RU" sz="3200" b="0" i="0" u="none" strike="noStrike" kern="0" cap="none" spc="0" normalizeH="0" baseline="0" noProof="0" dirty="0" smtClean="0">
+              <a:ln>
+                <a:noFill/>
+              </a:ln>
+              <a:solidFill>
+                <a:srgbClr val="000000"/>
+              </a:solidFill>
+              <a:effectLst/>
+              <a:uLnTx/>
+              <a:uFillTx/>
+              <a:latin typeface="Arial"/>
+              <a:cs typeface="Arial"/>
+              <a:sym typeface="Arial"/>
+            </a:endParaRPr>
+          </a:p>
+          <a:p>
+            <a:pPr marL="0" marR="0" lvl="0" indent="0" algn="l" defTabSz="914400" rtl="0" eaLnBrk="1" fontAlgn="auto" latinLnBrk="0" hangingPunct="1">
+              <a:lnSpc>
+                <a:spcPct val="100000"/>
+              </a:lnSpc>
+              <a:spcBef>
+                <a:spcPts val="0"/>
+              </a:spcBef>
+              <a:spcAft>
+                <a:spcPts val="0"/>
+              </a:spcAft>
+              <a:buClrTx/>
+              <a:buSzTx/>
+              <a:buFontTx/>
+              <a:buNone/>
+              <a:tabLst/>
+              <a:defRPr/>
+            </a:pPr>
+            <a:r>
+              <a:rPr kumimoji="0" lang="en-US" sz="3200" b="0" i="0" u="none" strike="noStrike" kern="0" cap="none" spc="0" normalizeH="0" baseline="0" noProof="0" dirty="0">
+                <a:ln>
+                  <a:noFill/>
+                </a:ln>
+                <a:solidFill>
+                  <a:srgbClr val="000000"/>
+                </a:solidFill>
+                <a:effectLst/>
+                <a:uLnTx/>
+                <a:uFillTx/>
+                <a:latin typeface="Arial"/>
+                <a:cs typeface="Arial"/>
+                <a:sym typeface="Arial"/>
+                <a:hlinkClick r:id="rId5"/>
+              </a:rPr>
+              <a:t>https://</a:t>
+            </a:r>
+            <a:r>
+              <a:rPr kumimoji="0" lang="en-US" sz="3200" b="0" i="0" u="none" strike="noStrike" kern="0" cap="none" spc="0" normalizeH="0" baseline="0" noProof="0" dirty="0" smtClean="0">
+                <a:ln>
+                  <a:noFill/>
+                </a:ln>
+                <a:solidFill>
+                  <a:srgbClr val="000000"/>
+                </a:solidFill>
+                <a:effectLst/>
+                <a:uLnTx/>
+                <a:uFillTx/>
+                <a:latin typeface="Arial"/>
+                <a:cs typeface="Arial"/>
+                <a:sym typeface="Arial"/>
+                <a:hlinkClick r:id="rId5"/>
+              </a:rPr>
+              <a:t>pythonworld.ru/osnovy/peregruzka-operatorov.html</a:t>
+            </a:r>
+            <a:r>
+              <a:rPr kumimoji="0" lang="ru-RU" sz="3200" b="0" i="0" u="none" strike="noStrike" kern="0" cap="none" spc="0" normalizeH="0" baseline="0" noProof="0" dirty="0" smtClean="0">
+                <a:ln>
+                  <a:noFill/>
+                </a:ln>
+                <a:solidFill>
+                  <a:srgbClr val="000000"/>
+                </a:solidFill>
+                <a:effectLst/>
+                <a:uLnTx/>
+                <a:uFillTx/>
+                <a:latin typeface="Arial"/>
+                <a:cs typeface="Arial"/>
+                <a:sym typeface="Arial"/>
+              </a:rPr>
+              <a:t>   </a:t>
+            </a:r>
+            <a:endParaRPr kumimoji="0" lang="ru-RU" sz="3200" b="0" i="0" u="none" strike="noStrike" kern="0" cap="none" spc="0" normalizeH="0" baseline="0" noProof="0" dirty="0">
+              <a:ln>
+                <a:noFill/>
+              </a:ln>
+              <a:solidFill>
+                <a:srgbClr val="000000"/>
+              </a:solidFill>
+              <a:effectLst/>
+              <a:uLnTx/>
+              <a:uFillTx/>
+              <a:latin typeface="Arial"/>
+              <a:cs typeface="Arial"/>
+              <a:sym typeface="Arial"/>
+            </a:endParaRPr>
+          </a:p>
+        </p:txBody>
+      </p:sp>
+    </p:spTree>
+    <p:extLst>
+      <p:ext uri="{BB962C8B-B14F-4D97-AF65-F5344CB8AC3E}">
+        <p14:creationId xmlns:p14="http://schemas.microsoft.com/office/powerpoint/2010/main" val="3098826931"/>
       </p:ext>
     </p:extLst>
   </p:cSld>

--- a/week09/polimorphism.pptx
+++ b/week09/polimorphism.pptx
@@ -36,7 +36,7 @@
   <p:notesSz cx="6858000" cy="9144000"/>
   <p:embeddedFontLst>
     <p:embeddedFont>
-      <p:font typeface="Cabin" panose="020B0604020202020204" charset="0"/>
+      <p:font typeface="Cabin" charset="0"/>
       <p:regular r:id="rId26"/>
       <p:bold r:id="rId27"/>
       <p:italic r:id="rId28"/>
@@ -247,7 +247,7 @@
   </p:defaultTextStyle>
   <p:extLst>
     <p:ext uri="{EFAFB233-063F-42B5-8137-9DF3F51BA10A}">
-      <p15:sldGuideLst xmlns:p15="http://schemas.microsoft.com/office/powerpoint/2012/main">
+      <p15:sldGuideLst xmlns:p15="http://schemas.microsoft.com/office/powerpoint/2012/main" xmlns="">
         <p15:guide id="1" orient="horz" pos="2880">
           <p15:clr>
             <a:srgbClr val="A4A3A4"/>
@@ -19782,7 +19782,28 @@
                 <a:latin typeface="Courier New" pitchFamily="49" charset="0"/>
                 <a:cs typeface="Courier New" pitchFamily="49" charset="0"/>
               </a:rPr>
-              <a:t>		__speed = speed</a:t>
+              <a:t>		</a:t>
+            </a:r>
+            <a:r>
+              <a:rPr lang="en-US" sz="3200" b="1" dirty="0" err="1" smtClean="0">
+                <a:latin typeface="Courier New" pitchFamily="49" charset="0"/>
+                <a:cs typeface="Courier New" pitchFamily="49" charset="0"/>
+              </a:rPr>
+              <a:t>self.__</a:t>
+            </a:r>
+            <a:r>
+              <a:rPr lang="en-US" sz="3200" b="1" dirty="0" err="1" smtClean="0">
+                <a:latin typeface="Courier New" pitchFamily="49" charset="0"/>
+                <a:cs typeface="Courier New" pitchFamily="49" charset="0"/>
+              </a:rPr>
+              <a:t>speed</a:t>
+            </a:r>
+            <a:r>
+              <a:rPr lang="en-US" sz="3200" b="1" dirty="0" smtClean="0">
+                <a:latin typeface="Courier New" pitchFamily="49" charset="0"/>
+                <a:cs typeface="Courier New" pitchFamily="49" charset="0"/>
+              </a:rPr>
+              <a:t> = speed</a:t>
             </a:r>
           </a:p>
           <a:p>
